--- a/aula14/Aula14.pptx
+++ b/aula14/Aula14.pptx
@@ -1,31 +1,126 @@
 
 <file path=ppt/presentation.xml><?xml version="1.0" encoding="utf-8"?>
-<p:presentation xmlns:a="http://schemas.openxmlformats.org/drawingml/2006/main" xmlns:p="http://schemas.openxmlformats.org/presentationml/2006/main" xmlns:r="http://schemas.openxmlformats.org/officeDocument/2006/relationships" xmlns:p14="http://schemas.microsoft.com/office/powerpoint/2010/main" xmlns:p15="http://schemas.microsoft.com/office/powerpoint/2012/main" xmlns:mc="http://schemas.openxmlformats.org/markup-compatibility/2006">
+<p:presentation xmlns:a="http://schemas.openxmlformats.org/drawingml/2006/main" xmlns:r="http://schemas.openxmlformats.org/officeDocument/2006/relationships" xmlns:p="http://schemas.openxmlformats.org/presentationml/2006/main">
   <p:sldMasterIdLst>
-    <p:sldMasterId id="2147483648" r:id="rId2"/>
-    <p:sldMasterId id="2147483661" r:id="rId3"/>
+    <p:sldMasterId id="2147483648" r:id="rId1"/>
+    <p:sldMasterId id="2147483661" r:id="rId2"/>
   </p:sldMasterIdLst>
   <p:sldIdLst>
-    <p:sldId id="256" r:id="rId4"/>
-    <p:sldId id="257" r:id="rId5"/>
-    <p:sldId id="258" r:id="rId6"/>
-    <p:sldId id="259" r:id="rId7"/>
-    <p:sldId id="260" r:id="rId8"/>
-    <p:sldId id="261" r:id="rId9"/>
-    <p:sldId id="262" r:id="rId10"/>
-    <p:sldId id="263" r:id="rId11"/>
-    <p:sldId id="264" r:id="rId12"/>
-    <p:sldId id="265" r:id="rId13"/>
-    <p:sldId id="266" r:id="rId14"/>
-    <p:sldId id="267" r:id="rId15"/>
+    <p:sldId id="256" r:id="rId3"/>
+    <p:sldId id="257" r:id="rId4"/>
+    <p:sldId id="258" r:id="rId5"/>
+    <p:sldId id="259" r:id="rId6"/>
+    <p:sldId id="260" r:id="rId7"/>
+    <p:sldId id="261" r:id="rId8"/>
+    <p:sldId id="262" r:id="rId9"/>
+    <p:sldId id="263" r:id="rId10"/>
+    <p:sldId id="264" r:id="rId11"/>
+    <p:sldId id="265" r:id="rId12"/>
+    <p:sldId id="266" r:id="rId13"/>
+    <p:sldId id="267" r:id="rId14"/>
   </p:sldIdLst>
-  <p:sldSz cx="9144000" cy="5143500"/>
+  <p:sldSz cx="9144000" cy="5143500" type="screen16x9"/>
   <p:notesSz cx="7559675" cy="10691813"/>
+  <p:defaultTextStyle>
+    <a:defPPr>
+      <a:defRPr lang="pt-BR"/>
+    </a:defPPr>
+    <a:lvl1pPr marL="0" algn="l" defTabSz="914400" rtl="0" eaLnBrk="1" latinLnBrk="0" hangingPunct="1">
+      <a:defRPr sz="1800" kern="1200">
+        <a:solidFill>
+          <a:schemeClr val="tx1"/>
+        </a:solidFill>
+        <a:latin typeface="+mn-lt"/>
+        <a:ea typeface="+mn-ea"/>
+        <a:cs typeface="+mn-cs"/>
+      </a:defRPr>
+    </a:lvl1pPr>
+    <a:lvl2pPr marL="457200" algn="l" defTabSz="914400" rtl="0" eaLnBrk="1" latinLnBrk="0" hangingPunct="1">
+      <a:defRPr sz="1800" kern="1200">
+        <a:solidFill>
+          <a:schemeClr val="tx1"/>
+        </a:solidFill>
+        <a:latin typeface="+mn-lt"/>
+        <a:ea typeface="+mn-ea"/>
+        <a:cs typeface="+mn-cs"/>
+      </a:defRPr>
+    </a:lvl2pPr>
+    <a:lvl3pPr marL="914400" algn="l" defTabSz="914400" rtl="0" eaLnBrk="1" latinLnBrk="0" hangingPunct="1">
+      <a:defRPr sz="1800" kern="1200">
+        <a:solidFill>
+          <a:schemeClr val="tx1"/>
+        </a:solidFill>
+        <a:latin typeface="+mn-lt"/>
+        <a:ea typeface="+mn-ea"/>
+        <a:cs typeface="+mn-cs"/>
+      </a:defRPr>
+    </a:lvl3pPr>
+    <a:lvl4pPr marL="1371600" algn="l" defTabSz="914400" rtl="0" eaLnBrk="1" latinLnBrk="0" hangingPunct="1">
+      <a:defRPr sz="1800" kern="1200">
+        <a:solidFill>
+          <a:schemeClr val="tx1"/>
+        </a:solidFill>
+        <a:latin typeface="+mn-lt"/>
+        <a:ea typeface="+mn-ea"/>
+        <a:cs typeface="+mn-cs"/>
+      </a:defRPr>
+    </a:lvl4pPr>
+    <a:lvl5pPr marL="1828800" algn="l" defTabSz="914400" rtl="0" eaLnBrk="1" latinLnBrk="0" hangingPunct="1">
+      <a:defRPr sz="1800" kern="1200">
+        <a:solidFill>
+          <a:schemeClr val="tx1"/>
+        </a:solidFill>
+        <a:latin typeface="+mn-lt"/>
+        <a:ea typeface="+mn-ea"/>
+        <a:cs typeface="+mn-cs"/>
+      </a:defRPr>
+    </a:lvl5pPr>
+    <a:lvl6pPr marL="2286000" algn="l" defTabSz="914400" rtl="0" eaLnBrk="1" latinLnBrk="0" hangingPunct="1">
+      <a:defRPr sz="1800" kern="1200">
+        <a:solidFill>
+          <a:schemeClr val="tx1"/>
+        </a:solidFill>
+        <a:latin typeface="+mn-lt"/>
+        <a:ea typeface="+mn-ea"/>
+        <a:cs typeface="+mn-cs"/>
+      </a:defRPr>
+    </a:lvl6pPr>
+    <a:lvl7pPr marL="2743200" algn="l" defTabSz="914400" rtl="0" eaLnBrk="1" latinLnBrk="0" hangingPunct="1">
+      <a:defRPr sz="1800" kern="1200">
+        <a:solidFill>
+          <a:schemeClr val="tx1"/>
+        </a:solidFill>
+        <a:latin typeface="+mn-lt"/>
+        <a:ea typeface="+mn-ea"/>
+        <a:cs typeface="+mn-cs"/>
+      </a:defRPr>
+    </a:lvl7pPr>
+    <a:lvl8pPr marL="3200400" algn="l" defTabSz="914400" rtl="0" eaLnBrk="1" latinLnBrk="0" hangingPunct="1">
+      <a:defRPr sz="1800" kern="1200">
+        <a:solidFill>
+          <a:schemeClr val="tx1"/>
+        </a:solidFill>
+        <a:latin typeface="+mn-lt"/>
+        <a:ea typeface="+mn-ea"/>
+        <a:cs typeface="+mn-cs"/>
+      </a:defRPr>
+    </a:lvl8pPr>
+    <a:lvl9pPr marL="3657600" algn="l" defTabSz="914400" rtl="0" eaLnBrk="1" latinLnBrk="0" hangingPunct="1">
+      <a:defRPr sz="1800" kern="1200">
+        <a:solidFill>
+          <a:schemeClr val="tx1"/>
+        </a:solidFill>
+        <a:latin typeface="+mn-lt"/>
+        <a:ea typeface="+mn-ea"/>
+        <a:cs typeface="+mn-cs"/>
+      </a:defRPr>
+    </a:lvl9pPr>
+  </p:defaultTextStyle>
 </p:presentation>
 </file>
 
 <file path=ppt/slideLayouts/slideLayout1.xml><?xml version="1.0" encoding="utf-8"?>
-<p:sldLayout xmlns:a="http://schemas.openxmlformats.org/drawingml/2006/main" xmlns:p="http://schemas.openxmlformats.org/presentationml/2006/main" xmlns:r="http://schemas.openxmlformats.org/officeDocument/2006/relationships" xmlns:p14="http://schemas.microsoft.com/office/powerpoint/2010/main" xmlns:p15="http://schemas.microsoft.com/office/powerpoint/2012/main" xmlns:mc="http://schemas.openxmlformats.org/markup-compatibility/2006" type="blank" preserve="1">
+<p:sldLayout xmlns:a="http://schemas.openxmlformats.org/drawingml/2006/main" xmlns:r="http://schemas.openxmlformats.org/officeDocument/2006/relationships" xmlns:p="http://schemas.openxmlformats.org/presentationml/2006/main" type="blank" preserve="1">
   <p:cSld name="Blank Slide">
     <p:spTree>
       <p:nvGrpSpPr>
@@ -43,11 +138,14 @@
       </p:grpSpPr>
     </p:spTree>
   </p:cSld>
+  <p:clrMapOvr>
+    <a:masterClrMapping/>
+  </p:clrMapOvr>
 </p:sldLayout>
 </file>
 
 <file path=ppt/slideLayouts/slideLayout10.xml><?xml version="1.0" encoding="utf-8"?>
-<p:sldLayout xmlns:a="http://schemas.openxmlformats.org/drawingml/2006/main" xmlns:p="http://schemas.openxmlformats.org/presentationml/2006/main" xmlns:r="http://schemas.openxmlformats.org/officeDocument/2006/relationships" xmlns:p14="http://schemas.microsoft.com/office/powerpoint/2010/main" xmlns:p15="http://schemas.microsoft.com/office/powerpoint/2012/main" xmlns:mc="http://schemas.openxmlformats.org/markup-compatibility/2006" type="objOverTx" preserve="1">
+<p:sldLayout xmlns:a="http://schemas.openxmlformats.org/drawingml/2006/main" xmlns:r="http://schemas.openxmlformats.org/officeDocument/2006/relationships" xmlns:p="http://schemas.openxmlformats.org/presentationml/2006/main" type="objOverTx" preserve="1">
   <p:cSld name="Title, Content over Content">
     <p:spTree>
       <p:nvGrpSpPr>
@@ -87,14 +185,15 @@
           </a:ln>
         </p:spPr>
         <p:txBody>
-          <a:bodyPr lIns="0" rIns="0" tIns="0" bIns="0" anchor="ctr">
+          <a:bodyPr lIns="0" tIns="0" rIns="0" bIns="0" anchor="ctr">
             <a:noAutofit/>
           </a:bodyPr>
+          <a:lstStyle/>
           <a:p>
             <a:pPr indent="0" algn="ctr">
               <a:buNone/>
             </a:pPr>
-            <a:endParaRPr b="0" lang="pt-BR" sz="4400" spc="-1" strike="noStrike">
+            <a:endParaRPr lang="pt-BR" sz="4400" b="0" strike="noStrike" spc="-1">
               <a:solidFill>
                 <a:srgbClr val="000000"/>
               </a:solidFill>
@@ -127,9 +226,10 @@
           </a:ln>
         </p:spPr>
         <p:txBody>
-          <a:bodyPr lIns="0" rIns="0" tIns="0" bIns="0" anchor="t">
+          <a:bodyPr lIns="0" tIns="0" rIns="0" bIns="0" anchor="t">
             <a:normAutofit/>
           </a:bodyPr>
+          <a:lstStyle/>
           <a:p>
             <a:pPr indent="0">
               <a:spcBef>
@@ -137,7 +237,7 @@
               </a:spcBef>
               <a:buNone/>
             </a:pPr>
-            <a:endParaRPr b="0" lang="pt-BR" sz="3200" spc="-1" strike="noStrike">
+            <a:endParaRPr lang="pt-BR" sz="3200" b="0" strike="noStrike" spc="-1">
               <a:solidFill>
                 <a:srgbClr val="000000"/>
               </a:solidFill>
@@ -170,9 +270,10 @@
           </a:ln>
         </p:spPr>
         <p:txBody>
-          <a:bodyPr lIns="0" rIns="0" tIns="0" bIns="0" anchor="t">
+          <a:bodyPr lIns="0" tIns="0" rIns="0" bIns="0" anchor="t">
             <a:normAutofit/>
           </a:bodyPr>
+          <a:lstStyle/>
           <a:p>
             <a:pPr indent="0">
               <a:spcBef>
@@ -180,7 +281,7 @@
               </a:spcBef>
               <a:buNone/>
             </a:pPr>
-            <a:endParaRPr b="0" lang="pt-BR" sz="3200" spc="-1" strike="noStrike">
+            <a:endParaRPr lang="pt-BR" sz="3200" b="0" strike="noStrike" spc="-1">
               <a:solidFill>
                 <a:srgbClr val="000000"/>
               </a:solidFill>
@@ -191,11 +292,14 @@
       </p:sp>
     </p:spTree>
   </p:cSld>
+  <p:clrMapOvr>
+    <a:masterClrMapping/>
+  </p:clrMapOvr>
 </p:sldLayout>
 </file>
 
 <file path=ppt/slideLayouts/slideLayout11.xml><?xml version="1.0" encoding="utf-8"?>
-<p:sldLayout xmlns:a="http://schemas.openxmlformats.org/drawingml/2006/main" xmlns:p="http://schemas.openxmlformats.org/presentationml/2006/main" xmlns:r="http://schemas.openxmlformats.org/officeDocument/2006/relationships" xmlns:p14="http://schemas.microsoft.com/office/powerpoint/2010/main" xmlns:p15="http://schemas.microsoft.com/office/powerpoint/2012/main" xmlns:mc="http://schemas.openxmlformats.org/markup-compatibility/2006" type="fourObj" preserve="1">
+<p:sldLayout xmlns:a="http://schemas.openxmlformats.org/drawingml/2006/main" xmlns:r="http://schemas.openxmlformats.org/officeDocument/2006/relationships" xmlns:p="http://schemas.openxmlformats.org/presentationml/2006/main" type="fourObj" preserve="1">
   <p:cSld name="Title, 4 Content">
     <p:spTree>
       <p:nvGrpSpPr>
@@ -235,14 +339,15 @@
           </a:ln>
         </p:spPr>
         <p:txBody>
-          <a:bodyPr lIns="0" rIns="0" tIns="0" bIns="0" anchor="ctr">
+          <a:bodyPr lIns="0" tIns="0" rIns="0" bIns="0" anchor="ctr">
             <a:noAutofit/>
           </a:bodyPr>
+          <a:lstStyle/>
           <a:p>
             <a:pPr indent="0" algn="ctr">
               <a:buNone/>
             </a:pPr>
-            <a:endParaRPr b="0" lang="pt-BR" sz="4400" spc="-1" strike="noStrike">
+            <a:endParaRPr lang="pt-BR" sz="4400" b="0" strike="noStrike" spc="-1">
               <a:solidFill>
                 <a:srgbClr val="000000"/>
               </a:solidFill>
@@ -275,9 +380,10 @@
           </a:ln>
         </p:spPr>
         <p:txBody>
-          <a:bodyPr lIns="0" rIns="0" tIns="0" bIns="0" anchor="t">
+          <a:bodyPr lIns="0" tIns="0" rIns="0" bIns="0" anchor="t">
             <a:normAutofit/>
           </a:bodyPr>
+          <a:lstStyle/>
           <a:p>
             <a:pPr indent="0">
               <a:spcBef>
@@ -285,7 +391,7 @@
               </a:spcBef>
               <a:buNone/>
             </a:pPr>
-            <a:endParaRPr b="0" lang="pt-BR" sz="3200" spc="-1" strike="noStrike">
+            <a:endParaRPr lang="pt-BR" sz="3200" b="0" strike="noStrike" spc="-1">
               <a:solidFill>
                 <a:srgbClr val="000000"/>
               </a:solidFill>
@@ -318,9 +424,10 @@
           </a:ln>
         </p:spPr>
         <p:txBody>
-          <a:bodyPr lIns="0" rIns="0" tIns="0" bIns="0" anchor="t">
+          <a:bodyPr lIns="0" tIns="0" rIns="0" bIns="0" anchor="t">
             <a:normAutofit/>
           </a:bodyPr>
+          <a:lstStyle/>
           <a:p>
             <a:pPr indent="0">
               <a:spcBef>
@@ -328,7 +435,7 @@
               </a:spcBef>
               <a:buNone/>
             </a:pPr>
-            <a:endParaRPr b="0" lang="pt-BR" sz="3200" spc="-1" strike="noStrike">
+            <a:endParaRPr lang="pt-BR" sz="3200" b="0" strike="noStrike" spc="-1">
               <a:solidFill>
                 <a:srgbClr val="000000"/>
               </a:solidFill>
@@ -361,9 +468,10 @@
           </a:ln>
         </p:spPr>
         <p:txBody>
-          <a:bodyPr lIns="0" rIns="0" tIns="0" bIns="0" anchor="t">
+          <a:bodyPr lIns="0" tIns="0" rIns="0" bIns="0" anchor="t">
             <a:normAutofit/>
           </a:bodyPr>
+          <a:lstStyle/>
           <a:p>
             <a:pPr indent="0">
               <a:spcBef>
@@ -371,7 +479,7 @@
               </a:spcBef>
               <a:buNone/>
             </a:pPr>
-            <a:endParaRPr b="0" lang="pt-BR" sz="3200" spc="-1" strike="noStrike">
+            <a:endParaRPr lang="pt-BR" sz="3200" b="0" strike="noStrike" spc="-1">
               <a:solidFill>
                 <a:srgbClr val="000000"/>
               </a:solidFill>
@@ -404,9 +512,10 @@
           </a:ln>
         </p:spPr>
         <p:txBody>
-          <a:bodyPr lIns="0" rIns="0" tIns="0" bIns="0" anchor="t">
+          <a:bodyPr lIns="0" tIns="0" rIns="0" bIns="0" anchor="t">
             <a:normAutofit/>
           </a:bodyPr>
+          <a:lstStyle/>
           <a:p>
             <a:pPr indent="0">
               <a:spcBef>
@@ -414,7 +523,7 @@
               </a:spcBef>
               <a:buNone/>
             </a:pPr>
-            <a:endParaRPr b="0" lang="pt-BR" sz="3200" spc="-1" strike="noStrike">
+            <a:endParaRPr lang="pt-BR" sz="3200" b="0" strike="noStrike" spc="-1">
               <a:solidFill>
                 <a:srgbClr val="000000"/>
               </a:solidFill>
@@ -425,11 +534,14 @@
       </p:sp>
     </p:spTree>
   </p:cSld>
+  <p:clrMapOvr>
+    <a:masterClrMapping/>
+  </p:clrMapOvr>
 </p:sldLayout>
 </file>
 
 <file path=ppt/slideLayouts/slideLayout12.xml><?xml version="1.0" encoding="utf-8"?>
-<p:sldLayout xmlns:a="http://schemas.openxmlformats.org/drawingml/2006/main" xmlns:p="http://schemas.openxmlformats.org/presentationml/2006/main" xmlns:r="http://schemas.openxmlformats.org/officeDocument/2006/relationships" xmlns:p14="http://schemas.microsoft.com/office/powerpoint/2010/main" xmlns:p15="http://schemas.microsoft.com/office/powerpoint/2012/main" xmlns:mc="http://schemas.openxmlformats.org/markup-compatibility/2006" type="blank" preserve="1">
+<p:sldLayout xmlns:a="http://schemas.openxmlformats.org/drawingml/2006/main" xmlns:r="http://schemas.openxmlformats.org/officeDocument/2006/relationships" xmlns:p="http://schemas.openxmlformats.org/presentationml/2006/main" type="blank" preserve="1">
   <p:cSld name="Title, 6 Content">
     <p:spTree>
       <p:nvGrpSpPr>
@@ -469,14 +581,15 @@
           </a:ln>
         </p:spPr>
         <p:txBody>
-          <a:bodyPr lIns="0" rIns="0" tIns="0" bIns="0" anchor="ctr">
+          <a:bodyPr lIns="0" tIns="0" rIns="0" bIns="0" anchor="ctr">
             <a:noAutofit/>
           </a:bodyPr>
+          <a:lstStyle/>
           <a:p>
             <a:pPr indent="0" algn="ctr">
               <a:buNone/>
             </a:pPr>
-            <a:endParaRPr b="0" lang="pt-BR" sz="4400" spc="-1" strike="noStrike">
+            <a:endParaRPr lang="pt-BR" sz="4400" b="0" strike="noStrike" spc="-1">
               <a:solidFill>
                 <a:srgbClr val="000000"/>
               </a:solidFill>
@@ -509,9 +622,10 @@
           </a:ln>
         </p:spPr>
         <p:txBody>
-          <a:bodyPr lIns="0" rIns="0" tIns="0" bIns="0" anchor="t">
+          <a:bodyPr lIns="0" tIns="0" rIns="0" bIns="0" anchor="t">
             <a:normAutofit/>
           </a:bodyPr>
+          <a:lstStyle/>
           <a:p>
             <a:pPr indent="0">
               <a:spcBef>
@@ -519,7 +633,7 @@
               </a:spcBef>
               <a:buNone/>
             </a:pPr>
-            <a:endParaRPr b="0" lang="pt-BR" sz="3200" spc="-1" strike="noStrike">
+            <a:endParaRPr lang="pt-BR" sz="3200" b="0" strike="noStrike" spc="-1">
               <a:solidFill>
                 <a:srgbClr val="000000"/>
               </a:solidFill>
@@ -552,9 +666,10 @@
           </a:ln>
         </p:spPr>
         <p:txBody>
-          <a:bodyPr lIns="0" rIns="0" tIns="0" bIns="0" anchor="t">
+          <a:bodyPr lIns="0" tIns="0" rIns="0" bIns="0" anchor="t">
             <a:normAutofit/>
           </a:bodyPr>
+          <a:lstStyle/>
           <a:p>
             <a:pPr indent="0">
               <a:spcBef>
@@ -562,7 +677,7 @@
               </a:spcBef>
               <a:buNone/>
             </a:pPr>
-            <a:endParaRPr b="0" lang="pt-BR" sz="3200" spc="-1" strike="noStrike">
+            <a:endParaRPr lang="pt-BR" sz="3200" b="0" strike="noStrike" spc="-1">
               <a:solidFill>
                 <a:srgbClr val="000000"/>
               </a:solidFill>
@@ -595,9 +710,10 @@
           </a:ln>
         </p:spPr>
         <p:txBody>
-          <a:bodyPr lIns="0" rIns="0" tIns="0" bIns="0" anchor="t">
+          <a:bodyPr lIns="0" tIns="0" rIns="0" bIns="0" anchor="t">
             <a:normAutofit/>
           </a:bodyPr>
+          <a:lstStyle/>
           <a:p>
             <a:pPr indent="0">
               <a:spcBef>
@@ -605,7 +721,7 @@
               </a:spcBef>
               <a:buNone/>
             </a:pPr>
-            <a:endParaRPr b="0" lang="pt-BR" sz="3200" spc="-1" strike="noStrike">
+            <a:endParaRPr lang="pt-BR" sz="3200" b="0" strike="noStrike" spc="-1">
               <a:solidFill>
                 <a:srgbClr val="000000"/>
               </a:solidFill>
@@ -638,9 +754,10 @@
           </a:ln>
         </p:spPr>
         <p:txBody>
-          <a:bodyPr lIns="0" rIns="0" tIns="0" bIns="0" anchor="t">
+          <a:bodyPr lIns="0" tIns="0" rIns="0" bIns="0" anchor="t">
             <a:normAutofit/>
           </a:bodyPr>
+          <a:lstStyle/>
           <a:p>
             <a:pPr indent="0">
               <a:spcBef>
@@ -648,7 +765,7 @@
               </a:spcBef>
               <a:buNone/>
             </a:pPr>
-            <a:endParaRPr b="0" lang="pt-BR" sz="3200" spc="-1" strike="noStrike">
+            <a:endParaRPr lang="pt-BR" sz="3200" b="0" strike="noStrike" spc="-1">
               <a:solidFill>
                 <a:srgbClr val="000000"/>
               </a:solidFill>
@@ -681,9 +798,10 @@
           </a:ln>
         </p:spPr>
         <p:txBody>
-          <a:bodyPr lIns="0" rIns="0" tIns="0" bIns="0" anchor="t">
+          <a:bodyPr lIns="0" tIns="0" rIns="0" bIns="0" anchor="t">
             <a:normAutofit/>
           </a:bodyPr>
+          <a:lstStyle/>
           <a:p>
             <a:pPr indent="0">
               <a:spcBef>
@@ -691,7 +809,7 @@
               </a:spcBef>
               <a:buNone/>
             </a:pPr>
-            <a:endParaRPr b="0" lang="pt-BR" sz="3200" spc="-1" strike="noStrike">
+            <a:endParaRPr lang="pt-BR" sz="3200" b="0" strike="noStrike" spc="-1">
               <a:solidFill>
                 <a:srgbClr val="000000"/>
               </a:solidFill>
@@ -724,9 +842,10 @@
           </a:ln>
         </p:spPr>
         <p:txBody>
-          <a:bodyPr lIns="0" rIns="0" tIns="0" bIns="0" anchor="t">
+          <a:bodyPr lIns="0" tIns="0" rIns="0" bIns="0" anchor="t">
             <a:normAutofit/>
           </a:bodyPr>
+          <a:lstStyle/>
           <a:p>
             <a:pPr indent="0">
               <a:spcBef>
@@ -734,7 +853,7 @@
               </a:spcBef>
               <a:buNone/>
             </a:pPr>
-            <a:endParaRPr b="0" lang="pt-BR" sz="3200" spc="-1" strike="noStrike">
+            <a:endParaRPr lang="pt-BR" sz="3200" b="0" strike="noStrike" spc="-1">
               <a:solidFill>
                 <a:srgbClr val="000000"/>
               </a:solidFill>
@@ -745,11 +864,14 @@
       </p:sp>
     </p:spTree>
   </p:cSld>
+  <p:clrMapOvr>
+    <a:masterClrMapping/>
+  </p:clrMapOvr>
 </p:sldLayout>
 </file>
 
 <file path=ppt/slideLayouts/slideLayout13.xml><?xml version="1.0" encoding="utf-8"?>
-<p:sldLayout xmlns:a="http://schemas.openxmlformats.org/drawingml/2006/main" xmlns:p="http://schemas.openxmlformats.org/presentationml/2006/main" xmlns:r="http://schemas.openxmlformats.org/officeDocument/2006/relationships" xmlns:p14="http://schemas.microsoft.com/office/powerpoint/2010/main" xmlns:p15="http://schemas.microsoft.com/office/powerpoint/2012/main" xmlns:mc="http://schemas.openxmlformats.org/markup-compatibility/2006" type="blank" preserve="1">
+<p:sldLayout xmlns:a="http://schemas.openxmlformats.org/drawingml/2006/main" xmlns:r="http://schemas.openxmlformats.org/officeDocument/2006/relationships" xmlns:p="http://schemas.openxmlformats.org/presentationml/2006/main" type="blank" preserve="1">
   <p:cSld name="Blank Slide">
     <p:spTree>
       <p:nvGrpSpPr>
@@ -778,6 +900,7 @@
         <p:spPr/>
         <p:txBody>
           <a:bodyPr/>
+          <a:lstStyle/>
           <a:p>
             <a:r>
               <a:t>Footer</a:t>
@@ -798,10 +921,12 @@
         <p:spPr/>
         <p:txBody>
           <a:bodyPr/>
+          <a:lstStyle/>
           <a:p>
             <a:fld id="{3D2C1DA7-659D-40FC-9EC3-A22488448C14}" type="slidenum">
-              <a:t>&lt;#&gt;</a:t>
+              <a:t>‹nº›</a:t>
             </a:fld>
+            <a:endParaRPr/>
           </a:p>
         </p:txBody>
       </p:sp>
@@ -818,21 +943,22 @@
         <p:spPr/>
         <p:txBody>
           <a:bodyPr/>
-          <a:p>
-            <a:r>
-              <a:rPr lang="pt-BR"/>
-              <a:t/>
-            </a:r>
+          <a:lstStyle/>
+          <a:p>
+            <a:endParaRPr/>
           </a:p>
         </p:txBody>
       </p:sp>
     </p:spTree>
   </p:cSld>
+  <p:clrMapOvr>
+    <a:masterClrMapping/>
+  </p:clrMapOvr>
 </p:sldLayout>
 </file>
 
 <file path=ppt/slideLayouts/slideLayout14.xml><?xml version="1.0" encoding="utf-8"?>
-<p:sldLayout xmlns:a="http://schemas.openxmlformats.org/drawingml/2006/main" xmlns:p="http://schemas.openxmlformats.org/presentationml/2006/main" xmlns:r="http://schemas.openxmlformats.org/officeDocument/2006/relationships" xmlns:p14="http://schemas.microsoft.com/office/powerpoint/2010/main" xmlns:p15="http://schemas.microsoft.com/office/powerpoint/2012/main" xmlns:mc="http://schemas.openxmlformats.org/markup-compatibility/2006" type="tx" preserve="1">
+<p:sldLayout xmlns:a="http://schemas.openxmlformats.org/drawingml/2006/main" xmlns:r="http://schemas.openxmlformats.org/officeDocument/2006/relationships" xmlns:p="http://schemas.openxmlformats.org/presentationml/2006/main" type="tx" preserve="1">
   <p:cSld name="Title Slide">
     <p:spTree>
       <p:nvGrpSpPr>
@@ -872,14 +998,15 @@
           </a:ln>
         </p:spPr>
         <p:txBody>
-          <a:bodyPr lIns="0" rIns="0" tIns="0" bIns="0" anchor="ctr">
+          <a:bodyPr lIns="0" tIns="0" rIns="0" bIns="0" anchor="ctr">
             <a:noAutofit/>
           </a:bodyPr>
+          <a:lstStyle/>
           <a:p>
             <a:pPr indent="0" algn="ctr">
               <a:buNone/>
             </a:pPr>
-            <a:endParaRPr b="0" lang="pt-BR" sz="4400" spc="-1" strike="noStrike">
+            <a:endParaRPr lang="pt-BR" sz="4400" b="0" strike="noStrike" spc="-1">
               <a:solidFill>
                 <a:srgbClr val="000000"/>
               </a:solidFill>
@@ -912,14 +1039,15 @@
           </a:ln>
         </p:spPr>
         <p:txBody>
-          <a:bodyPr lIns="0" rIns="0" tIns="0" bIns="0" anchor="ctr">
+          <a:bodyPr lIns="0" tIns="0" rIns="0" bIns="0" anchor="ctr">
             <a:noAutofit/>
           </a:bodyPr>
+          <a:lstStyle/>
           <a:p>
             <a:pPr indent="0" algn="ctr">
               <a:buNone/>
             </a:pPr>
-            <a:endParaRPr b="0" lang="pt-BR" sz="3200" spc="-1" strike="noStrike">
+            <a:endParaRPr lang="pt-BR" sz="3200" b="0" strike="noStrike" spc="-1">
               <a:solidFill>
                 <a:srgbClr val="000000"/>
               </a:solidFill>
@@ -941,6 +1069,7 @@
         <p:spPr/>
         <p:txBody>
           <a:bodyPr/>
+          <a:lstStyle/>
           <a:p>
             <a:r>
               <a:t>Footer</a:t>
@@ -961,10 +1090,12 @@
         <p:spPr/>
         <p:txBody>
           <a:bodyPr/>
+          <a:lstStyle/>
           <a:p>
             <a:fld id="{622858BB-C26D-4C49-BA2D-CA84BECE9924}" type="slidenum">
-              <a:t>&lt;#&gt;</a:t>
+              <a:t>‹nº›</a:t>
             </a:fld>
+            <a:endParaRPr/>
           </a:p>
         </p:txBody>
       </p:sp>
@@ -981,21 +1112,22 @@
         <p:spPr/>
         <p:txBody>
           <a:bodyPr/>
-          <a:p>
-            <a:r>
-              <a:rPr lang="pt-BR"/>
-              <a:t/>
-            </a:r>
+          <a:lstStyle/>
+          <a:p>
+            <a:endParaRPr/>
           </a:p>
         </p:txBody>
       </p:sp>
     </p:spTree>
   </p:cSld>
+  <p:clrMapOvr>
+    <a:masterClrMapping/>
+  </p:clrMapOvr>
 </p:sldLayout>
 </file>
 
 <file path=ppt/slideLayouts/slideLayout15.xml><?xml version="1.0" encoding="utf-8"?>
-<p:sldLayout xmlns:a="http://schemas.openxmlformats.org/drawingml/2006/main" xmlns:p="http://schemas.openxmlformats.org/presentationml/2006/main" xmlns:r="http://schemas.openxmlformats.org/officeDocument/2006/relationships" xmlns:p14="http://schemas.microsoft.com/office/powerpoint/2010/main" xmlns:p15="http://schemas.microsoft.com/office/powerpoint/2012/main" xmlns:mc="http://schemas.openxmlformats.org/markup-compatibility/2006" type="obj" preserve="1">
+<p:sldLayout xmlns:a="http://schemas.openxmlformats.org/drawingml/2006/main" xmlns:r="http://schemas.openxmlformats.org/officeDocument/2006/relationships" xmlns:p="http://schemas.openxmlformats.org/presentationml/2006/main" type="obj" preserve="1">
   <p:cSld name="Title, Content">
     <p:spTree>
       <p:nvGrpSpPr>
@@ -1035,14 +1167,15 @@
           </a:ln>
         </p:spPr>
         <p:txBody>
-          <a:bodyPr lIns="0" rIns="0" tIns="0" bIns="0" anchor="ctr">
+          <a:bodyPr lIns="0" tIns="0" rIns="0" bIns="0" anchor="ctr">
             <a:noAutofit/>
           </a:bodyPr>
+          <a:lstStyle/>
           <a:p>
             <a:pPr indent="0" algn="ctr">
               <a:buNone/>
             </a:pPr>
-            <a:endParaRPr b="0" lang="pt-BR" sz="4400" spc="-1" strike="noStrike">
+            <a:endParaRPr lang="pt-BR" sz="4400" b="0" strike="noStrike" spc="-1">
               <a:solidFill>
                 <a:srgbClr val="000000"/>
               </a:solidFill>
@@ -1075,9 +1208,10 @@
           </a:ln>
         </p:spPr>
         <p:txBody>
-          <a:bodyPr lIns="0" rIns="0" tIns="0" bIns="0" anchor="t">
+          <a:bodyPr lIns="0" tIns="0" rIns="0" bIns="0" anchor="t">
             <a:normAutofit/>
           </a:bodyPr>
+          <a:lstStyle/>
           <a:p>
             <a:pPr indent="0">
               <a:spcBef>
@@ -1085,7 +1219,7 @@
               </a:spcBef>
               <a:buNone/>
             </a:pPr>
-            <a:endParaRPr b="0" lang="pt-BR" sz="3200" spc="-1" strike="noStrike">
+            <a:endParaRPr lang="pt-BR" sz="3200" b="0" strike="noStrike" spc="-1">
               <a:solidFill>
                 <a:srgbClr val="000000"/>
               </a:solidFill>
@@ -1107,6 +1241,7 @@
         <p:spPr/>
         <p:txBody>
           <a:bodyPr/>
+          <a:lstStyle/>
           <a:p>
             <a:r>
               <a:t>Footer</a:t>
@@ -1127,10 +1262,12 @@
         <p:spPr/>
         <p:txBody>
           <a:bodyPr/>
+          <a:lstStyle/>
           <a:p>
             <a:fld id="{844CECBD-FEFF-4ACE-A770-C8364195B28A}" type="slidenum">
-              <a:t>&lt;#&gt;</a:t>
+              <a:t>‹nº›</a:t>
             </a:fld>
+            <a:endParaRPr/>
           </a:p>
         </p:txBody>
       </p:sp>
@@ -1147,21 +1284,22 @@
         <p:spPr/>
         <p:txBody>
           <a:bodyPr/>
-          <a:p>
-            <a:r>
-              <a:rPr lang="pt-BR"/>
-              <a:t/>
-            </a:r>
+          <a:lstStyle/>
+          <a:p>
+            <a:endParaRPr/>
           </a:p>
         </p:txBody>
       </p:sp>
     </p:spTree>
   </p:cSld>
+  <p:clrMapOvr>
+    <a:masterClrMapping/>
+  </p:clrMapOvr>
 </p:sldLayout>
 </file>
 
 <file path=ppt/slideLayouts/slideLayout16.xml><?xml version="1.0" encoding="utf-8"?>
-<p:sldLayout xmlns:a="http://schemas.openxmlformats.org/drawingml/2006/main" xmlns:p="http://schemas.openxmlformats.org/presentationml/2006/main" xmlns:r="http://schemas.openxmlformats.org/officeDocument/2006/relationships" xmlns:p14="http://schemas.microsoft.com/office/powerpoint/2010/main" xmlns:p15="http://schemas.microsoft.com/office/powerpoint/2012/main" xmlns:mc="http://schemas.openxmlformats.org/markup-compatibility/2006" type="twoObj" preserve="1">
+<p:sldLayout xmlns:a="http://schemas.openxmlformats.org/drawingml/2006/main" xmlns:r="http://schemas.openxmlformats.org/officeDocument/2006/relationships" xmlns:p="http://schemas.openxmlformats.org/presentationml/2006/main" type="twoObj" preserve="1">
   <p:cSld name="Title, 2 Content">
     <p:spTree>
       <p:nvGrpSpPr>
@@ -1201,14 +1339,15 @@
           </a:ln>
         </p:spPr>
         <p:txBody>
-          <a:bodyPr lIns="0" rIns="0" tIns="0" bIns="0" anchor="ctr">
+          <a:bodyPr lIns="0" tIns="0" rIns="0" bIns="0" anchor="ctr">
             <a:noAutofit/>
           </a:bodyPr>
+          <a:lstStyle/>
           <a:p>
             <a:pPr indent="0" algn="ctr">
               <a:buNone/>
             </a:pPr>
-            <a:endParaRPr b="0" lang="pt-BR" sz="4400" spc="-1" strike="noStrike">
+            <a:endParaRPr lang="pt-BR" sz="4400" b="0" strike="noStrike" spc="-1">
               <a:solidFill>
                 <a:srgbClr val="000000"/>
               </a:solidFill>
@@ -1241,9 +1380,10 @@
           </a:ln>
         </p:spPr>
         <p:txBody>
-          <a:bodyPr lIns="0" rIns="0" tIns="0" bIns="0" anchor="t">
+          <a:bodyPr lIns="0" tIns="0" rIns="0" bIns="0" anchor="t">
             <a:normAutofit/>
           </a:bodyPr>
+          <a:lstStyle/>
           <a:p>
             <a:pPr indent="0">
               <a:spcBef>
@@ -1251,7 +1391,7 @@
               </a:spcBef>
               <a:buNone/>
             </a:pPr>
-            <a:endParaRPr b="0" lang="pt-BR" sz="3200" spc="-1" strike="noStrike">
+            <a:endParaRPr lang="pt-BR" sz="3200" b="0" strike="noStrike" spc="-1">
               <a:solidFill>
                 <a:srgbClr val="000000"/>
               </a:solidFill>
@@ -1284,9 +1424,10 @@
           </a:ln>
         </p:spPr>
         <p:txBody>
-          <a:bodyPr lIns="0" rIns="0" tIns="0" bIns="0" anchor="t">
+          <a:bodyPr lIns="0" tIns="0" rIns="0" bIns="0" anchor="t">
             <a:normAutofit/>
           </a:bodyPr>
+          <a:lstStyle/>
           <a:p>
             <a:pPr indent="0">
               <a:spcBef>
@@ -1294,7 +1435,7 @@
               </a:spcBef>
               <a:buNone/>
             </a:pPr>
-            <a:endParaRPr b="0" lang="pt-BR" sz="3200" spc="-1" strike="noStrike">
+            <a:endParaRPr lang="pt-BR" sz="3200" b="0" strike="noStrike" spc="-1">
               <a:solidFill>
                 <a:srgbClr val="000000"/>
               </a:solidFill>
@@ -1316,6 +1457,7 @@
         <p:spPr/>
         <p:txBody>
           <a:bodyPr/>
+          <a:lstStyle/>
           <a:p>
             <a:r>
               <a:t>Footer</a:t>
@@ -1336,10 +1478,12 @@
         <p:spPr/>
         <p:txBody>
           <a:bodyPr/>
+          <a:lstStyle/>
           <a:p>
             <a:fld id="{E016ABBA-DD65-4937-AA7A-EB46BD42B2BA}" type="slidenum">
-              <a:t>&lt;#&gt;</a:t>
+              <a:t>‹nº›</a:t>
             </a:fld>
+            <a:endParaRPr/>
           </a:p>
         </p:txBody>
       </p:sp>
@@ -1356,21 +1500,22 @@
         <p:spPr/>
         <p:txBody>
           <a:bodyPr/>
-          <a:p>
-            <a:r>
-              <a:rPr lang="pt-BR"/>
-              <a:t/>
-            </a:r>
+          <a:lstStyle/>
+          <a:p>
+            <a:endParaRPr/>
           </a:p>
         </p:txBody>
       </p:sp>
     </p:spTree>
   </p:cSld>
+  <p:clrMapOvr>
+    <a:masterClrMapping/>
+  </p:clrMapOvr>
 </p:sldLayout>
 </file>
 
 <file path=ppt/slideLayouts/slideLayout17.xml><?xml version="1.0" encoding="utf-8"?>
-<p:sldLayout xmlns:a="http://schemas.openxmlformats.org/drawingml/2006/main" xmlns:p="http://schemas.openxmlformats.org/presentationml/2006/main" xmlns:r="http://schemas.openxmlformats.org/officeDocument/2006/relationships" xmlns:p14="http://schemas.microsoft.com/office/powerpoint/2010/main" xmlns:p15="http://schemas.microsoft.com/office/powerpoint/2012/main" xmlns:mc="http://schemas.openxmlformats.org/markup-compatibility/2006" type="titleOnly" preserve="1">
+<p:sldLayout xmlns:a="http://schemas.openxmlformats.org/drawingml/2006/main" xmlns:r="http://schemas.openxmlformats.org/officeDocument/2006/relationships" xmlns:p="http://schemas.openxmlformats.org/presentationml/2006/main" type="titleOnly" preserve="1">
   <p:cSld name="Title Only">
     <p:spTree>
       <p:nvGrpSpPr>
@@ -1410,14 +1555,15 @@
           </a:ln>
         </p:spPr>
         <p:txBody>
-          <a:bodyPr lIns="0" rIns="0" tIns="0" bIns="0" anchor="ctr">
+          <a:bodyPr lIns="0" tIns="0" rIns="0" bIns="0" anchor="ctr">
             <a:noAutofit/>
           </a:bodyPr>
+          <a:lstStyle/>
           <a:p>
             <a:pPr indent="0" algn="ctr">
               <a:buNone/>
             </a:pPr>
-            <a:endParaRPr b="0" lang="pt-BR" sz="4400" spc="-1" strike="noStrike">
+            <a:endParaRPr lang="pt-BR" sz="4400" b="0" strike="noStrike" spc="-1">
               <a:solidFill>
                 <a:srgbClr val="000000"/>
               </a:solidFill>
@@ -1439,6 +1585,7 @@
         <p:spPr/>
         <p:txBody>
           <a:bodyPr/>
+          <a:lstStyle/>
           <a:p>
             <a:r>
               <a:t>Footer</a:t>
@@ -1459,10 +1606,12 @@
         <p:spPr/>
         <p:txBody>
           <a:bodyPr/>
+          <a:lstStyle/>
           <a:p>
             <a:fld id="{5C61AFA0-2711-44BB-8334-E7DE19E4CA58}" type="slidenum">
-              <a:t>&lt;#&gt;</a:t>
+              <a:t>‹nº›</a:t>
             </a:fld>
+            <a:endParaRPr/>
           </a:p>
         </p:txBody>
       </p:sp>
@@ -1479,21 +1628,22 @@
         <p:spPr/>
         <p:txBody>
           <a:bodyPr/>
-          <a:p>
-            <a:r>
-              <a:rPr lang="pt-BR"/>
-              <a:t/>
-            </a:r>
+          <a:lstStyle/>
+          <a:p>
+            <a:endParaRPr/>
           </a:p>
         </p:txBody>
       </p:sp>
     </p:spTree>
   </p:cSld>
+  <p:clrMapOvr>
+    <a:masterClrMapping/>
+  </p:clrMapOvr>
 </p:sldLayout>
 </file>
 
 <file path=ppt/slideLayouts/slideLayout18.xml><?xml version="1.0" encoding="utf-8"?>
-<p:sldLayout xmlns:a="http://schemas.openxmlformats.org/drawingml/2006/main" xmlns:p="http://schemas.openxmlformats.org/presentationml/2006/main" xmlns:r="http://schemas.openxmlformats.org/officeDocument/2006/relationships" xmlns:p14="http://schemas.microsoft.com/office/powerpoint/2010/main" xmlns:p15="http://schemas.microsoft.com/office/powerpoint/2012/main" xmlns:mc="http://schemas.openxmlformats.org/markup-compatibility/2006" type="objOnly" preserve="1">
+<p:sldLayout xmlns:a="http://schemas.openxmlformats.org/drawingml/2006/main" xmlns:r="http://schemas.openxmlformats.org/officeDocument/2006/relationships" xmlns:p="http://schemas.openxmlformats.org/presentationml/2006/main" type="objOnly" preserve="1">
   <p:cSld name="Centered Text">
     <p:spTree>
       <p:nvGrpSpPr>
@@ -1533,12 +1683,13 @@
           </a:ln>
         </p:spPr>
         <p:txBody>
-          <a:bodyPr lIns="0" rIns="0" tIns="0" bIns="0" anchor="ctr">
+          <a:bodyPr lIns="0" tIns="0" rIns="0" bIns="0" anchor="ctr">
             <a:noAutofit/>
           </a:bodyPr>
+          <a:lstStyle/>
           <a:p>
             <a:pPr algn="ctr"/>
-            <a:endParaRPr b="0" lang="pt-BR" sz="3200" spc="-1" strike="noStrike">
+            <a:endParaRPr lang="pt-BR" sz="3200" b="0" strike="noStrike" spc="-1">
               <a:solidFill>
                 <a:srgbClr val="000000"/>
               </a:solidFill>
@@ -1560,6 +1711,7 @@
         <p:spPr/>
         <p:txBody>
           <a:bodyPr/>
+          <a:lstStyle/>
           <a:p>
             <a:r>
               <a:t>Footer</a:t>
@@ -1580,10 +1732,12 @@
         <p:spPr/>
         <p:txBody>
           <a:bodyPr/>
+          <a:lstStyle/>
           <a:p>
             <a:fld id="{C360A093-7A4C-44A5-B9FD-C9E863D83223}" type="slidenum">
-              <a:t>&lt;#&gt;</a:t>
+              <a:t>‹nº›</a:t>
             </a:fld>
+            <a:endParaRPr/>
           </a:p>
         </p:txBody>
       </p:sp>
@@ -1600,21 +1754,22 @@
         <p:spPr/>
         <p:txBody>
           <a:bodyPr/>
-          <a:p>
-            <a:r>
-              <a:rPr lang="pt-BR"/>
-              <a:t/>
-            </a:r>
+          <a:lstStyle/>
+          <a:p>
+            <a:endParaRPr/>
           </a:p>
         </p:txBody>
       </p:sp>
     </p:spTree>
   </p:cSld>
+  <p:clrMapOvr>
+    <a:masterClrMapping/>
+  </p:clrMapOvr>
 </p:sldLayout>
 </file>
 
 <file path=ppt/slideLayouts/slideLayout19.xml><?xml version="1.0" encoding="utf-8"?>
-<p:sldLayout xmlns:a="http://schemas.openxmlformats.org/drawingml/2006/main" xmlns:p="http://schemas.openxmlformats.org/presentationml/2006/main" xmlns:r="http://schemas.openxmlformats.org/officeDocument/2006/relationships" xmlns:p14="http://schemas.microsoft.com/office/powerpoint/2010/main" xmlns:p15="http://schemas.microsoft.com/office/powerpoint/2012/main" xmlns:mc="http://schemas.openxmlformats.org/markup-compatibility/2006" type="twoObjAndObj" preserve="1">
+<p:sldLayout xmlns:a="http://schemas.openxmlformats.org/drawingml/2006/main" xmlns:r="http://schemas.openxmlformats.org/officeDocument/2006/relationships" xmlns:p="http://schemas.openxmlformats.org/presentationml/2006/main" type="twoObjAndObj" preserve="1">
   <p:cSld name="Title, 2 Content and Content">
     <p:spTree>
       <p:nvGrpSpPr>
@@ -1654,14 +1809,15 @@
           </a:ln>
         </p:spPr>
         <p:txBody>
-          <a:bodyPr lIns="0" rIns="0" tIns="0" bIns="0" anchor="ctr">
+          <a:bodyPr lIns="0" tIns="0" rIns="0" bIns="0" anchor="ctr">
             <a:noAutofit/>
           </a:bodyPr>
+          <a:lstStyle/>
           <a:p>
             <a:pPr indent="0" algn="ctr">
               <a:buNone/>
             </a:pPr>
-            <a:endParaRPr b="0" lang="pt-BR" sz="4400" spc="-1" strike="noStrike">
+            <a:endParaRPr lang="pt-BR" sz="4400" b="0" strike="noStrike" spc="-1">
               <a:solidFill>
                 <a:srgbClr val="000000"/>
               </a:solidFill>
@@ -1694,9 +1850,10 @@
           </a:ln>
         </p:spPr>
         <p:txBody>
-          <a:bodyPr lIns="0" rIns="0" tIns="0" bIns="0" anchor="t">
+          <a:bodyPr lIns="0" tIns="0" rIns="0" bIns="0" anchor="t">
             <a:normAutofit/>
           </a:bodyPr>
+          <a:lstStyle/>
           <a:p>
             <a:pPr indent="0">
               <a:spcBef>
@@ -1704,7 +1861,7 @@
               </a:spcBef>
               <a:buNone/>
             </a:pPr>
-            <a:endParaRPr b="0" lang="pt-BR" sz="3200" spc="-1" strike="noStrike">
+            <a:endParaRPr lang="pt-BR" sz="3200" b="0" strike="noStrike" spc="-1">
               <a:solidFill>
                 <a:srgbClr val="000000"/>
               </a:solidFill>
@@ -1737,9 +1894,10 @@
           </a:ln>
         </p:spPr>
         <p:txBody>
-          <a:bodyPr lIns="0" rIns="0" tIns="0" bIns="0" anchor="t">
+          <a:bodyPr lIns="0" tIns="0" rIns="0" bIns="0" anchor="t">
             <a:normAutofit/>
           </a:bodyPr>
+          <a:lstStyle/>
           <a:p>
             <a:pPr indent="0">
               <a:spcBef>
@@ -1747,7 +1905,7 @@
               </a:spcBef>
               <a:buNone/>
             </a:pPr>
-            <a:endParaRPr b="0" lang="pt-BR" sz="3200" spc="-1" strike="noStrike">
+            <a:endParaRPr lang="pt-BR" sz="3200" b="0" strike="noStrike" spc="-1">
               <a:solidFill>
                 <a:srgbClr val="000000"/>
               </a:solidFill>
@@ -1780,9 +1938,10 @@
           </a:ln>
         </p:spPr>
         <p:txBody>
-          <a:bodyPr lIns="0" rIns="0" tIns="0" bIns="0" anchor="t">
+          <a:bodyPr lIns="0" tIns="0" rIns="0" bIns="0" anchor="t">
             <a:normAutofit/>
           </a:bodyPr>
+          <a:lstStyle/>
           <a:p>
             <a:pPr indent="0">
               <a:spcBef>
@@ -1790,7 +1949,7 @@
               </a:spcBef>
               <a:buNone/>
             </a:pPr>
-            <a:endParaRPr b="0" lang="pt-BR" sz="3200" spc="-1" strike="noStrike">
+            <a:endParaRPr lang="pt-BR" sz="3200" b="0" strike="noStrike" spc="-1">
               <a:solidFill>
                 <a:srgbClr val="000000"/>
               </a:solidFill>
@@ -1812,6 +1971,7 @@
         <p:spPr/>
         <p:txBody>
           <a:bodyPr/>
+          <a:lstStyle/>
           <a:p>
             <a:r>
               <a:t>Footer</a:t>
@@ -1832,10 +1992,12 @@
         <p:spPr/>
         <p:txBody>
           <a:bodyPr/>
+          <a:lstStyle/>
           <a:p>
             <a:fld id="{389819EA-E00F-4787-8974-86533CAAC7A4}" type="slidenum">
-              <a:t>&lt;#&gt;</a:t>
+              <a:t>‹nº›</a:t>
             </a:fld>
+            <a:endParaRPr/>
           </a:p>
         </p:txBody>
       </p:sp>
@@ -1852,21 +2014,22 @@
         <p:spPr/>
         <p:txBody>
           <a:bodyPr/>
-          <a:p>
-            <a:r>
-              <a:rPr lang="pt-BR"/>
-              <a:t/>
-            </a:r>
+          <a:lstStyle/>
+          <a:p>
+            <a:endParaRPr/>
           </a:p>
         </p:txBody>
       </p:sp>
     </p:spTree>
   </p:cSld>
+  <p:clrMapOvr>
+    <a:masterClrMapping/>
+  </p:clrMapOvr>
 </p:sldLayout>
 </file>
 
 <file path=ppt/slideLayouts/slideLayout2.xml><?xml version="1.0" encoding="utf-8"?>
-<p:sldLayout xmlns:a="http://schemas.openxmlformats.org/drawingml/2006/main" xmlns:p="http://schemas.openxmlformats.org/presentationml/2006/main" xmlns:r="http://schemas.openxmlformats.org/officeDocument/2006/relationships" xmlns:p14="http://schemas.microsoft.com/office/powerpoint/2010/main" xmlns:p15="http://schemas.microsoft.com/office/powerpoint/2012/main" xmlns:mc="http://schemas.openxmlformats.org/markup-compatibility/2006" type="tx" preserve="1">
+<p:sldLayout xmlns:a="http://schemas.openxmlformats.org/drawingml/2006/main" xmlns:r="http://schemas.openxmlformats.org/officeDocument/2006/relationships" xmlns:p="http://schemas.openxmlformats.org/presentationml/2006/main" type="tx" preserve="1">
   <p:cSld name="Title Slide">
     <p:spTree>
       <p:nvGrpSpPr>
@@ -1906,14 +2069,15 @@
           </a:ln>
         </p:spPr>
         <p:txBody>
-          <a:bodyPr lIns="0" rIns="0" tIns="0" bIns="0" anchor="ctr">
+          <a:bodyPr lIns="0" tIns="0" rIns="0" bIns="0" anchor="ctr">
             <a:noAutofit/>
           </a:bodyPr>
+          <a:lstStyle/>
           <a:p>
             <a:pPr indent="0" algn="ctr">
               <a:buNone/>
             </a:pPr>
-            <a:endParaRPr b="0" lang="pt-BR" sz="4400" spc="-1" strike="noStrike">
+            <a:endParaRPr lang="pt-BR" sz="4400" b="0" strike="noStrike" spc="-1">
               <a:solidFill>
                 <a:srgbClr val="000000"/>
               </a:solidFill>
@@ -1946,14 +2110,15 @@
           </a:ln>
         </p:spPr>
         <p:txBody>
-          <a:bodyPr lIns="0" rIns="0" tIns="0" bIns="0" anchor="ctr">
+          <a:bodyPr lIns="0" tIns="0" rIns="0" bIns="0" anchor="ctr">
             <a:noAutofit/>
           </a:bodyPr>
+          <a:lstStyle/>
           <a:p>
             <a:pPr indent="0" algn="ctr">
               <a:buNone/>
             </a:pPr>
-            <a:endParaRPr b="0" lang="pt-BR" sz="3200" spc="-1" strike="noStrike">
+            <a:endParaRPr lang="pt-BR" sz="3200" b="0" strike="noStrike" spc="-1">
               <a:solidFill>
                 <a:srgbClr val="000000"/>
               </a:solidFill>
@@ -1964,11 +2129,14 @@
       </p:sp>
     </p:spTree>
   </p:cSld>
+  <p:clrMapOvr>
+    <a:masterClrMapping/>
+  </p:clrMapOvr>
 </p:sldLayout>
 </file>
 
 <file path=ppt/slideLayouts/slideLayout20.xml><?xml version="1.0" encoding="utf-8"?>
-<p:sldLayout xmlns:a="http://schemas.openxmlformats.org/drawingml/2006/main" xmlns:p="http://schemas.openxmlformats.org/presentationml/2006/main" xmlns:r="http://schemas.openxmlformats.org/officeDocument/2006/relationships" xmlns:p14="http://schemas.microsoft.com/office/powerpoint/2010/main" xmlns:p15="http://schemas.microsoft.com/office/powerpoint/2012/main" xmlns:mc="http://schemas.openxmlformats.org/markup-compatibility/2006" type="objAndTwoObj" preserve="1">
+<p:sldLayout xmlns:a="http://schemas.openxmlformats.org/drawingml/2006/main" xmlns:r="http://schemas.openxmlformats.org/officeDocument/2006/relationships" xmlns:p="http://schemas.openxmlformats.org/presentationml/2006/main" type="objAndTwoObj" preserve="1">
   <p:cSld name="Title Content and 2 Content">
     <p:spTree>
       <p:nvGrpSpPr>
@@ -2008,14 +2176,15 @@
           </a:ln>
         </p:spPr>
         <p:txBody>
-          <a:bodyPr lIns="0" rIns="0" tIns="0" bIns="0" anchor="ctr">
+          <a:bodyPr lIns="0" tIns="0" rIns="0" bIns="0" anchor="ctr">
             <a:noAutofit/>
           </a:bodyPr>
+          <a:lstStyle/>
           <a:p>
             <a:pPr indent="0" algn="ctr">
               <a:buNone/>
             </a:pPr>
-            <a:endParaRPr b="0" lang="pt-BR" sz="4400" spc="-1" strike="noStrike">
+            <a:endParaRPr lang="pt-BR" sz="4400" b="0" strike="noStrike" spc="-1">
               <a:solidFill>
                 <a:srgbClr val="000000"/>
               </a:solidFill>
@@ -2048,9 +2217,10 @@
           </a:ln>
         </p:spPr>
         <p:txBody>
-          <a:bodyPr lIns="0" rIns="0" tIns="0" bIns="0" anchor="t">
+          <a:bodyPr lIns="0" tIns="0" rIns="0" bIns="0" anchor="t">
             <a:normAutofit/>
           </a:bodyPr>
+          <a:lstStyle/>
           <a:p>
             <a:pPr indent="0">
               <a:spcBef>
@@ -2058,7 +2228,7 @@
               </a:spcBef>
               <a:buNone/>
             </a:pPr>
-            <a:endParaRPr b="0" lang="pt-BR" sz="3200" spc="-1" strike="noStrike">
+            <a:endParaRPr lang="pt-BR" sz="3200" b="0" strike="noStrike" spc="-1">
               <a:solidFill>
                 <a:srgbClr val="000000"/>
               </a:solidFill>
@@ -2091,9 +2261,10 @@
           </a:ln>
         </p:spPr>
         <p:txBody>
-          <a:bodyPr lIns="0" rIns="0" tIns="0" bIns="0" anchor="t">
+          <a:bodyPr lIns="0" tIns="0" rIns="0" bIns="0" anchor="t">
             <a:normAutofit/>
           </a:bodyPr>
+          <a:lstStyle/>
           <a:p>
             <a:pPr indent="0">
               <a:spcBef>
@@ -2101,7 +2272,7 @@
               </a:spcBef>
               <a:buNone/>
             </a:pPr>
-            <a:endParaRPr b="0" lang="pt-BR" sz="3200" spc="-1" strike="noStrike">
+            <a:endParaRPr lang="pt-BR" sz="3200" b="0" strike="noStrike" spc="-1">
               <a:solidFill>
                 <a:srgbClr val="000000"/>
               </a:solidFill>
@@ -2134,9 +2305,10 @@
           </a:ln>
         </p:spPr>
         <p:txBody>
-          <a:bodyPr lIns="0" rIns="0" tIns="0" bIns="0" anchor="t">
+          <a:bodyPr lIns="0" tIns="0" rIns="0" bIns="0" anchor="t">
             <a:normAutofit/>
           </a:bodyPr>
+          <a:lstStyle/>
           <a:p>
             <a:pPr indent="0">
               <a:spcBef>
@@ -2144,7 +2316,7 @@
               </a:spcBef>
               <a:buNone/>
             </a:pPr>
-            <a:endParaRPr b="0" lang="pt-BR" sz="3200" spc="-1" strike="noStrike">
+            <a:endParaRPr lang="pt-BR" sz="3200" b="0" strike="noStrike" spc="-1">
               <a:solidFill>
                 <a:srgbClr val="000000"/>
               </a:solidFill>
@@ -2166,6 +2338,7 @@
         <p:spPr/>
         <p:txBody>
           <a:bodyPr/>
+          <a:lstStyle/>
           <a:p>
             <a:r>
               <a:t>Footer</a:t>
@@ -2186,10 +2359,12 @@
         <p:spPr/>
         <p:txBody>
           <a:bodyPr/>
+          <a:lstStyle/>
           <a:p>
             <a:fld id="{E2189C3E-4B6F-4835-9314-5218495FC671}" type="slidenum">
-              <a:t>&lt;#&gt;</a:t>
+              <a:t>‹nº›</a:t>
             </a:fld>
+            <a:endParaRPr/>
           </a:p>
         </p:txBody>
       </p:sp>
@@ -2206,21 +2381,22 @@
         <p:spPr/>
         <p:txBody>
           <a:bodyPr/>
-          <a:p>
-            <a:r>
-              <a:rPr lang="pt-BR"/>
-              <a:t/>
-            </a:r>
+          <a:lstStyle/>
+          <a:p>
+            <a:endParaRPr/>
           </a:p>
         </p:txBody>
       </p:sp>
     </p:spTree>
   </p:cSld>
+  <p:clrMapOvr>
+    <a:masterClrMapping/>
+  </p:clrMapOvr>
 </p:sldLayout>
 </file>
 
 <file path=ppt/slideLayouts/slideLayout21.xml><?xml version="1.0" encoding="utf-8"?>
-<p:sldLayout xmlns:a="http://schemas.openxmlformats.org/drawingml/2006/main" xmlns:p="http://schemas.openxmlformats.org/presentationml/2006/main" xmlns:r="http://schemas.openxmlformats.org/officeDocument/2006/relationships" xmlns:p14="http://schemas.microsoft.com/office/powerpoint/2010/main" xmlns:p15="http://schemas.microsoft.com/office/powerpoint/2012/main" xmlns:mc="http://schemas.openxmlformats.org/markup-compatibility/2006" type="twoObjOverTx" preserve="1">
+<p:sldLayout xmlns:a="http://schemas.openxmlformats.org/drawingml/2006/main" xmlns:r="http://schemas.openxmlformats.org/officeDocument/2006/relationships" xmlns:p="http://schemas.openxmlformats.org/presentationml/2006/main" type="twoObjOverTx" preserve="1">
   <p:cSld name="Title, 2 Content over Content">
     <p:spTree>
       <p:nvGrpSpPr>
@@ -2260,14 +2436,15 @@
           </a:ln>
         </p:spPr>
         <p:txBody>
-          <a:bodyPr lIns="0" rIns="0" tIns="0" bIns="0" anchor="ctr">
+          <a:bodyPr lIns="0" tIns="0" rIns="0" bIns="0" anchor="ctr">
             <a:noAutofit/>
           </a:bodyPr>
+          <a:lstStyle/>
           <a:p>
             <a:pPr indent="0" algn="ctr">
               <a:buNone/>
             </a:pPr>
-            <a:endParaRPr b="0" lang="pt-BR" sz="4400" spc="-1" strike="noStrike">
+            <a:endParaRPr lang="pt-BR" sz="4400" b="0" strike="noStrike" spc="-1">
               <a:solidFill>
                 <a:srgbClr val="000000"/>
               </a:solidFill>
@@ -2300,9 +2477,10 @@
           </a:ln>
         </p:spPr>
         <p:txBody>
-          <a:bodyPr lIns="0" rIns="0" tIns="0" bIns="0" anchor="t">
+          <a:bodyPr lIns="0" tIns="0" rIns="0" bIns="0" anchor="t">
             <a:normAutofit/>
           </a:bodyPr>
+          <a:lstStyle/>
           <a:p>
             <a:pPr indent="0">
               <a:spcBef>
@@ -2310,7 +2488,7 @@
               </a:spcBef>
               <a:buNone/>
             </a:pPr>
-            <a:endParaRPr b="0" lang="pt-BR" sz="3200" spc="-1" strike="noStrike">
+            <a:endParaRPr lang="pt-BR" sz="3200" b="0" strike="noStrike" spc="-1">
               <a:solidFill>
                 <a:srgbClr val="000000"/>
               </a:solidFill>
@@ -2343,9 +2521,10 @@
           </a:ln>
         </p:spPr>
         <p:txBody>
-          <a:bodyPr lIns="0" rIns="0" tIns="0" bIns="0" anchor="t">
+          <a:bodyPr lIns="0" tIns="0" rIns="0" bIns="0" anchor="t">
             <a:normAutofit/>
           </a:bodyPr>
+          <a:lstStyle/>
           <a:p>
             <a:pPr indent="0">
               <a:spcBef>
@@ -2353,7 +2532,7 @@
               </a:spcBef>
               <a:buNone/>
             </a:pPr>
-            <a:endParaRPr b="0" lang="pt-BR" sz="3200" spc="-1" strike="noStrike">
+            <a:endParaRPr lang="pt-BR" sz="3200" b="0" strike="noStrike" spc="-1">
               <a:solidFill>
                 <a:srgbClr val="000000"/>
               </a:solidFill>
@@ -2386,9 +2565,10 @@
           </a:ln>
         </p:spPr>
         <p:txBody>
-          <a:bodyPr lIns="0" rIns="0" tIns="0" bIns="0" anchor="t">
+          <a:bodyPr lIns="0" tIns="0" rIns="0" bIns="0" anchor="t">
             <a:normAutofit/>
           </a:bodyPr>
+          <a:lstStyle/>
           <a:p>
             <a:pPr indent="0">
               <a:spcBef>
@@ -2396,7 +2576,7 @@
               </a:spcBef>
               <a:buNone/>
             </a:pPr>
-            <a:endParaRPr b="0" lang="pt-BR" sz="3200" spc="-1" strike="noStrike">
+            <a:endParaRPr lang="pt-BR" sz="3200" b="0" strike="noStrike" spc="-1">
               <a:solidFill>
                 <a:srgbClr val="000000"/>
               </a:solidFill>
@@ -2418,6 +2598,7 @@
         <p:spPr/>
         <p:txBody>
           <a:bodyPr/>
+          <a:lstStyle/>
           <a:p>
             <a:r>
               <a:t>Footer</a:t>
@@ -2438,10 +2619,12 @@
         <p:spPr/>
         <p:txBody>
           <a:bodyPr/>
+          <a:lstStyle/>
           <a:p>
             <a:fld id="{E8EC9741-FF6C-44AA-9DB0-F81564386DB7}" type="slidenum">
-              <a:t>&lt;#&gt;</a:t>
+              <a:t>‹nº›</a:t>
             </a:fld>
+            <a:endParaRPr/>
           </a:p>
         </p:txBody>
       </p:sp>
@@ -2458,21 +2641,22 @@
         <p:spPr/>
         <p:txBody>
           <a:bodyPr/>
-          <a:p>
-            <a:r>
-              <a:rPr lang="pt-BR"/>
-              <a:t/>
-            </a:r>
+          <a:lstStyle/>
+          <a:p>
+            <a:endParaRPr/>
           </a:p>
         </p:txBody>
       </p:sp>
     </p:spTree>
   </p:cSld>
+  <p:clrMapOvr>
+    <a:masterClrMapping/>
+  </p:clrMapOvr>
 </p:sldLayout>
 </file>
 
 <file path=ppt/slideLayouts/slideLayout22.xml><?xml version="1.0" encoding="utf-8"?>
-<p:sldLayout xmlns:a="http://schemas.openxmlformats.org/drawingml/2006/main" xmlns:p="http://schemas.openxmlformats.org/presentationml/2006/main" xmlns:r="http://schemas.openxmlformats.org/officeDocument/2006/relationships" xmlns:p14="http://schemas.microsoft.com/office/powerpoint/2010/main" xmlns:p15="http://schemas.microsoft.com/office/powerpoint/2012/main" xmlns:mc="http://schemas.openxmlformats.org/markup-compatibility/2006" type="objOverTx" preserve="1">
+<p:sldLayout xmlns:a="http://schemas.openxmlformats.org/drawingml/2006/main" xmlns:r="http://schemas.openxmlformats.org/officeDocument/2006/relationships" xmlns:p="http://schemas.openxmlformats.org/presentationml/2006/main" type="objOverTx" preserve="1">
   <p:cSld name="Title, Content over Content">
     <p:spTree>
       <p:nvGrpSpPr>
@@ -2512,14 +2696,15 @@
           </a:ln>
         </p:spPr>
         <p:txBody>
-          <a:bodyPr lIns="0" rIns="0" tIns="0" bIns="0" anchor="ctr">
+          <a:bodyPr lIns="0" tIns="0" rIns="0" bIns="0" anchor="ctr">
             <a:noAutofit/>
           </a:bodyPr>
+          <a:lstStyle/>
           <a:p>
             <a:pPr indent="0" algn="ctr">
               <a:buNone/>
             </a:pPr>
-            <a:endParaRPr b="0" lang="pt-BR" sz="4400" spc="-1" strike="noStrike">
+            <a:endParaRPr lang="pt-BR" sz="4400" b="0" strike="noStrike" spc="-1">
               <a:solidFill>
                 <a:srgbClr val="000000"/>
               </a:solidFill>
@@ -2552,9 +2737,10 @@
           </a:ln>
         </p:spPr>
         <p:txBody>
-          <a:bodyPr lIns="0" rIns="0" tIns="0" bIns="0" anchor="t">
+          <a:bodyPr lIns="0" tIns="0" rIns="0" bIns="0" anchor="t">
             <a:normAutofit/>
           </a:bodyPr>
+          <a:lstStyle/>
           <a:p>
             <a:pPr indent="0">
               <a:spcBef>
@@ -2562,7 +2748,7 @@
               </a:spcBef>
               <a:buNone/>
             </a:pPr>
-            <a:endParaRPr b="0" lang="pt-BR" sz="3200" spc="-1" strike="noStrike">
+            <a:endParaRPr lang="pt-BR" sz="3200" b="0" strike="noStrike" spc="-1">
               <a:solidFill>
                 <a:srgbClr val="000000"/>
               </a:solidFill>
@@ -2595,9 +2781,10 @@
           </a:ln>
         </p:spPr>
         <p:txBody>
-          <a:bodyPr lIns="0" rIns="0" tIns="0" bIns="0" anchor="t">
+          <a:bodyPr lIns="0" tIns="0" rIns="0" bIns="0" anchor="t">
             <a:normAutofit/>
           </a:bodyPr>
+          <a:lstStyle/>
           <a:p>
             <a:pPr indent="0">
               <a:spcBef>
@@ -2605,7 +2792,7 @@
               </a:spcBef>
               <a:buNone/>
             </a:pPr>
-            <a:endParaRPr b="0" lang="pt-BR" sz="3200" spc="-1" strike="noStrike">
+            <a:endParaRPr lang="pt-BR" sz="3200" b="0" strike="noStrike" spc="-1">
               <a:solidFill>
                 <a:srgbClr val="000000"/>
               </a:solidFill>
@@ -2627,6 +2814,7 @@
         <p:spPr/>
         <p:txBody>
           <a:bodyPr/>
+          <a:lstStyle/>
           <a:p>
             <a:r>
               <a:t>Footer</a:t>
@@ -2647,10 +2835,12 @@
         <p:spPr/>
         <p:txBody>
           <a:bodyPr/>
+          <a:lstStyle/>
           <a:p>
             <a:fld id="{230E5121-D570-4AE6-8095-E072ABD45570}" type="slidenum">
-              <a:t>&lt;#&gt;</a:t>
+              <a:t>‹nº›</a:t>
             </a:fld>
+            <a:endParaRPr/>
           </a:p>
         </p:txBody>
       </p:sp>
@@ -2667,21 +2857,22 @@
         <p:spPr/>
         <p:txBody>
           <a:bodyPr/>
-          <a:p>
-            <a:r>
-              <a:rPr lang="pt-BR"/>
-              <a:t/>
-            </a:r>
+          <a:lstStyle/>
+          <a:p>
+            <a:endParaRPr/>
           </a:p>
         </p:txBody>
       </p:sp>
     </p:spTree>
   </p:cSld>
+  <p:clrMapOvr>
+    <a:masterClrMapping/>
+  </p:clrMapOvr>
 </p:sldLayout>
 </file>
 
 <file path=ppt/slideLayouts/slideLayout23.xml><?xml version="1.0" encoding="utf-8"?>
-<p:sldLayout xmlns:a="http://schemas.openxmlformats.org/drawingml/2006/main" xmlns:p="http://schemas.openxmlformats.org/presentationml/2006/main" xmlns:r="http://schemas.openxmlformats.org/officeDocument/2006/relationships" xmlns:p14="http://schemas.microsoft.com/office/powerpoint/2010/main" xmlns:p15="http://schemas.microsoft.com/office/powerpoint/2012/main" xmlns:mc="http://schemas.openxmlformats.org/markup-compatibility/2006" type="fourObj" preserve="1">
+<p:sldLayout xmlns:a="http://schemas.openxmlformats.org/drawingml/2006/main" xmlns:r="http://schemas.openxmlformats.org/officeDocument/2006/relationships" xmlns:p="http://schemas.openxmlformats.org/presentationml/2006/main" type="fourObj" preserve="1">
   <p:cSld name="Title, 4 Content">
     <p:spTree>
       <p:nvGrpSpPr>
@@ -2721,14 +2912,15 @@
           </a:ln>
         </p:spPr>
         <p:txBody>
-          <a:bodyPr lIns="0" rIns="0" tIns="0" bIns="0" anchor="ctr">
+          <a:bodyPr lIns="0" tIns="0" rIns="0" bIns="0" anchor="ctr">
             <a:noAutofit/>
           </a:bodyPr>
+          <a:lstStyle/>
           <a:p>
             <a:pPr indent="0" algn="ctr">
               <a:buNone/>
             </a:pPr>
-            <a:endParaRPr b="0" lang="pt-BR" sz="4400" spc="-1" strike="noStrike">
+            <a:endParaRPr lang="pt-BR" sz="4400" b="0" strike="noStrike" spc="-1">
               <a:solidFill>
                 <a:srgbClr val="000000"/>
               </a:solidFill>
@@ -2761,9 +2953,10 @@
           </a:ln>
         </p:spPr>
         <p:txBody>
-          <a:bodyPr lIns="0" rIns="0" tIns="0" bIns="0" anchor="t">
+          <a:bodyPr lIns="0" tIns="0" rIns="0" bIns="0" anchor="t">
             <a:normAutofit/>
           </a:bodyPr>
+          <a:lstStyle/>
           <a:p>
             <a:pPr indent="0">
               <a:spcBef>
@@ -2771,7 +2964,7 @@
               </a:spcBef>
               <a:buNone/>
             </a:pPr>
-            <a:endParaRPr b="0" lang="pt-BR" sz="3200" spc="-1" strike="noStrike">
+            <a:endParaRPr lang="pt-BR" sz="3200" b="0" strike="noStrike" spc="-1">
               <a:solidFill>
                 <a:srgbClr val="000000"/>
               </a:solidFill>
@@ -2804,9 +2997,10 @@
           </a:ln>
         </p:spPr>
         <p:txBody>
-          <a:bodyPr lIns="0" rIns="0" tIns="0" bIns="0" anchor="t">
+          <a:bodyPr lIns="0" tIns="0" rIns="0" bIns="0" anchor="t">
             <a:normAutofit/>
           </a:bodyPr>
+          <a:lstStyle/>
           <a:p>
             <a:pPr indent="0">
               <a:spcBef>
@@ -2814,7 +3008,7 @@
               </a:spcBef>
               <a:buNone/>
             </a:pPr>
-            <a:endParaRPr b="0" lang="pt-BR" sz="3200" spc="-1" strike="noStrike">
+            <a:endParaRPr lang="pt-BR" sz="3200" b="0" strike="noStrike" spc="-1">
               <a:solidFill>
                 <a:srgbClr val="000000"/>
               </a:solidFill>
@@ -2847,9 +3041,10 @@
           </a:ln>
         </p:spPr>
         <p:txBody>
-          <a:bodyPr lIns="0" rIns="0" tIns="0" bIns="0" anchor="t">
+          <a:bodyPr lIns="0" tIns="0" rIns="0" bIns="0" anchor="t">
             <a:normAutofit/>
           </a:bodyPr>
+          <a:lstStyle/>
           <a:p>
             <a:pPr indent="0">
               <a:spcBef>
@@ -2857,7 +3052,7 @@
               </a:spcBef>
               <a:buNone/>
             </a:pPr>
-            <a:endParaRPr b="0" lang="pt-BR" sz="3200" spc="-1" strike="noStrike">
+            <a:endParaRPr lang="pt-BR" sz="3200" b="0" strike="noStrike" spc="-1">
               <a:solidFill>
                 <a:srgbClr val="000000"/>
               </a:solidFill>
@@ -2890,9 +3085,10 @@
           </a:ln>
         </p:spPr>
         <p:txBody>
-          <a:bodyPr lIns="0" rIns="0" tIns="0" bIns="0" anchor="t">
+          <a:bodyPr lIns="0" tIns="0" rIns="0" bIns="0" anchor="t">
             <a:normAutofit/>
           </a:bodyPr>
+          <a:lstStyle/>
           <a:p>
             <a:pPr indent="0">
               <a:spcBef>
@@ -2900,7 +3096,7 @@
               </a:spcBef>
               <a:buNone/>
             </a:pPr>
-            <a:endParaRPr b="0" lang="pt-BR" sz="3200" spc="-1" strike="noStrike">
+            <a:endParaRPr lang="pt-BR" sz="3200" b="0" strike="noStrike" spc="-1">
               <a:solidFill>
                 <a:srgbClr val="000000"/>
               </a:solidFill>
@@ -2922,6 +3118,7 @@
         <p:spPr/>
         <p:txBody>
           <a:bodyPr/>
+          <a:lstStyle/>
           <a:p>
             <a:r>
               <a:t>Footer</a:t>
@@ -2942,10 +3139,12 @@
         <p:spPr/>
         <p:txBody>
           <a:bodyPr/>
+          <a:lstStyle/>
           <a:p>
             <a:fld id="{9257F983-616B-4F1F-86C6-C4AC969F51BC}" type="slidenum">
-              <a:t>&lt;#&gt;</a:t>
+              <a:t>‹nº›</a:t>
             </a:fld>
+            <a:endParaRPr/>
           </a:p>
         </p:txBody>
       </p:sp>
@@ -2962,21 +3161,22 @@
         <p:spPr/>
         <p:txBody>
           <a:bodyPr/>
-          <a:p>
-            <a:r>
-              <a:rPr lang="pt-BR"/>
-              <a:t/>
-            </a:r>
+          <a:lstStyle/>
+          <a:p>
+            <a:endParaRPr/>
           </a:p>
         </p:txBody>
       </p:sp>
     </p:spTree>
   </p:cSld>
+  <p:clrMapOvr>
+    <a:masterClrMapping/>
+  </p:clrMapOvr>
 </p:sldLayout>
 </file>
 
 <file path=ppt/slideLayouts/slideLayout24.xml><?xml version="1.0" encoding="utf-8"?>
-<p:sldLayout xmlns:a="http://schemas.openxmlformats.org/drawingml/2006/main" xmlns:p="http://schemas.openxmlformats.org/presentationml/2006/main" xmlns:r="http://schemas.openxmlformats.org/officeDocument/2006/relationships" xmlns:p14="http://schemas.microsoft.com/office/powerpoint/2010/main" xmlns:p15="http://schemas.microsoft.com/office/powerpoint/2012/main" xmlns:mc="http://schemas.openxmlformats.org/markup-compatibility/2006" type="blank" preserve="1">
+<p:sldLayout xmlns:a="http://schemas.openxmlformats.org/drawingml/2006/main" xmlns:r="http://schemas.openxmlformats.org/officeDocument/2006/relationships" xmlns:p="http://schemas.openxmlformats.org/presentationml/2006/main" type="blank" preserve="1">
   <p:cSld name="Title, 6 Content">
     <p:spTree>
       <p:nvGrpSpPr>
@@ -3016,14 +3216,15 @@
           </a:ln>
         </p:spPr>
         <p:txBody>
-          <a:bodyPr lIns="0" rIns="0" tIns="0" bIns="0" anchor="ctr">
+          <a:bodyPr lIns="0" tIns="0" rIns="0" bIns="0" anchor="ctr">
             <a:noAutofit/>
           </a:bodyPr>
+          <a:lstStyle/>
           <a:p>
             <a:pPr indent="0" algn="ctr">
               <a:buNone/>
             </a:pPr>
-            <a:endParaRPr b="0" lang="pt-BR" sz="4400" spc="-1" strike="noStrike">
+            <a:endParaRPr lang="pt-BR" sz="4400" b="0" strike="noStrike" spc="-1">
               <a:solidFill>
                 <a:srgbClr val="000000"/>
               </a:solidFill>
@@ -3056,9 +3257,10 @@
           </a:ln>
         </p:spPr>
         <p:txBody>
-          <a:bodyPr lIns="0" rIns="0" tIns="0" bIns="0" anchor="t">
+          <a:bodyPr lIns="0" tIns="0" rIns="0" bIns="0" anchor="t">
             <a:normAutofit/>
           </a:bodyPr>
+          <a:lstStyle/>
           <a:p>
             <a:pPr indent="0">
               <a:spcBef>
@@ -3066,7 +3268,7 @@
               </a:spcBef>
               <a:buNone/>
             </a:pPr>
-            <a:endParaRPr b="0" lang="pt-BR" sz="3200" spc="-1" strike="noStrike">
+            <a:endParaRPr lang="pt-BR" sz="3200" b="0" strike="noStrike" spc="-1">
               <a:solidFill>
                 <a:srgbClr val="000000"/>
               </a:solidFill>
@@ -3099,9 +3301,10 @@
           </a:ln>
         </p:spPr>
         <p:txBody>
-          <a:bodyPr lIns="0" rIns="0" tIns="0" bIns="0" anchor="t">
+          <a:bodyPr lIns="0" tIns="0" rIns="0" bIns="0" anchor="t">
             <a:normAutofit/>
           </a:bodyPr>
+          <a:lstStyle/>
           <a:p>
             <a:pPr indent="0">
               <a:spcBef>
@@ -3109,7 +3312,7 @@
               </a:spcBef>
               <a:buNone/>
             </a:pPr>
-            <a:endParaRPr b="0" lang="pt-BR" sz="3200" spc="-1" strike="noStrike">
+            <a:endParaRPr lang="pt-BR" sz="3200" b="0" strike="noStrike" spc="-1">
               <a:solidFill>
                 <a:srgbClr val="000000"/>
               </a:solidFill>
@@ -3142,9 +3345,10 @@
           </a:ln>
         </p:spPr>
         <p:txBody>
-          <a:bodyPr lIns="0" rIns="0" tIns="0" bIns="0" anchor="t">
+          <a:bodyPr lIns="0" tIns="0" rIns="0" bIns="0" anchor="t">
             <a:normAutofit/>
           </a:bodyPr>
+          <a:lstStyle/>
           <a:p>
             <a:pPr indent="0">
               <a:spcBef>
@@ -3152,7 +3356,7 @@
               </a:spcBef>
               <a:buNone/>
             </a:pPr>
-            <a:endParaRPr b="0" lang="pt-BR" sz="3200" spc="-1" strike="noStrike">
+            <a:endParaRPr lang="pt-BR" sz="3200" b="0" strike="noStrike" spc="-1">
               <a:solidFill>
                 <a:srgbClr val="000000"/>
               </a:solidFill>
@@ -3185,9 +3389,10 @@
           </a:ln>
         </p:spPr>
         <p:txBody>
-          <a:bodyPr lIns="0" rIns="0" tIns="0" bIns="0" anchor="t">
+          <a:bodyPr lIns="0" tIns="0" rIns="0" bIns="0" anchor="t">
             <a:normAutofit/>
           </a:bodyPr>
+          <a:lstStyle/>
           <a:p>
             <a:pPr indent="0">
               <a:spcBef>
@@ -3195,7 +3400,7 @@
               </a:spcBef>
               <a:buNone/>
             </a:pPr>
-            <a:endParaRPr b="0" lang="pt-BR" sz="3200" spc="-1" strike="noStrike">
+            <a:endParaRPr lang="pt-BR" sz="3200" b="0" strike="noStrike" spc="-1">
               <a:solidFill>
                 <a:srgbClr val="000000"/>
               </a:solidFill>
@@ -3228,9 +3433,10 @@
           </a:ln>
         </p:spPr>
         <p:txBody>
-          <a:bodyPr lIns="0" rIns="0" tIns="0" bIns="0" anchor="t">
+          <a:bodyPr lIns="0" tIns="0" rIns="0" bIns="0" anchor="t">
             <a:normAutofit/>
           </a:bodyPr>
+          <a:lstStyle/>
           <a:p>
             <a:pPr indent="0">
               <a:spcBef>
@@ -3238,7 +3444,7 @@
               </a:spcBef>
               <a:buNone/>
             </a:pPr>
-            <a:endParaRPr b="0" lang="pt-BR" sz="3200" spc="-1" strike="noStrike">
+            <a:endParaRPr lang="pt-BR" sz="3200" b="0" strike="noStrike" spc="-1">
               <a:solidFill>
                 <a:srgbClr val="000000"/>
               </a:solidFill>
@@ -3271,9 +3477,10 @@
           </a:ln>
         </p:spPr>
         <p:txBody>
-          <a:bodyPr lIns="0" rIns="0" tIns="0" bIns="0" anchor="t">
+          <a:bodyPr lIns="0" tIns="0" rIns="0" bIns="0" anchor="t">
             <a:normAutofit/>
           </a:bodyPr>
+          <a:lstStyle/>
           <a:p>
             <a:pPr indent="0">
               <a:spcBef>
@@ -3281,7 +3488,7 @@
               </a:spcBef>
               <a:buNone/>
             </a:pPr>
-            <a:endParaRPr b="0" lang="pt-BR" sz="3200" spc="-1" strike="noStrike">
+            <a:endParaRPr lang="pt-BR" sz="3200" b="0" strike="noStrike" spc="-1">
               <a:solidFill>
                 <a:srgbClr val="000000"/>
               </a:solidFill>
@@ -3303,6 +3510,7 @@
         <p:spPr/>
         <p:txBody>
           <a:bodyPr/>
+          <a:lstStyle/>
           <a:p>
             <a:r>
               <a:t>Footer</a:t>
@@ -3323,10 +3531,12 @@
         <p:spPr/>
         <p:txBody>
           <a:bodyPr/>
+          <a:lstStyle/>
           <a:p>
             <a:fld id="{292FC775-21E5-414E-AA88-0405F59A136B}" type="slidenum">
-              <a:t>&lt;#&gt;</a:t>
+              <a:t>‹nº›</a:t>
             </a:fld>
+            <a:endParaRPr/>
           </a:p>
         </p:txBody>
       </p:sp>
@@ -3343,21 +3553,22 @@
         <p:spPr/>
         <p:txBody>
           <a:bodyPr/>
-          <a:p>
-            <a:r>
-              <a:rPr lang="pt-BR"/>
-              <a:t/>
-            </a:r>
+          <a:lstStyle/>
+          <a:p>
+            <a:endParaRPr/>
           </a:p>
         </p:txBody>
       </p:sp>
     </p:spTree>
   </p:cSld>
+  <p:clrMapOvr>
+    <a:masterClrMapping/>
+  </p:clrMapOvr>
 </p:sldLayout>
 </file>
 
 <file path=ppt/slideLayouts/slideLayout3.xml><?xml version="1.0" encoding="utf-8"?>
-<p:sldLayout xmlns:a="http://schemas.openxmlformats.org/drawingml/2006/main" xmlns:p="http://schemas.openxmlformats.org/presentationml/2006/main" xmlns:r="http://schemas.openxmlformats.org/officeDocument/2006/relationships" xmlns:p14="http://schemas.microsoft.com/office/powerpoint/2010/main" xmlns:p15="http://schemas.microsoft.com/office/powerpoint/2012/main" xmlns:mc="http://schemas.openxmlformats.org/markup-compatibility/2006" type="obj" preserve="1">
+<p:sldLayout xmlns:a="http://schemas.openxmlformats.org/drawingml/2006/main" xmlns:r="http://schemas.openxmlformats.org/officeDocument/2006/relationships" xmlns:p="http://schemas.openxmlformats.org/presentationml/2006/main" type="obj" preserve="1">
   <p:cSld name="Title, Content">
     <p:spTree>
       <p:nvGrpSpPr>
@@ -3397,14 +3608,15 @@
           </a:ln>
         </p:spPr>
         <p:txBody>
-          <a:bodyPr lIns="0" rIns="0" tIns="0" bIns="0" anchor="ctr">
+          <a:bodyPr lIns="0" tIns="0" rIns="0" bIns="0" anchor="ctr">
             <a:noAutofit/>
           </a:bodyPr>
+          <a:lstStyle/>
           <a:p>
             <a:pPr indent="0" algn="ctr">
               <a:buNone/>
             </a:pPr>
-            <a:endParaRPr b="0" lang="pt-BR" sz="4400" spc="-1" strike="noStrike">
+            <a:endParaRPr lang="pt-BR" sz="4400" b="0" strike="noStrike" spc="-1">
               <a:solidFill>
                 <a:srgbClr val="000000"/>
               </a:solidFill>
@@ -3437,9 +3649,10 @@
           </a:ln>
         </p:spPr>
         <p:txBody>
-          <a:bodyPr lIns="0" rIns="0" tIns="0" bIns="0" anchor="t">
+          <a:bodyPr lIns="0" tIns="0" rIns="0" bIns="0" anchor="t">
             <a:normAutofit/>
           </a:bodyPr>
+          <a:lstStyle/>
           <a:p>
             <a:pPr indent="0">
               <a:spcBef>
@@ -3447,7 +3660,7 @@
               </a:spcBef>
               <a:buNone/>
             </a:pPr>
-            <a:endParaRPr b="0" lang="pt-BR" sz="3200" spc="-1" strike="noStrike">
+            <a:endParaRPr lang="pt-BR" sz="3200" b="0" strike="noStrike" spc="-1">
               <a:solidFill>
                 <a:srgbClr val="000000"/>
               </a:solidFill>
@@ -3458,11 +3671,14 @@
       </p:sp>
     </p:spTree>
   </p:cSld>
+  <p:clrMapOvr>
+    <a:masterClrMapping/>
+  </p:clrMapOvr>
 </p:sldLayout>
 </file>
 
 <file path=ppt/slideLayouts/slideLayout4.xml><?xml version="1.0" encoding="utf-8"?>
-<p:sldLayout xmlns:a="http://schemas.openxmlformats.org/drawingml/2006/main" xmlns:p="http://schemas.openxmlformats.org/presentationml/2006/main" xmlns:r="http://schemas.openxmlformats.org/officeDocument/2006/relationships" xmlns:p14="http://schemas.microsoft.com/office/powerpoint/2010/main" xmlns:p15="http://schemas.microsoft.com/office/powerpoint/2012/main" xmlns:mc="http://schemas.openxmlformats.org/markup-compatibility/2006" type="twoObj" preserve="1">
+<p:sldLayout xmlns:a="http://schemas.openxmlformats.org/drawingml/2006/main" xmlns:r="http://schemas.openxmlformats.org/officeDocument/2006/relationships" xmlns:p="http://schemas.openxmlformats.org/presentationml/2006/main" type="twoObj" preserve="1">
   <p:cSld name="Title, 2 Content">
     <p:spTree>
       <p:nvGrpSpPr>
@@ -3502,14 +3718,15 @@
           </a:ln>
         </p:spPr>
         <p:txBody>
-          <a:bodyPr lIns="0" rIns="0" tIns="0" bIns="0" anchor="ctr">
+          <a:bodyPr lIns="0" tIns="0" rIns="0" bIns="0" anchor="ctr">
             <a:noAutofit/>
           </a:bodyPr>
+          <a:lstStyle/>
           <a:p>
             <a:pPr indent="0" algn="ctr">
               <a:buNone/>
             </a:pPr>
-            <a:endParaRPr b="0" lang="pt-BR" sz="4400" spc="-1" strike="noStrike">
+            <a:endParaRPr lang="pt-BR" sz="4400" b="0" strike="noStrike" spc="-1">
               <a:solidFill>
                 <a:srgbClr val="000000"/>
               </a:solidFill>
@@ -3542,9 +3759,10 @@
           </a:ln>
         </p:spPr>
         <p:txBody>
-          <a:bodyPr lIns="0" rIns="0" tIns="0" bIns="0" anchor="t">
+          <a:bodyPr lIns="0" tIns="0" rIns="0" bIns="0" anchor="t">
             <a:normAutofit/>
           </a:bodyPr>
+          <a:lstStyle/>
           <a:p>
             <a:pPr indent="0">
               <a:spcBef>
@@ -3552,7 +3770,7 @@
               </a:spcBef>
               <a:buNone/>
             </a:pPr>
-            <a:endParaRPr b="0" lang="pt-BR" sz="3200" spc="-1" strike="noStrike">
+            <a:endParaRPr lang="pt-BR" sz="3200" b="0" strike="noStrike" spc="-1">
               <a:solidFill>
                 <a:srgbClr val="000000"/>
               </a:solidFill>
@@ -3585,9 +3803,10 @@
           </a:ln>
         </p:spPr>
         <p:txBody>
-          <a:bodyPr lIns="0" rIns="0" tIns="0" bIns="0" anchor="t">
+          <a:bodyPr lIns="0" tIns="0" rIns="0" bIns="0" anchor="t">
             <a:normAutofit/>
           </a:bodyPr>
+          <a:lstStyle/>
           <a:p>
             <a:pPr indent="0">
               <a:spcBef>
@@ -3595,7 +3814,7 @@
               </a:spcBef>
               <a:buNone/>
             </a:pPr>
-            <a:endParaRPr b="0" lang="pt-BR" sz="3200" spc="-1" strike="noStrike">
+            <a:endParaRPr lang="pt-BR" sz="3200" b="0" strike="noStrike" spc="-1">
               <a:solidFill>
                 <a:srgbClr val="000000"/>
               </a:solidFill>
@@ -3606,11 +3825,14 @@
       </p:sp>
     </p:spTree>
   </p:cSld>
+  <p:clrMapOvr>
+    <a:masterClrMapping/>
+  </p:clrMapOvr>
 </p:sldLayout>
 </file>
 
 <file path=ppt/slideLayouts/slideLayout5.xml><?xml version="1.0" encoding="utf-8"?>
-<p:sldLayout xmlns:a="http://schemas.openxmlformats.org/drawingml/2006/main" xmlns:p="http://schemas.openxmlformats.org/presentationml/2006/main" xmlns:r="http://schemas.openxmlformats.org/officeDocument/2006/relationships" xmlns:p14="http://schemas.microsoft.com/office/powerpoint/2010/main" xmlns:p15="http://schemas.microsoft.com/office/powerpoint/2012/main" xmlns:mc="http://schemas.openxmlformats.org/markup-compatibility/2006" type="titleOnly" preserve="1">
+<p:sldLayout xmlns:a="http://schemas.openxmlformats.org/drawingml/2006/main" xmlns:r="http://schemas.openxmlformats.org/officeDocument/2006/relationships" xmlns:p="http://schemas.openxmlformats.org/presentationml/2006/main" type="titleOnly" preserve="1">
   <p:cSld name="Title Only">
     <p:spTree>
       <p:nvGrpSpPr>
@@ -3650,14 +3872,15 @@
           </a:ln>
         </p:spPr>
         <p:txBody>
-          <a:bodyPr lIns="0" rIns="0" tIns="0" bIns="0" anchor="ctr">
+          <a:bodyPr lIns="0" tIns="0" rIns="0" bIns="0" anchor="ctr">
             <a:noAutofit/>
           </a:bodyPr>
+          <a:lstStyle/>
           <a:p>
             <a:pPr indent="0" algn="ctr">
               <a:buNone/>
             </a:pPr>
-            <a:endParaRPr b="0" lang="pt-BR" sz="4400" spc="-1" strike="noStrike">
+            <a:endParaRPr lang="pt-BR" sz="4400" b="0" strike="noStrike" spc="-1">
               <a:solidFill>
                 <a:srgbClr val="000000"/>
               </a:solidFill>
@@ -3668,11 +3891,14 @@
       </p:sp>
     </p:spTree>
   </p:cSld>
+  <p:clrMapOvr>
+    <a:masterClrMapping/>
+  </p:clrMapOvr>
 </p:sldLayout>
 </file>
 
 <file path=ppt/slideLayouts/slideLayout6.xml><?xml version="1.0" encoding="utf-8"?>
-<p:sldLayout xmlns:a="http://schemas.openxmlformats.org/drawingml/2006/main" xmlns:p="http://schemas.openxmlformats.org/presentationml/2006/main" xmlns:r="http://schemas.openxmlformats.org/officeDocument/2006/relationships" xmlns:p14="http://schemas.microsoft.com/office/powerpoint/2010/main" xmlns:p15="http://schemas.microsoft.com/office/powerpoint/2012/main" xmlns:mc="http://schemas.openxmlformats.org/markup-compatibility/2006" type="objOnly" preserve="1">
+<p:sldLayout xmlns:a="http://schemas.openxmlformats.org/drawingml/2006/main" xmlns:r="http://schemas.openxmlformats.org/officeDocument/2006/relationships" xmlns:p="http://schemas.openxmlformats.org/presentationml/2006/main" type="objOnly" preserve="1">
   <p:cSld name="Centered Text">
     <p:spTree>
       <p:nvGrpSpPr>
@@ -3712,12 +3938,13 @@
           </a:ln>
         </p:spPr>
         <p:txBody>
-          <a:bodyPr lIns="0" rIns="0" tIns="0" bIns="0" anchor="ctr">
+          <a:bodyPr lIns="0" tIns="0" rIns="0" bIns="0" anchor="ctr">
             <a:noAutofit/>
           </a:bodyPr>
+          <a:lstStyle/>
           <a:p>
             <a:pPr algn="ctr"/>
-            <a:endParaRPr b="0" lang="pt-BR" sz="3200" spc="-1" strike="noStrike">
+            <a:endParaRPr lang="pt-BR" sz="3200" b="0" strike="noStrike" spc="-1">
               <a:solidFill>
                 <a:srgbClr val="000000"/>
               </a:solidFill>
@@ -3728,11 +3955,14 @@
       </p:sp>
     </p:spTree>
   </p:cSld>
+  <p:clrMapOvr>
+    <a:masterClrMapping/>
+  </p:clrMapOvr>
 </p:sldLayout>
 </file>
 
 <file path=ppt/slideLayouts/slideLayout7.xml><?xml version="1.0" encoding="utf-8"?>
-<p:sldLayout xmlns:a="http://schemas.openxmlformats.org/drawingml/2006/main" xmlns:p="http://schemas.openxmlformats.org/presentationml/2006/main" xmlns:r="http://schemas.openxmlformats.org/officeDocument/2006/relationships" xmlns:p14="http://schemas.microsoft.com/office/powerpoint/2010/main" xmlns:p15="http://schemas.microsoft.com/office/powerpoint/2012/main" xmlns:mc="http://schemas.openxmlformats.org/markup-compatibility/2006" type="twoObjAndObj" preserve="1">
+<p:sldLayout xmlns:a="http://schemas.openxmlformats.org/drawingml/2006/main" xmlns:r="http://schemas.openxmlformats.org/officeDocument/2006/relationships" xmlns:p="http://schemas.openxmlformats.org/presentationml/2006/main" type="twoObjAndObj" preserve="1">
   <p:cSld name="Title, 2 Content and Content">
     <p:spTree>
       <p:nvGrpSpPr>
@@ -3772,14 +4002,15 @@
           </a:ln>
         </p:spPr>
         <p:txBody>
-          <a:bodyPr lIns="0" rIns="0" tIns="0" bIns="0" anchor="ctr">
+          <a:bodyPr lIns="0" tIns="0" rIns="0" bIns="0" anchor="ctr">
             <a:noAutofit/>
           </a:bodyPr>
+          <a:lstStyle/>
           <a:p>
             <a:pPr indent="0" algn="ctr">
               <a:buNone/>
             </a:pPr>
-            <a:endParaRPr b="0" lang="pt-BR" sz="4400" spc="-1" strike="noStrike">
+            <a:endParaRPr lang="pt-BR" sz="4400" b="0" strike="noStrike" spc="-1">
               <a:solidFill>
                 <a:srgbClr val="000000"/>
               </a:solidFill>
@@ -3812,9 +4043,10 @@
           </a:ln>
         </p:spPr>
         <p:txBody>
-          <a:bodyPr lIns="0" rIns="0" tIns="0" bIns="0" anchor="t">
+          <a:bodyPr lIns="0" tIns="0" rIns="0" bIns="0" anchor="t">
             <a:normAutofit/>
           </a:bodyPr>
+          <a:lstStyle/>
           <a:p>
             <a:pPr indent="0">
               <a:spcBef>
@@ -3822,7 +4054,7 @@
               </a:spcBef>
               <a:buNone/>
             </a:pPr>
-            <a:endParaRPr b="0" lang="pt-BR" sz="3200" spc="-1" strike="noStrike">
+            <a:endParaRPr lang="pt-BR" sz="3200" b="0" strike="noStrike" spc="-1">
               <a:solidFill>
                 <a:srgbClr val="000000"/>
               </a:solidFill>
@@ -3855,9 +4087,10 @@
           </a:ln>
         </p:spPr>
         <p:txBody>
-          <a:bodyPr lIns="0" rIns="0" tIns="0" bIns="0" anchor="t">
+          <a:bodyPr lIns="0" tIns="0" rIns="0" bIns="0" anchor="t">
             <a:normAutofit/>
           </a:bodyPr>
+          <a:lstStyle/>
           <a:p>
             <a:pPr indent="0">
               <a:spcBef>
@@ -3865,7 +4098,7 @@
               </a:spcBef>
               <a:buNone/>
             </a:pPr>
-            <a:endParaRPr b="0" lang="pt-BR" sz="3200" spc="-1" strike="noStrike">
+            <a:endParaRPr lang="pt-BR" sz="3200" b="0" strike="noStrike" spc="-1">
               <a:solidFill>
                 <a:srgbClr val="000000"/>
               </a:solidFill>
@@ -3898,9 +4131,10 @@
           </a:ln>
         </p:spPr>
         <p:txBody>
-          <a:bodyPr lIns="0" rIns="0" tIns="0" bIns="0" anchor="t">
+          <a:bodyPr lIns="0" tIns="0" rIns="0" bIns="0" anchor="t">
             <a:normAutofit/>
           </a:bodyPr>
+          <a:lstStyle/>
           <a:p>
             <a:pPr indent="0">
               <a:spcBef>
@@ -3908,7 +4142,7 @@
               </a:spcBef>
               <a:buNone/>
             </a:pPr>
-            <a:endParaRPr b="0" lang="pt-BR" sz="3200" spc="-1" strike="noStrike">
+            <a:endParaRPr lang="pt-BR" sz="3200" b="0" strike="noStrike" spc="-1">
               <a:solidFill>
                 <a:srgbClr val="000000"/>
               </a:solidFill>
@@ -3919,11 +4153,14 @@
       </p:sp>
     </p:spTree>
   </p:cSld>
+  <p:clrMapOvr>
+    <a:masterClrMapping/>
+  </p:clrMapOvr>
 </p:sldLayout>
 </file>
 
 <file path=ppt/slideLayouts/slideLayout8.xml><?xml version="1.0" encoding="utf-8"?>
-<p:sldLayout xmlns:a="http://schemas.openxmlformats.org/drawingml/2006/main" xmlns:p="http://schemas.openxmlformats.org/presentationml/2006/main" xmlns:r="http://schemas.openxmlformats.org/officeDocument/2006/relationships" xmlns:p14="http://schemas.microsoft.com/office/powerpoint/2010/main" xmlns:p15="http://schemas.microsoft.com/office/powerpoint/2012/main" xmlns:mc="http://schemas.openxmlformats.org/markup-compatibility/2006" type="objAndTwoObj" preserve="1">
+<p:sldLayout xmlns:a="http://schemas.openxmlformats.org/drawingml/2006/main" xmlns:r="http://schemas.openxmlformats.org/officeDocument/2006/relationships" xmlns:p="http://schemas.openxmlformats.org/presentationml/2006/main" type="objAndTwoObj" preserve="1">
   <p:cSld name="Title Content and 2 Content">
     <p:spTree>
       <p:nvGrpSpPr>
@@ -3963,14 +4200,15 @@
           </a:ln>
         </p:spPr>
         <p:txBody>
-          <a:bodyPr lIns="0" rIns="0" tIns="0" bIns="0" anchor="ctr">
+          <a:bodyPr lIns="0" tIns="0" rIns="0" bIns="0" anchor="ctr">
             <a:noAutofit/>
           </a:bodyPr>
+          <a:lstStyle/>
           <a:p>
             <a:pPr indent="0" algn="ctr">
               <a:buNone/>
             </a:pPr>
-            <a:endParaRPr b="0" lang="pt-BR" sz="4400" spc="-1" strike="noStrike">
+            <a:endParaRPr lang="pt-BR" sz="4400" b="0" strike="noStrike" spc="-1">
               <a:solidFill>
                 <a:srgbClr val="000000"/>
               </a:solidFill>
@@ -4003,9 +4241,10 @@
           </a:ln>
         </p:spPr>
         <p:txBody>
-          <a:bodyPr lIns="0" rIns="0" tIns="0" bIns="0" anchor="t">
+          <a:bodyPr lIns="0" tIns="0" rIns="0" bIns="0" anchor="t">
             <a:normAutofit/>
           </a:bodyPr>
+          <a:lstStyle/>
           <a:p>
             <a:pPr indent="0">
               <a:spcBef>
@@ -4013,7 +4252,7 @@
               </a:spcBef>
               <a:buNone/>
             </a:pPr>
-            <a:endParaRPr b="0" lang="pt-BR" sz="3200" spc="-1" strike="noStrike">
+            <a:endParaRPr lang="pt-BR" sz="3200" b="0" strike="noStrike" spc="-1">
               <a:solidFill>
                 <a:srgbClr val="000000"/>
               </a:solidFill>
@@ -4046,9 +4285,10 @@
           </a:ln>
         </p:spPr>
         <p:txBody>
-          <a:bodyPr lIns="0" rIns="0" tIns="0" bIns="0" anchor="t">
+          <a:bodyPr lIns="0" tIns="0" rIns="0" bIns="0" anchor="t">
             <a:normAutofit/>
           </a:bodyPr>
+          <a:lstStyle/>
           <a:p>
             <a:pPr indent="0">
               <a:spcBef>
@@ -4056,7 +4296,7 @@
               </a:spcBef>
               <a:buNone/>
             </a:pPr>
-            <a:endParaRPr b="0" lang="pt-BR" sz="3200" spc="-1" strike="noStrike">
+            <a:endParaRPr lang="pt-BR" sz="3200" b="0" strike="noStrike" spc="-1">
               <a:solidFill>
                 <a:srgbClr val="000000"/>
               </a:solidFill>
@@ -4089,9 +4329,10 @@
           </a:ln>
         </p:spPr>
         <p:txBody>
-          <a:bodyPr lIns="0" rIns="0" tIns="0" bIns="0" anchor="t">
+          <a:bodyPr lIns="0" tIns="0" rIns="0" bIns="0" anchor="t">
             <a:normAutofit/>
           </a:bodyPr>
+          <a:lstStyle/>
           <a:p>
             <a:pPr indent="0">
               <a:spcBef>
@@ -4099,7 +4340,7 @@
               </a:spcBef>
               <a:buNone/>
             </a:pPr>
-            <a:endParaRPr b="0" lang="pt-BR" sz="3200" spc="-1" strike="noStrike">
+            <a:endParaRPr lang="pt-BR" sz="3200" b="0" strike="noStrike" spc="-1">
               <a:solidFill>
                 <a:srgbClr val="000000"/>
               </a:solidFill>
@@ -4110,11 +4351,14 @@
       </p:sp>
     </p:spTree>
   </p:cSld>
+  <p:clrMapOvr>
+    <a:masterClrMapping/>
+  </p:clrMapOvr>
 </p:sldLayout>
 </file>
 
 <file path=ppt/slideLayouts/slideLayout9.xml><?xml version="1.0" encoding="utf-8"?>
-<p:sldLayout xmlns:a="http://schemas.openxmlformats.org/drawingml/2006/main" xmlns:p="http://schemas.openxmlformats.org/presentationml/2006/main" xmlns:r="http://schemas.openxmlformats.org/officeDocument/2006/relationships" xmlns:p14="http://schemas.microsoft.com/office/powerpoint/2010/main" xmlns:p15="http://schemas.microsoft.com/office/powerpoint/2012/main" xmlns:mc="http://schemas.openxmlformats.org/markup-compatibility/2006" type="twoObjOverTx" preserve="1">
+<p:sldLayout xmlns:a="http://schemas.openxmlformats.org/drawingml/2006/main" xmlns:r="http://schemas.openxmlformats.org/officeDocument/2006/relationships" xmlns:p="http://schemas.openxmlformats.org/presentationml/2006/main" type="twoObjOverTx" preserve="1">
   <p:cSld name="Title, 2 Content over Content">
     <p:spTree>
       <p:nvGrpSpPr>
@@ -4154,14 +4398,15 @@
           </a:ln>
         </p:spPr>
         <p:txBody>
-          <a:bodyPr lIns="0" rIns="0" tIns="0" bIns="0" anchor="ctr">
+          <a:bodyPr lIns="0" tIns="0" rIns="0" bIns="0" anchor="ctr">
             <a:noAutofit/>
           </a:bodyPr>
+          <a:lstStyle/>
           <a:p>
             <a:pPr indent="0" algn="ctr">
               <a:buNone/>
             </a:pPr>
-            <a:endParaRPr b="0" lang="pt-BR" sz="4400" spc="-1" strike="noStrike">
+            <a:endParaRPr lang="pt-BR" sz="4400" b="0" strike="noStrike" spc="-1">
               <a:solidFill>
                 <a:srgbClr val="000000"/>
               </a:solidFill>
@@ -4194,9 +4439,10 @@
           </a:ln>
         </p:spPr>
         <p:txBody>
-          <a:bodyPr lIns="0" rIns="0" tIns="0" bIns="0" anchor="t">
+          <a:bodyPr lIns="0" tIns="0" rIns="0" bIns="0" anchor="t">
             <a:normAutofit/>
           </a:bodyPr>
+          <a:lstStyle/>
           <a:p>
             <a:pPr indent="0">
               <a:spcBef>
@@ -4204,7 +4450,7 @@
               </a:spcBef>
               <a:buNone/>
             </a:pPr>
-            <a:endParaRPr b="0" lang="pt-BR" sz="3200" spc="-1" strike="noStrike">
+            <a:endParaRPr lang="pt-BR" sz="3200" b="0" strike="noStrike" spc="-1">
               <a:solidFill>
                 <a:srgbClr val="000000"/>
               </a:solidFill>
@@ -4237,9 +4483,10 @@
           </a:ln>
         </p:spPr>
         <p:txBody>
-          <a:bodyPr lIns="0" rIns="0" tIns="0" bIns="0" anchor="t">
+          <a:bodyPr lIns="0" tIns="0" rIns="0" bIns="0" anchor="t">
             <a:normAutofit/>
           </a:bodyPr>
+          <a:lstStyle/>
           <a:p>
             <a:pPr indent="0">
               <a:spcBef>
@@ -4247,7 +4494,7 @@
               </a:spcBef>
               <a:buNone/>
             </a:pPr>
-            <a:endParaRPr b="0" lang="pt-BR" sz="3200" spc="-1" strike="noStrike">
+            <a:endParaRPr lang="pt-BR" sz="3200" b="0" strike="noStrike" spc="-1">
               <a:solidFill>
                 <a:srgbClr val="000000"/>
               </a:solidFill>
@@ -4280,9 +4527,10 @@
           </a:ln>
         </p:spPr>
         <p:txBody>
-          <a:bodyPr lIns="0" rIns="0" tIns="0" bIns="0" anchor="t">
+          <a:bodyPr lIns="0" tIns="0" rIns="0" bIns="0" anchor="t">
             <a:normAutofit/>
           </a:bodyPr>
+          <a:lstStyle/>
           <a:p>
             <a:pPr indent="0">
               <a:spcBef>
@@ -4290,7 +4538,7 @@
               </a:spcBef>
               <a:buNone/>
             </a:pPr>
-            <a:endParaRPr b="0" lang="pt-BR" sz="3200" spc="-1" strike="noStrike">
+            <a:endParaRPr lang="pt-BR" sz="3200" b="0" strike="noStrike" spc="-1">
               <a:solidFill>
                 <a:srgbClr val="000000"/>
               </a:solidFill>
@@ -4301,17 +4549,21 @@
       </p:sp>
     </p:spTree>
   </p:cSld>
+  <p:clrMapOvr>
+    <a:masterClrMapping/>
+  </p:clrMapOvr>
 </p:sldLayout>
 </file>
 
 <file path=ppt/slideMasters/slideMaster1.xml><?xml version="1.0" encoding="utf-8"?>
-<p:sldMaster xmlns:a="http://schemas.openxmlformats.org/drawingml/2006/main" xmlns:p="http://schemas.openxmlformats.org/presentationml/2006/main" xmlns:r="http://schemas.openxmlformats.org/officeDocument/2006/relationships" xmlns:p14="http://schemas.microsoft.com/office/powerpoint/2010/main" xmlns:p15="http://schemas.microsoft.com/office/powerpoint/2012/main" xmlns:mc="http://schemas.openxmlformats.org/markup-compatibility/2006">
+<p:sldMaster xmlns:a="http://schemas.openxmlformats.org/drawingml/2006/main" xmlns:r="http://schemas.openxmlformats.org/officeDocument/2006/relationships" xmlns:p="http://schemas.openxmlformats.org/presentationml/2006/main">
   <p:cSld>
     <p:bg>
       <p:bgPr>
         <a:solidFill>
           <a:schemeClr val="lt1"/>
         </a:solidFill>
+        <a:effectLst/>
       </p:bgPr>
     </p:bg>
     <p:spTree>
@@ -4330,7 +4582,7 @@
       </p:grpSpPr>
       <p:sp>
         <p:nvSpPr>
-          <p:cNvPr id="0" name="Google Shape;11;p20"/>
+          <p:cNvPr id="3" name="Google Shape;11;p20"/>
           <p:cNvSpPr/>
           <p:nvPr/>
         </p:nvSpPr>
@@ -4348,6 +4600,7 @@
               <a:gd name="textAreaBottom" fmla="*/ 1210320 h 1204200"/>
             </a:gdLst>
             <a:ahLst/>
+            <a:cxnLst/>
             <a:rect l="textAreaLeft" t="textAreaTop" r="textAreaRight" b="textAreaBottom"/>
             <a:pathLst>
               <a:path w="50808" h="43566">
@@ -4408,32 +4661,39 @@
             </a:pathLst>
           </a:custGeom>
           <a:solidFill>
-            <a:srgbClr val="ff5464"/>
+            <a:srgbClr val="FF5464"/>
           </a:solidFill>
           <a:ln w="0">
             <a:noFill/>
           </a:ln>
         </p:spPr>
         <p:style>
-          <a:lnRef idx="0"/>
-          <a:fillRef idx="0"/>
-          <a:effectRef idx="0"/>
+          <a:lnRef idx="0">
+            <a:scrgbClr r="0" g="0" b="0"/>
+          </a:lnRef>
+          <a:fillRef idx="0">
+            <a:scrgbClr r="0" g="0" b="0"/>
+          </a:fillRef>
+          <a:effectRef idx="0">
+            <a:scrgbClr r="0" g="0" b="0"/>
+          </a:effectRef>
           <a:fontRef idx="minor"/>
         </p:style>
         <p:txBody>
-          <a:bodyPr lIns="90000" rIns="90000" tIns="91440" bIns="91440" anchor="ctr">
+          <a:bodyPr lIns="90000" tIns="91440" rIns="90000" bIns="91440" anchor="ctr">
             <a:noAutofit/>
           </a:bodyPr>
+          <a:lstStyle/>
           <a:p>
             <a:pPr>
               <a:lnSpc>
                 <a:spcPct val="100000"/>
               </a:lnSpc>
               <a:tabLst>
-                <a:tab algn="l" pos="0"/>
+                <a:tab pos="0" algn="l"/>
               </a:tabLst>
             </a:pPr>
-            <a:endParaRPr b="0" lang="pt-BR" sz="1400" spc="-1" strike="noStrike">
+            <a:endParaRPr lang="pt-BR" sz="1400" b="0" strike="noStrike" spc="-1">
               <a:solidFill>
                 <a:srgbClr val="000000"/>
               </a:solidFill>
@@ -4445,7 +4705,7 @@
       </p:sp>
       <p:sp>
         <p:nvSpPr>
-          <p:cNvPr id="1" name="PlaceHolder 1"/>
+          <p:cNvPr id="4" name="PlaceHolder 1"/>
           <p:cNvSpPr>
             <a:spLocks noGrp="1"/>
           </p:cNvSpPr>
@@ -4467,37 +4727,23 @@
           </a:ln>
         </p:spPr>
         <p:txBody>
-          <a:bodyPr lIns="0" rIns="0" tIns="0" bIns="0" anchor="ctr">
+          <a:bodyPr lIns="0" tIns="0" rIns="0" bIns="0" anchor="ctr">
             <a:noAutofit/>
           </a:bodyPr>
+          <a:lstStyle/>
           <a:p>
             <a:pPr indent="0" algn="ctr">
               <a:buNone/>
             </a:pPr>
             <a:r>
-              <a:rPr b="0" lang="pt-BR" sz="4400" spc="-1" strike="noStrike">
+              <a:rPr lang="pt-BR" sz="4400" b="0" strike="noStrike" spc="-1">
                 <a:solidFill>
                   <a:srgbClr val="000000"/>
                 </a:solidFill>
                 <a:latin typeface="Arial"/>
               </a:rPr>
-              <a:t>Click to edit the title </a:t>
+              <a:t>Click to edit the title text format</a:t>
             </a:r>
-            <a:r>
-              <a:rPr b="0" lang="pt-BR" sz="4400" spc="-1" strike="noStrike">
-                <a:solidFill>
-                  <a:srgbClr val="000000"/>
-                </a:solidFill>
-                <a:latin typeface="Arial"/>
-              </a:rPr>
-              <a:t>text format</a:t>
-            </a:r>
-            <a:endParaRPr b="0" lang="pt-BR" sz="4400" spc="-1" strike="noStrike">
-              <a:solidFill>
-                <a:srgbClr val="000000"/>
-              </a:solidFill>
-              <a:latin typeface="Arial"/>
-            </a:endParaRPr>
           </a:p>
         </p:txBody>
       </p:sp>
@@ -4525,9 +4771,10 @@
           </a:ln>
         </p:spPr>
         <p:txBody>
-          <a:bodyPr lIns="0" rIns="0" tIns="0" bIns="0" anchor="t">
+          <a:bodyPr lIns="0" tIns="0" rIns="0" bIns="0" anchor="t">
             <a:normAutofit/>
           </a:bodyPr>
+          <a:lstStyle/>
           <a:p>
             <a:pPr marL="432000" indent="-324000">
               <a:spcBef>
@@ -4541,7 +4788,7 @@
               <a:buChar char=""/>
             </a:pPr>
             <a:r>
-              <a:rPr b="0" lang="pt-BR" sz="3200" spc="-1" strike="noStrike">
+              <a:rPr lang="pt-BR" sz="3200" b="0" strike="noStrike" spc="-1">
                 <a:solidFill>
                   <a:srgbClr val="000000"/>
                 </a:solidFill>
@@ -4549,15 +4796,9 @@
               </a:rPr>
               <a:t>Click to edit the outline text format</a:t>
             </a:r>
-            <a:endParaRPr b="0" lang="pt-BR" sz="3200" spc="-1" strike="noStrike">
-              <a:solidFill>
-                <a:srgbClr val="000000"/>
-              </a:solidFill>
-              <a:latin typeface="Arial"/>
-            </a:endParaRPr>
-          </a:p>
-          <a:p>
-            <a:pPr lvl="1" marL="864000" indent="-324000">
+          </a:p>
+          <a:p>
+            <a:pPr marL="864000" lvl="1" indent="-324000">
               <a:spcBef>
                 <a:spcPts val="1134"/>
               </a:spcBef>
@@ -4569,7 +4810,7 @@
               <a:buChar char=""/>
             </a:pPr>
             <a:r>
-              <a:rPr b="0" lang="pt-BR" sz="2800" spc="-1" strike="noStrike">
+              <a:rPr lang="pt-BR" sz="2800" b="0" strike="noStrike" spc="-1">
                 <a:solidFill>
                   <a:srgbClr val="000000"/>
                 </a:solidFill>
@@ -4577,15 +4818,9 @@
               </a:rPr>
               <a:t>Second Outline Level</a:t>
             </a:r>
-            <a:endParaRPr b="0" lang="pt-BR" sz="2800" spc="-1" strike="noStrike">
-              <a:solidFill>
-                <a:srgbClr val="000000"/>
-              </a:solidFill>
-              <a:latin typeface="Arial"/>
-            </a:endParaRPr>
-          </a:p>
-          <a:p>
-            <a:pPr lvl="2" marL="1296000" indent="-288000">
+          </a:p>
+          <a:p>
+            <a:pPr marL="1296000" lvl="2" indent="-288000">
               <a:spcBef>
                 <a:spcPts val="850"/>
               </a:spcBef>
@@ -4597,7 +4832,7 @@
               <a:buChar char=""/>
             </a:pPr>
             <a:r>
-              <a:rPr b="0" lang="pt-BR" sz="2400" spc="-1" strike="noStrike">
+              <a:rPr lang="pt-BR" sz="2400" b="0" strike="noStrike" spc="-1">
                 <a:solidFill>
                   <a:srgbClr val="000000"/>
                 </a:solidFill>
@@ -4605,15 +4840,9 @@
               </a:rPr>
               <a:t>Third Outline Level</a:t>
             </a:r>
-            <a:endParaRPr b="0" lang="pt-BR" sz="2400" spc="-1" strike="noStrike">
-              <a:solidFill>
-                <a:srgbClr val="000000"/>
-              </a:solidFill>
-              <a:latin typeface="Arial"/>
-            </a:endParaRPr>
-          </a:p>
-          <a:p>
-            <a:pPr lvl="3" marL="1728000" indent="-216000">
+          </a:p>
+          <a:p>
+            <a:pPr marL="1728000" lvl="3" indent="-216000">
               <a:spcBef>
                 <a:spcPts val="567"/>
               </a:spcBef>
@@ -4625,7 +4854,7 @@
               <a:buChar char=""/>
             </a:pPr>
             <a:r>
-              <a:rPr b="0" lang="pt-BR" sz="2000" spc="-1" strike="noStrike">
+              <a:rPr lang="pt-BR" sz="2000" b="0" strike="noStrike" spc="-1">
                 <a:solidFill>
                   <a:srgbClr val="000000"/>
                 </a:solidFill>
@@ -4633,15 +4862,9 @@
               </a:rPr>
               <a:t>Fourth Outline Level</a:t>
             </a:r>
-            <a:endParaRPr b="0" lang="pt-BR" sz="2000" spc="-1" strike="noStrike">
-              <a:solidFill>
-                <a:srgbClr val="000000"/>
-              </a:solidFill>
-              <a:latin typeface="Arial"/>
-            </a:endParaRPr>
-          </a:p>
-          <a:p>
-            <a:pPr lvl="4" marL="2160000" indent="-216000">
+          </a:p>
+          <a:p>
+            <a:pPr marL="2160000" lvl="4" indent="-216000">
               <a:spcBef>
                 <a:spcPts val="283"/>
               </a:spcBef>
@@ -4653,7 +4876,7 @@
               <a:buChar char=""/>
             </a:pPr>
             <a:r>
-              <a:rPr b="0" lang="pt-BR" sz="2000" spc="-1" strike="noStrike">
+              <a:rPr lang="pt-BR" sz="2000" b="0" strike="noStrike" spc="-1">
                 <a:solidFill>
                   <a:srgbClr val="000000"/>
                 </a:solidFill>
@@ -4661,15 +4884,9 @@
               </a:rPr>
               <a:t>Fifth Outline Level</a:t>
             </a:r>
-            <a:endParaRPr b="0" lang="pt-BR" sz="2000" spc="-1" strike="noStrike">
-              <a:solidFill>
-                <a:srgbClr val="000000"/>
-              </a:solidFill>
-              <a:latin typeface="Arial"/>
-            </a:endParaRPr>
-          </a:p>
-          <a:p>
-            <a:pPr lvl="5" marL="2592000" indent="-216000">
+          </a:p>
+          <a:p>
+            <a:pPr marL="2592000" lvl="5" indent="-216000">
               <a:spcBef>
                 <a:spcPts val="283"/>
               </a:spcBef>
@@ -4681,7 +4898,7 @@
               <a:buChar char=""/>
             </a:pPr>
             <a:r>
-              <a:rPr b="0" lang="pt-BR" sz="2000" spc="-1" strike="noStrike">
+              <a:rPr lang="pt-BR" sz="2000" b="0" strike="noStrike" spc="-1">
                 <a:solidFill>
                   <a:srgbClr val="000000"/>
                 </a:solidFill>
@@ -4689,15 +4906,9 @@
               </a:rPr>
               <a:t>Sixth Outline Level</a:t>
             </a:r>
-            <a:endParaRPr b="0" lang="pt-BR" sz="2000" spc="-1" strike="noStrike">
-              <a:solidFill>
-                <a:srgbClr val="000000"/>
-              </a:solidFill>
-              <a:latin typeface="Arial"/>
-            </a:endParaRPr>
-          </a:p>
-          <a:p>
-            <a:pPr lvl="6" marL="3024000" indent="-216000">
+          </a:p>
+          <a:p>
+            <a:pPr marL="3024000" lvl="6" indent="-216000">
               <a:spcBef>
                 <a:spcPts val="283"/>
               </a:spcBef>
@@ -4709,7 +4920,7 @@
               <a:buChar char=""/>
             </a:pPr>
             <a:r>
-              <a:rPr b="0" lang="pt-BR" sz="2000" spc="-1" strike="noStrike">
+              <a:rPr lang="pt-BR" sz="2000" b="0" strike="noStrike" spc="-1">
                 <a:solidFill>
                   <a:srgbClr val="000000"/>
                 </a:solidFill>
@@ -4717,43 +4928,318 @@
               </a:rPr>
               <a:t>Seventh Outline Level</a:t>
             </a:r>
-            <a:endParaRPr b="0" lang="pt-BR" sz="2000" spc="-1" strike="noStrike">
-              <a:solidFill>
-                <a:srgbClr val="000000"/>
-              </a:solidFill>
-              <a:latin typeface="Arial"/>
-            </a:endParaRPr>
           </a:p>
         </p:txBody>
       </p:sp>
     </p:spTree>
   </p:cSld>
-  <p:clrMap bg1="lt1" bg2="lt2" tx1="dk1" tx2="dk2" accent1="accent1" accent2="accent2" accent3="accent3" accent4="accent4" accent5="accent5" accent6="accent6" hlink="hlink" folHlink="folHlink"/>
+  <p:clrMap bg1="lt1" tx1="dk1" bg2="lt2" tx2="dk2" accent1="accent1" accent2="accent2" accent3="accent3" accent4="accent4" accent5="accent5" accent6="accent6" hlink="hlink" folHlink="folHlink"/>
   <p:sldLayoutIdLst>
-    <p:sldLayoutId id="2147483649" r:id="rId2"/>
-    <p:sldLayoutId id="2147483650" r:id="rId3"/>
-    <p:sldLayoutId id="2147483651" r:id="rId4"/>
-    <p:sldLayoutId id="2147483652" r:id="rId5"/>
-    <p:sldLayoutId id="2147483653" r:id="rId6"/>
-    <p:sldLayoutId id="2147483654" r:id="rId7"/>
-    <p:sldLayoutId id="2147483655" r:id="rId8"/>
-    <p:sldLayoutId id="2147483656" r:id="rId9"/>
-    <p:sldLayoutId id="2147483657" r:id="rId10"/>
-    <p:sldLayoutId id="2147483658" r:id="rId11"/>
-    <p:sldLayoutId id="2147483659" r:id="rId12"/>
-    <p:sldLayoutId id="2147483660" r:id="rId13"/>
+    <p:sldLayoutId id="2147483649" r:id="rId1"/>
+    <p:sldLayoutId id="2147483650" r:id="rId2"/>
+    <p:sldLayoutId id="2147483651" r:id="rId3"/>
+    <p:sldLayoutId id="2147483652" r:id="rId4"/>
+    <p:sldLayoutId id="2147483653" r:id="rId5"/>
+    <p:sldLayoutId id="2147483654" r:id="rId6"/>
+    <p:sldLayoutId id="2147483655" r:id="rId7"/>
+    <p:sldLayoutId id="2147483656" r:id="rId8"/>
+    <p:sldLayoutId id="2147483657" r:id="rId9"/>
+    <p:sldLayoutId id="2147483658" r:id="rId10"/>
+    <p:sldLayoutId id="2147483659" r:id="rId11"/>
+    <p:sldLayoutId id="2147483660" r:id="rId12"/>
   </p:sldLayoutIdLst>
+  <p:txStyles>
+    <p:titleStyle>
+      <a:lvl1pPr algn="l" defTabSz="914400" rtl="0" eaLnBrk="1" latinLnBrk="0" hangingPunct="1">
+        <a:lnSpc>
+          <a:spcPct val="90000"/>
+        </a:lnSpc>
+        <a:spcBef>
+          <a:spcPct val="0"/>
+        </a:spcBef>
+        <a:buNone/>
+        <a:defRPr sz="4400" kern="1200">
+          <a:solidFill>
+            <a:schemeClr val="tx1"/>
+          </a:solidFill>
+          <a:latin typeface="+mj-lt"/>
+          <a:ea typeface="+mj-ea"/>
+          <a:cs typeface="+mj-cs"/>
+        </a:defRPr>
+      </a:lvl1pPr>
+    </p:titleStyle>
+    <p:bodyStyle>
+      <a:lvl1pPr marL="228600" indent="-228600" algn="l" defTabSz="914400" rtl="0" eaLnBrk="1" latinLnBrk="0" hangingPunct="1">
+        <a:lnSpc>
+          <a:spcPct val="90000"/>
+        </a:lnSpc>
+        <a:spcBef>
+          <a:spcPts val="1000"/>
+        </a:spcBef>
+        <a:buFont typeface="Arial" panose="020B0604020202020204" pitchFamily="34" charset="0"/>
+        <a:buChar char="•"/>
+        <a:defRPr sz="2800" kern="1200">
+          <a:solidFill>
+            <a:schemeClr val="tx1"/>
+          </a:solidFill>
+          <a:latin typeface="+mn-lt"/>
+          <a:ea typeface="+mn-ea"/>
+          <a:cs typeface="+mn-cs"/>
+        </a:defRPr>
+      </a:lvl1pPr>
+      <a:lvl2pPr marL="685800" indent="-228600" algn="l" defTabSz="914400" rtl="0" eaLnBrk="1" latinLnBrk="0" hangingPunct="1">
+        <a:lnSpc>
+          <a:spcPct val="90000"/>
+        </a:lnSpc>
+        <a:spcBef>
+          <a:spcPts val="500"/>
+        </a:spcBef>
+        <a:buFont typeface="Arial" panose="020B0604020202020204" pitchFamily="34" charset="0"/>
+        <a:buChar char="•"/>
+        <a:defRPr sz="2400" kern="1200">
+          <a:solidFill>
+            <a:schemeClr val="tx1"/>
+          </a:solidFill>
+          <a:latin typeface="+mn-lt"/>
+          <a:ea typeface="+mn-ea"/>
+          <a:cs typeface="+mn-cs"/>
+        </a:defRPr>
+      </a:lvl2pPr>
+      <a:lvl3pPr marL="1143000" indent="-228600" algn="l" defTabSz="914400" rtl="0" eaLnBrk="1" latinLnBrk="0" hangingPunct="1">
+        <a:lnSpc>
+          <a:spcPct val="90000"/>
+        </a:lnSpc>
+        <a:spcBef>
+          <a:spcPts val="500"/>
+        </a:spcBef>
+        <a:buFont typeface="Arial" panose="020B0604020202020204" pitchFamily="34" charset="0"/>
+        <a:buChar char="•"/>
+        <a:defRPr sz="2000" kern="1200">
+          <a:solidFill>
+            <a:schemeClr val="tx1"/>
+          </a:solidFill>
+          <a:latin typeface="+mn-lt"/>
+          <a:ea typeface="+mn-ea"/>
+          <a:cs typeface="+mn-cs"/>
+        </a:defRPr>
+      </a:lvl3pPr>
+      <a:lvl4pPr marL="1600200" indent="-228600" algn="l" defTabSz="914400" rtl="0" eaLnBrk="1" latinLnBrk="0" hangingPunct="1">
+        <a:lnSpc>
+          <a:spcPct val="90000"/>
+        </a:lnSpc>
+        <a:spcBef>
+          <a:spcPts val="500"/>
+        </a:spcBef>
+        <a:buFont typeface="Arial" panose="020B0604020202020204" pitchFamily="34" charset="0"/>
+        <a:buChar char="•"/>
+        <a:defRPr sz="1800" kern="1200">
+          <a:solidFill>
+            <a:schemeClr val="tx1"/>
+          </a:solidFill>
+          <a:latin typeface="+mn-lt"/>
+          <a:ea typeface="+mn-ea"/>
+          <a:cs typeface="+mn-cs"/>
+        </a:defRPr>
+      </a:lvl4pPr>
+      <a:lvl5pPr marL="2057400" indent="-228600" algn="l" defTabSz="914400" rtl="0" eaLnBrk="1" latinLnBrk="0" hangingPunct="1">
+        <a:lnSpc>
+          <a:spcPct val="90000"/>
+        </a:lnSpc>
+        <a:spcBef>
+          <a:spcPts val="500"/>
+        </a:spcBef>
+        <a:buFont typeface="Arial" panose="020B0604020202020204" pitchFamily="34" charset="0"/>
+        <a:buChar char="•"/>
+        <a:defRPr sz="1800" kern="1200">
+          <a:solidFill>
+            <a:schemeClr val="tx1"/>
+          </a:solidFill>
+          <a:latin typeface="+mn-lt"/>
+          <a:ea typeface="+mn-ea"/>
+          <a:cs typeface="+mn-cs"/>
+        </a:defRPr>
+      </a:lvl5pPr>
+      <a:lvl6pPr marL="2514600" indent="-228600" algn="l" defTabSz="914400" rtl="0" eaLnBrk="1" latinLnBrk="0" hangingPunct="1">
+        <a:lnSpc>
+          <a:spcPct val="90000"/>
+        </a:lnSpc>
+        <a:spcBef>
+          <a:spcPts val="500"/>
+        </a:spcBef>
+        <a:buFont typeface="Arial" panose="020B0604020202020204" pitchFamily="34" charset="0"/>
+        <a:buChar char="•"/>
+        <a:defRPr sz="1800" kern="1200">
+          <a:solidFill>
+            <a:schemeClr val="tx1"/>
+          </a:solidFill>
+          <a:latin typeface="+mn-lt"/>
+          <a:ea typeface="+mn-ea"/>
+          <a:cs typeface="+mn-cs"/>
+        </a:defRPr>
+      </a:lvl6pPr>
+      <a:lvl7pPr marL="2971800" indent="-228600" algn="l" defTabSz="914400" rtl="0" eaLnBrk="1" latinLnBrk="0" hangingPunct="1">
+        <a:lnSpc>
+          <a:spcPct val="90000"/>
+        </a:lnSpc>
+        <a:spcBef>
+          <a:spcPts val="500"/>
+        </a:spcBef>
+        <a:buFont typeface="Arial" panose="020B0604020202020204" pitchFamily="34" charset="0"/>
+        <a:buChar char="•"/>
+        <a:defRPr sz="1800" kern="1200">
+          <a:solidFill>
+            <a:schemeClr val="tx1"/>
+          </a:solidFill>
+          <a:latin typeface="+mn-lt"/>
+          <a:ea typeface="+mn-ea"/>
+          <a:cs typeface="+mn-cs"/>
+        </a:defRPr>
+      </a:lvl7pPr>
+      <a:lvl8pPr marL="3429000" indent="-228600" algn="l" defTabSz="914400" rtl="0" eaLnBrk="1" latinLnBrk="0" hangingPunct="1">
+        <a:lnSpc>
+          <a:spcPct val="90000"/>
+        </a:lnSpc>
+        <a:spcBef>
+          <a:spcPts val="500"/>
+        </a:spcBef>
+        <a:buFont typeface="Arial" panose="020B0604020202020204" pitchFamily="34" charset="0"/>
+        <a:buChar char="•"/>
+        <a:defRPr sz="1800" kern="1200">
+          <a:solidFill>
+            <a:schemeClr val="tx1"/>
+          </a:solidFill>
+          <a:latin typeface="+mn-lt"/>
+          <a:ea typeface="+mn-ea"/>
+          <a:cs typeface="+mn-cs"/>
+        </a:defRPr>
+      </a:lvl8pPr>
+      <a:lvl9pPr marL="3886200" indent="-228600" algn="l" defTabSz="914400" rtl="0" eaLnBrk="1" latinLnBrk="0" hangingPunct="1">
+        <a:lnSpc>
+          <a:spcPct val="90000"/>
+        </a:lnSpc>
+        <a:spcBef>
+          <a:spcPts val="500"/>
+        </a:spcBef>
+        <a:buFont typeface="Arial" panose="020B0604020202020204" pitchFamily="34" charset="0"/>
+        <a:buChar char="•"/>
+        <a:defRPr sz="1800" kern="1200">
+          <a:solidFill>
+            <a:schemeClr val="tx1"/>
+          </a:solidFill>
+          <a:latin typeface="+mn-lt"/>
+          <a:ea typeface="+mn-ea"/>
+          <a:cs typeface="+mn-cs"/>
+        </a:defRPr>
+      </a:lvl9pPr>
+    </p:bodyStyle>
+    <p:otherStyle>
+      <a:defPPr>
+        <a:defRPr lang="pt-BR"/>
+      </a:defPPr>
+      <a:lvl1pPr marL="0" algn="l" defTabSz="914400" rtl="0" eaLnBrk="1" latinLnBrk="0" hangingPunct="1">
+        <a:defRPr sz="1800" kern="1200">
+          <a:solidFill>
+            <a:schemeClr val="tx1"/>
+          </a:solidFill>
+          <a:latin typeface="+mn-lt"/>
+          <a:ea typeface="+mn-ea"/>
+          <a:cs typeface="+mn-cs"/>
+        </a:defRPr>
+      </a:lvl1pPr>
+      <a:lvl2pPr marL="457200" algn="l" defTabSz="914400" rtl="0" eaLnBrk="1" latinLnBrk="0" hangingPunct="1">
+        <a:defRPr sz="1800" kern="1200">
+          <a:solidFill>
+            <a:schemeClr val="tx1"/>
+          </a:solidFill>
+          <a:latin typeface="+mn-lt"/>
+          <a:ea typeface="+mn-ea"/>
+          <a:cs typeface="+mn-cs"/>
+        </a:defRPr>
+      </a:lvl2pPr>
+      <a:lvl3pPr marL="914400" algn="l" defTabSz="914400" rtl="0" eaLnBrk="1" latinLnBrk="0" hangingPunct="1">
+        <a:defRPr sz="1800" kern="1200">
+          <a:solidFill>
+            <a:schemeClr val="tx1"/>
+          </a:solidFill>
+          <a:latin typeface="+mn-lt"/>
+          <a:ea typeface="+mn-ea"/>
+          <a:cs typeface="+mn-cs"/>
+        </a:defRPr>
+      </a:lvl3pPr>
+      <a:lvl4pPr marL="1371600" algn="l" defTabSz="914400" rtl="0" eaLnBrk="1" latinLnBrk="0" hangingPunct="1">
+        <a:defRPr sz="1800" kern="1200">
+          <a:solidFill>
+            <a:schemeClr val="tx1"/>
+          </a:solidFill>
+          <a:latin typeface="+mn-lt"/>
+          <a:ea typeface="+mn-ea"/>
+          <a:cs typeface="+mn-cs"/>
+        </a:defRPr>
+      </a:lvl4pPr>
+      <a:lvl5pPr marL="1828800" algn="l" defTabSz="914400" rtl="0" eaLnBrk="1" latinLnBrk="0" hangingPunct="1">
+        <a:defRPr sz="1800" kern="1200">
+          <a:solidFill>
+            <a:schemeClr val="tx1"/>
+          </a:solidFill>
+          <a:latin typeface="+mn-lt"/>
+          <a:ea typeface="+mn-ea"/>
+          <a:cs typeface="+mn-cs"/>
+        </a:defRPr>
+      </a:lvl5pPr>
+      <a:lvl6pPr marL="2286000" algn="l" defTabSz="914400" rtl="0" eaLnBrk="1" latinLnBrk="0" hangingPunct="1">
+        <a:defRPr sz="1800" kern="1200">
+          <a:solidFill>
+            <a:schemeClr val="tx1"/>
+          </a:solidFill>
+          <a:latin typeface="+mn-lt"/>
+          <a:ea typeface="+mn-ea"/>
+          <a:cs typeface="+mn-cs"/>
+        </a:defRPr>
+      </a:lvl6pPr>
+      <a:lvl7pPr marL="2743200" algn="l" defTabSz="914400" rtl="0" eaLnBrk="1" latinLnBrk="0" hangingPunct="1">
+        <a:defRPr sz="1800" kern="1200">
+          <a:solidFill>
+            <a:schemeClr val="tx1"/>
+          </a:solidFill>
+          <a:latin typeface="+mn-lt"/>
+          <a:ea typeface="+mn-ea"/>
+          <a:cs typeface="+mn-cs"/>
+        </a:defRPr>
+      </a:lvl7pPr>
+      <a:lvl8pPr marL="3200400" algn="l" defTabSz="914400" rtl="0" eaLnBrk="1" latinLnBrk="0" hangingPunct="1">
+        <a:defRPr sz="1800" kern="1200">
+          <a:solidFill>
+            <a:schemeClr val="tx1"/>
+          </a:solidFill>
+          <a:latin typeface="+mn-lt"/>
+          <a:ea typeface="+mn-ea"/>
+          <a:cs typeface="+mn-cs"/>
+        </a:defRPr>
+      </a:lvl8pPr>
+      <a:lvl9pPr marL="3657600" algn="l" defTabSz="914400" rtl="0" eaLnBrk="1" latinLnBrk="0" hangingPunct="1">
+        <a:defRPr sz="1800" kern="1200">
+          <a:solidFill>
+            <a:schemeClr val="tx1"/>
+          </a:solidFill>
+          <a:latin typeface="+mn-lt"/>
+          <a:ea typeface="+mn-ea"/>
+          <a:cs typeface="+mn-cs"/>
+        </a:defRPr>
+      </a:lvl9pPr>
+    </p:otherStyle>
+  </p:txStyles>
 </p:sldMaster>
 </file>
 
 <file path=ppt/slideMasters/slideMaster2.xml><?xml version="1.0" encoding="utf-8"?>
-<p:sldMaster xmlns:a="http://schemas.openxmlformats.org/drawingml/2006/main" xmlns:p="http://schemas.openxmlformats.org/presentationml/2006/main" xmlns:r="http://schemas.openxmlformats.org/officeDocument/2006/relationships" xmlns:p14="http://schemas.microsoft.com/office/powerpoint/2010/main" xmlns:p15="http://schemas.microsoft.com/office/powerpoint/2012/main" xmlns:mc="http://schemas.openxmlformats.org/markup-compatibility/2006">
+<p:sldMaster xmlns:a="http://schemas.openxmlformats.org/drawingml/2006/main" xmlns:r="http://schemas.openxmlformats.org/officeDocument/2006/relationships" xmlns:p="http://schemas.openxmlformats.org/presentationml/2006/main">
   <p:cSld>
     <p:bg>
       <p:bgPr>
         <a:solidFill>
           <a:schemeClr val="lt1"/>
         </a:solidFill>
+        <a:effectLst/>
       </p:bgPr>
     </p:bg>
     <p:spTree>
@@ -4794,7 +5280,7 @@
           </a:ln>
         </p:spPr>
         <p:txBody>
-          <a:bodyPr lIns="90000" rIns="90000" tIns="-45000" bIns="-45000" anchor="t">
+          <a:bodyPr lIns="90000" tIns="-45000" rIns="90000" bIns="-45000" anchor="t">
             <a:noAutofit/>
           </a:bodyPr>
           <a:lstStyle>
@@ -4804,9 +5290,9 @@
               </a:lnSpc>
               <a:buNone/>
               <a:tabLst>
-                <a:tab algn="l" pos="0"/>
+                <a:tab pos="0" algn="l"/>
               </a:tabLst>
-              <a:defRPr b="0" lang="pt-BR" sz="1400" spc="-1" strike="noStrike">
+              <a:defRPr lang="pt-BR" sz="1400" b="0" strike="noStrike" spc="-1">
                 <a:solidFill>
                   <a:srgbClr val="000000"/>
                 </a:solidFill>
@@ -4822,11 +5308,11 @@
               </a:lnSpc>
               <a:buNone/>
               <a:tabLst>
-                <a:tab algn="l" pos="0"/>
+                <a:tab pos="0" algn="l"/>
               </a:tabLst>
             </a:pPr>
             <a:r>
-              <a:rPr b="0" lang="pt-BR" sz="1400" spc="-1" strike="noStrike">
+              <a:rPr lang="pt-BR" sz="1400" b="0" strike="noStrike" spc="-1">
                 <a:solidFill>
                   <a:srgbClr val="000000"/>
                 </a:solidFill>
@@ -4835,7 +5321,7 @@
               </a:rPr>
               <a:t>&lt;footer&gt;</a:t>
             </a:r>
-            <a:endParaRPr b="0" lang="pt-BR" sz="1400" spc="-1" strike="noStrike">
+            <a:endParaRPr lang="pt-BR" sz="1400" b="0" strike="noStrike" spc="-1">
               <a:solidFill>
                 <a:srgbClr val="000000"/>
               </a:solidFill>
@@ -4868,7 +5354,7 @@
           </a:ln>
         </p:spPr>
         <p:txBody>
-          <a:bodyPr lIns="90000" rIns="90000" tIns="-45000" bIns="-45000" anchor="t">
+          <a:bodyPr lIns="90000" tIns="-45000" rIns="90000" bIns="-45000" anchor="t">
             <a:noAutofit/>
           </a:bodyPr>
           <a:lstStyle>
@@ -4878,9 +5364,9 @@
               </a:lnSpc>
               <a:buNone/>
               <a:tabLst>
-                <a:tab algn="l" pos="0"/>
+                <a:tab pos="0" algn="l"/>
               </a:tabLst>
-              <a:defRPr b="0" lang="pt-BR" sz="1400" spc="-1" strike="noStrike">
+              <a:defRPr lang="pt-BR" sz="1400" b="0" strike="noStrike" spc="-1">
                 <a:solidFill>
                   <a:srgbClr val="000000"/>
                 </a:solidFill>
@@ -4896,20 +5382,20 @@
               </a:lnSpc>
               <a:buNone/>
               <a:tabLst>
-                <a:tab algn="l" pos="0"/>
+                <a:tab pos="0" algn="l"/>
               </a:tabLst>
             </a:pPr>
             <a:fld id="{0B2FBE2E-A3BA-4471-89D6-B4A5B5971A53}" type="slidenum">
-              <a:rPr b="0" lang="pt-BR" sz="1400" spc="-1" strike="noStrike">
+              <a:rPr lang="pt-BR" sz="1400" b="0" strike="noStrike" spc="-1">
                 <a:solidFill>
                   <a:srgbClr val="000000"/>
                 </a:solidFill>
                 <a:latin typeface="Arial"/>
                 <a:ea typeface="Arial"/>
               </a:rPr>
-              <a:t>&lt;number&gt;</a:t>
+              <a:t>‹nº›</a:t>
             </a:fld>
-            <a:endParaRPr b="0" lang="pt-BR" sz="1400" spc="-1" strike="noStrike">
+            <a:endParaRPr lang="pt-BR" sz="1400" b="0" strike="noStrike" spc="-1">
               <a:solidFill>
                 <a:srgbClr val="000000"/>
               </a:solidFill>
@@ -4942,13 +5428,13 @@
           </a:ln>
         </p:spPr>
         <p:txBody>
-          <a:bodyPr lIns="90000" rIns="90000" tIns="-45000" bIns="-45000" anchor="t">
+          <a:bodyPr lIns="90000" tIns="-45000" rIns="90000" bIns="-45000" anchor="t">
             <a:noAutofit/>
           </a:bodyPr>
           <a:lstStyle>
             <a:lvl1pPr indent="0">
               <a:buNone/>
-              <a:defRPr b="0" lang="pt-BR" sz="1400" spc="-1" strike="noStrike">
+              <a:defRPr lang="pt-BR" sz="1400" b="0" strike="noStrike" spc="-1">
                 <a:solidFill>
                   <a:srgbClr val="000000"/>
                 </a:solidFill>
@@ -4961,7 +5447,7 @@
               <a:buNone/>
             </a:pPr>
             <a:r>
-              <a:rPr b="0" lang="pt-BR" sz="1400" spc="-1" strike="noStrike">
+              <a:rPr lang="pt-BR" sz="1400" b="0" strike="noStrike" spc="-1">
                 <a:solidFill>
                   <a:srgbClr val="000000"/>
                 </a:solidFill>
@@ -4969,12 +5455,6 @@
               </a:rPr>
               <a:t>&lt;date/time&gt;</a:t>
             </a:r>
-            <a:endParaRPr b="0" lang="pt-BR" sz="1400" spc="-1" strike="noStrike">
-              <a:solidFill>
-                <a:srgbClr val="000000"/>
-              </a:solidFill>
-              <a:latin typeface="Times New Roman"/>
-            </a:endParaRPr>
           </a:p>
         </p:txBody>
       </p:sp>
@@ -5002,15 +5482,16 @@
           </a:ln>
         </p:spPr>
         <p:txBody>
-          <a:bodyPr lIns="0" rIns="0" tIns="0" bIns="0" anchor="ctr">
+          <a:bodyPr lIns="0" tIns="0" rIns="0" bIns="0" anchor="ctr">
             <a:noAutofit/>
           </a:bodyPr>
+          <a:lstStyle/>
           <a:p>
             <a:pPr indent="0" algn="ctr">
               <a:buNone/>
             </a:pPr>
             <a:r>
-              <a:rPr b="0" lang="pt-BR" sz="4400" spc="-1" strike="noStrike">
+              <a:rPr lang="pt-BR" sz="4400" b="0" strike="noStrike" spc="-1">
                 <a:solidFill>
                   <a:srgbClr val="000000"/>
                 </a:solidFill>
@@ -5018,12 +5499,6 @@
               </a:rPr>
               <a:t>Click to edit the title text format</a:t>
             </a:r>
-            <a:endParaRPr b="0" lang="pt-BR" sz="4400" spc="-1" strike="noStrike">
-              <a:solidFill>
-                <a:srgbClr val="000000"/>
-              </a:solidFill>
-              <a:latin typeface="Arial"/>
-            </a:endParaRPr>
           </a:p>
         </p:txBody>
       </p:sp>
@@ -5051,9 +5526,10 @@
           </a:ln>
         </p:spPr>
         <p:txBody>
-          <a:bodyPr lIns="0" rIns="0" tIns="0" bIns="0" anchor="t">
+          <a:bodyPr lIns="0" tIns="0" rIns="0" bIns="0" anchor="t">
             <a:normAutofit/>
           </a:bodyPr>
+          <a:lstStyle/>
           <a:p>
             <a:pPr marL="432000" indent="-324000">
               <a:spcBef>
@@ -5067,7 +5543,7 @@
               <a:buChar char=""/>
             </a:pPr>
             <a:r>
-              <a:rPr b="0" lang="pt-BR" sz="3200" spc="-1" strike="noStrike">
+              <a:rPr lang="pt-BR" sz="3200" b="0" strike="noStrike" spc="-1">
                 <a:solidFill>
                   <a:srgbClr val="000000"/>
                 </a:solidFill>
@@ -5075,15 +5551,9 @@
               </a:rPr>
               <a:t>Click to edit the outline text format</a:t>
             </a:r>
-            <a:endParaRPr b="0" lang="pt-BR" sz="3200" spc="-1" strike="noStrike">
-              <a:solidFill>
-                <a:srgbClr val="000000"/>
-              </a:solidFill>
-              <a:latin typeface="Arial"/>
-            </a:endParaRPr>
-          </a:p>
-          <a:p>
-            <a:pPr lvl="1" marL="864000" indent="-324000">
+          </a:p>
+          <a:p>
+            <a:pPr marL="864000" lvl="1" indent="-324000">
               <a:spcBef>
                 <a:spcPts val="1134"/>
               </a:spcBef>
@@ -5095,7 +5565,7 @@
               <a:buChar char=""/>
             </a:pPr>
             <a:r>
-              <a:rPr b="0" lang="pt-BR" sz="2800" spc="-1" strike="noStrike">
+              <a:rPr lang="pt-BR" sz="2800" b="0" strike="noStrike" spc="-1">
                 <a:solidFill>
                   <a:srgbClr val="000000"/>
                 </a:solidFill>
@@ -5103,15 +5573,9 @@
               </a:rPr>
               <a:t>Second Outline Level</a:t>
             </a:r>
-            <a:endParaRPr b="0" lang="pt-BR" sz="2800" spc="-1" strike="noStrike">
-              <a:solidFill>
-                <a:srgbClr val="000000"/>
-              </a:solidFill>
-              <a:latin typeface="Arial"/>
-            </a:endParaRPr>
-          </a:p>
-          <a:p>
-            <a:pPr lvl="2" marL="1296000" indent="-288000">
+          </a:p>
+          <a:p>
+            <a:pPr marL="1296000" lvl="2" indent="-288000">
               <a:spcBef>
                 <a:spcPts val="850"/>
               </a:spcBef>
@@ -5123,7 +5587,7 @@
               <a:buChar char=""/>
             </a:pPr>
             <a:r>
-              <a:rPr b="0" lang="pt-BR" sz="2400" spc="-1" strike="noStrike">
+              <a:rPr lang="pt-BR" sz="2400" b="0" strike="noStrike" spc="-1">
                 <a:solidFill>
                   <a:srgbClr val="000000"/>
                 </a:solidFill>
@@ -5131,15 +5595,9 @@
               </a:rPr>
               <a:t>Third Outline Level</a:t>
             </a:r>
-            <a:endParaRPr b="0" lang="pt-BR" sz="2400" spc="-1" strike="noStrike">
-              <a:solidFill>
-                <a:srgbClr val="000000"/>
-              </a:solidFill>
-              <a:latin typeface="Arial"/>
-            </a:endParaRPr>
-          </a:p>
-          <a:p>
-            <a:pPr lvl="3" marL="1728000" indent="-216000">
+          </a:p>
+          <a:p>
+            <a:pPr marL="1728000" lvl="3" indent="-216000">
               <a:spcBef>
                 <a:spcPts val="567"/>
               </a:spcBef>
@@ -5151,7 +5609,7 @@
               <a:buChar char=""/>
             </a:pPr>
             <a:r>
-              <a:rPr b="0" lang="pt-BR" sz="2000" spc="-1" strike="noStrike">
+              <a:rPr lang="pt-BR" sz="2000" b="0" strike="noStrike" spc="-1">
                 <a:solidFill>
                   <a:srgbClr val="000000"/>
                 </a:solidFill>
@@ -5159,15 +5617,9 @@
               </a:rPr>
               <a:t>Fourth Outline Level</a:t>
             </a:r>
-            <a:endParaRPr b="0" lang="pt-BR" sz="2000" spc="-1" strike="noStrike">
-              <a:solidFill>
-                <a:srgbClr val="000000"/>
-              </a:solidFill>
-              <a:latin typeface="Arial"/>
-            </a:endParaRPr>
-          </a:p>
-          <a:p>
-            <a:pPr lvl="4" marL="2160000" indent="-216000">
+          </a:p>
+          <a:p>
+            <a:pPr marL="2160000" lvl="4" indent="-216000">
               <a:spcBef>
                 <a:spcPts val="283"/>
               </a:spcBef>
@@ -5179,7 +5631,7 @@
               <a:buChar char=""/>
             </a:pPr>
             <a:r>
-              <a:rPr b="0" lang="pt-BR" sz="2000" spc="-1" strike="noStrike">
+              <a:rPr lang="pt-BR" sz="2000" b="0" strike="noStrike" spc="-1">
                 <a:solidFill>
                   <a:srgbClr val="000000"/>
                 </a:solidFill>
@@ -5187,15 +5639,9 @@
               </a:rPr>
               <a:t>Fifth Outline Level</a:t>
             </a:r>
-            <a:endParaRPr b="0" lang="pt-BR" sz="2000" spc="-1" strike="noStrike">
-              <a:solidFill>
-                <a:srgbClr val="000000"/>
-              </a:solidFill>
-              <a:latin typeface="Arial"/>
-            </a:endParaRPr>
-          </a:p>
-          <a:p>
-            <a:pPr lvl="5" marL="2592000" indent="-216000">
+          </a:p>
+          <a:p>
+            <a:pPr marL="2592000" lvl="5" indent="-216000">
               <a:spcBef>
                 <a:spcPts val="283"/>
               </a:spcBef>
@@ -5207,7 +5653,7 @@
               <a:buChar char=""/>
             </a:pPr>
             <a:r>
-              <a:rPr b="0" lang="pt-BR" sz="2000" spc="-1" strike="noStrike">
+              <a:rPr lang="pt-BR" sz="2000" b="0" strike="noStrike" spc="-1">
                 <a:solidFill>
                   <a:srgbClr val="000000"/>
                 </a:solidFill>
@@ -5215,15 +5661,9 @@
               </a:rPr>
               <a:t>Sixth Outline Level</a:t>
             </a:r>
-            <a:endParaRPr b="0" lang="pt-BR" sz="2000" spc="-1" strike="noStrike">
-              <a:solidFill>
-                <a:srgbClr val="000000"/>
-              </a:solidFill>
-              <a:latin typeface="Arial"/>
-            </a:endParaRPr>
-          </a:p>
-          <a:p>
-            <a:pPr lvl="6" marL="3024000" indent="-216000">
+          </a:p>
+          <a:p>
+            <a:pPr marL="3024000" lvl="6" indent="-216000">
               <a:spcBef>
                 <a:spcPts val="283"/>
               </a:spcBef>
@@ -5235,7 +5675,7 @@
               <a:buChar char=""/>
             </a:pPr>
             <a:r>
-              <a:rPr b="0" lang="pt-BR" sz="2000" spc="-1" strike="noStrike">
+              <a:rPr lang="pt-BR" sz="2000" b="0" strike="noStrike" spc="-1">
                 <a:solidFill>
                   <a:srgbClr val="000000"/>
                 </a:solidFill>
@@ -5243,37 +5683,311 @@
               </a:rPr>
               <a:t>Seventh Outline Level</a:t>
             </a:r>
-            <a:endParaRPr b="0" lang="pt-BR" sz="2000" spc="-1" strike="noStrike">
-              <a:solidFill>
-                <a:srgbClr val="000000"/>
-              </a:solidFill>
-              <a:latin typeface="Arial"/>
-            </a:endParaRPr>
           </a:p>
         </p:txBody>
       </p:sp>
     </p:spTree>
   </p:cSld>
-  <p:clrMap bg1="lt1" bg2="lt2" tx1="dk1" tx2="dk2" accent1="accent1" accent2="accent2" accent3="accent3" accent4="accent4" accent5="accent5" accent6="accent6" hlink="hlink" folHlink="folHlink"/>
+  <p:clrMap bg1="lt1" tx1="dk1" bg2="lt2" tx2="dk2" accent1="accent1" accent2="accent2" accent3="accent3" accent4="accent4" accent5="accent5" accent6="accent6" hlink="hlink" folHlink="folHlink"/>
   <p:sldLayoutIdLst>
-    <p:sldLayoutId id="2147483662" r:id="rId2"/>
-    <p:sldLayoutId id="2147483663" r:id="rId3"/>
-    <p:sldLayoutId id="2147483664" r:id="rId4"/>
-    <p:sldLayoutId id="2147483665" r:id="rId5"/>
-    <p:sldLayoutId id="2147483666" r:id="rId6"/>
-    <p:sldLayoutId id="2147483667" r:id="rId7"/>
-    <p:sldLayoutId id="2147483668" r:id="rId8"/>
-    <p:sldLayoutId id="2147483669" r:id="rId9"/>
-    <p:sldLayoutId id="2147483670" r:id="rId10"/>
-    <p:sldLayoutId id="2147483671" r:id="rId11"/>
-    <p:sldLayoutId id="2147483672" r:id="rId12"/>
-    <p:sldLayoutId id="2147483673" r:id="rId13"/>
+    <p:sldLayoutId id="2147483662" r:id="rId1"/>
+    <p:sldLayoutId id="2147483663" r:id="rId2"/>
+    <p:sldLayoutId id="2147483664" r:id="rId3"/>
+    <p:sldLayoutId id="2147483665" r:id="rId4"/>
+    <p:sldLayoutId id="2147483666" r:id="rId5"/>
+    <p:sldLayoutId id="2147483667" r:id="rId6"/>
+    <p:sldLayoutId id="2147483668" r:id="rId7"/>
+    <p:sldLayoutId id="2147483669" r:id="rId8"/>
+    <p:sldLayoutId id="2147483670" r:id="rId9"/>
+    <p:sldLayoutId id="2147483671" r:id="rId10"/>
+    <p:sldLayoutId id="2147483672" r:id="rId11"/>
+    <p:sldLayoutId id="2147483673" r:id="rId12"/>
   </p:sldLayoutIdLst>
+  <p:txStyles>
+    <p:titleStyle>
+      <a:lvl1pPr algn="l" defTabSz="914400" rtl="0" eaLnBrk="1" latinLnBrk="0" hangingPunct="1">
+        <a:lnSpc>
+          <a:spcPct val="90000"/>
+        </a:lnSpc>
+        <a:spcBef>
+          <a:spcPct val="0"/>
+        </a:spcBef>
+        <a:buNone/>
+        <a:defRPr sz="4400" kern="1200">
+          <a:solidFill>
+            <a:schemeClr val="tx1"/>
+          </a:solidFill>
+          <a:latin typeface="+mj-lt"/>
+          <a:ea typeface="+mj-ea"/>
+          <a:cs typeface="+mj-cs"/>
+        </a:defRPr>
+      </a:lvl1pPr>
+    </p:titleStyle>
+    <p:bodyStyle>
+      <a:lvl1pPr marL="228600" indent="-228600" algn="l" defTabSz="914400" rtl="0" eaLnBrk="1" latinLnBrk="0" hangingPunct="1">
+        <a:lnSpc>
+          <a:spcPct val="90000"/>
+        </a:lnSpc>
+        <a:spcBef>
+          <a:spcPts val="1000"/>
+        </a:spcBef>
+        <a:buFont typeface="Arial" panose="020B0604020202020204" pitchFamily="34" charset="0"/>
+        <a:buChar char="•"/>
+        <a:defRPr sz="2800" kern="1200">
+          <a:solidFill>
+            <a:schemeClr val="tx1"/>
+          </a:solidFill>
+          <a:latin typeface="+mn-lt"/>
+          <a:ea typeface="+mn-ea"/>
+          <a:cs typeface="+mn-cs"/>
+        </a:defRPr>
+      </a:lvl1pPr>
+      <a:lvl2pPr marL="685800" indent="-228600" algn="l" defTabSz="914400" rtl="0" eaLnBrk="1" latinLnBrk="0" hangingPunct="1">
+        <a:lnSpc>
+          <a:spcPct val="90000"/>
+        </a:lnSpc>
+        <a:spcBef>
+          <a:spcPts val="500"/>
+        </a:spcBef>
+        <a:buFont typeface="Arial" panose="020B0604020202020204" pitchFamily="34" charset="0"/>
+        <a:buChar char="•"/>
+        <a:defRPr sz="2400" kern="1200">
+          <a:solidFill>
+            <a:schemeClr val="tx1"/>
+          </a:solidFill>
+          <a:latin typeface="+mn-lt"/>
+          <a:ea typeface="+mn-ea"/>
+          <a:cs typeface="+mn-cs"/>
+        </a:defRPr>
+      </a:lvl2pPr>
+      <a:lvl3pPr marL="1143000" indent="-228600" algn="l" defTabSz="914400" rtl="0" eaLnBrk="1" latinLnBrk="0" hangingPunct="1">
+        <a:lnSpc>
+          <a:spcPct val="90000"/>
+        </a:lnSpc>
+        <a:spcBef>
+          <a:spcPts val="500"/>
+        </a:spcBef>
+        <a:buFont typeface="Arial" panose="020B0604020202020204" pitchFamily="34" charset="0"/>
+        <a:buChar char="•"/>
+        <a:defRPr sz="2000" kern="1200">
+          <a:solidFill>
+            <a:schemeClr val="tx1"/>
+          </a:solidFill>
+          <a:latin typeface="+mn-lt"/>
+          <a:ea typeface="+mn-ea"/>
+          <a:cs typeface="+mn-cs"/>
+        </a:defRPr>
+      </a:lvl3pPr>
+      <a:lvl4pPr marL="1600200" indent="-228600" algn="l" defTabSz="914400" rtl="0" eaLnBrk="1" latinLnBrk="0" hangingPunct="1">
+        <a:lnSpc>
+          <a:spcPct val="90000"/>
+        </a:lnSpc>
+        <a:spcBef>
+          <a:spcPts val="500"/>
+        </a:spcBef>
+        <a:buFont typeface="Arial" panose="020B0604020202020204" pitchFamily="34" charset="0"/>
+        <a:buChar char="•"/>
+        <a:defRPr sz="1800" kern="1200">
+          <a:solidFill>
+            <a:schemeClr val="tx1"/>
+          </a:solidFill>
+          <a:latin typeface="+mn-lt"/>
+          <a:ea typeface="+mn-ea"/>
+          <a:cs typeface="+mn-cs"/>
+        </a:defRPr>
+      </a:lvl4pPr>
+      <a:lvl5pPr marL="2057400" indent="-228600" algn="l" defTabSz="914400" rtl="0" eaLnBrk="1" latinLnBrk="0" hangingPunct="1">
+        <a:lnSpc>
+          <a:spcPct val="90000"/>
+        </a:lnSpc>
+        <a:spcBef>
+          <a:spcPts val="500"/>
+        </a:spcBef>
+        <a:buFont typeface="Arial" panose="020B0604020202020204" pitchFamily="34" charset="0"/>
+        <a:buChar char="•"/>
+        <a:defRPr sz="1800" kern="1200">
+          <a:solidFill>
+            <a:schemeClr val="tx1"/>
+          </a:solidFill>
+          <a:latin typeface="+mn-lt"/>
+          <a:ea typeface="+mn-ea"/>
+          <a:cs typeface="+mn-cs"/>
+        </a:defRPr>
+      </a:lvl5pPr>
+      <a:lvl6pPr marL="2514600" indent="-228600" algn="l" defTabSz="914400" rtl="0" eaLnBrk="1" latinLnBrk="0" hangingPunct="1">
+        <a:lnSpc>
+          <a:spcPct val="90000"/>
+        </a:lnSpc>
+        <a:spcBef>
+          <a:spcPts val="500"/>
+        </a:spcBef>
+        <a:buFont typeface="Arial" panose="020B0604020202020204" pitchFamily="34" charset="0"/>
+        <a:buChar char="•"/>
+        <a:defRPr sz="1800" kern="1200">
+          <a:solidFill>
+            <a:schemeClr val="tx1"/>
+          </a:solidFill>
+          <a:latin typeface="+mn-lt"/>
+          <a:ea typeface="+mn-ea"/>
+          <a:cs typeface="+mn-cs"/>
+        </a:defRPr>
+      </a:lvl6pPr>
+      <a:lvl7pPr marL="2971800" indent="-228600" algn="l" defTabSz="914400" rtl="0" eaLnBrk="1" latinLnBrk="0" hangingPunct="1">
+        <a:lnSpc>
+          <a:spcPct val="90000"/>
+        </a:lnSpc>
+        <a:spcBef>
+          <a:spcPts val="500"/>
+        </a:spcBef>
+        <a:buFont typeface="Arial" panose="020B0604020202020204" pitchFamily="34" charset="0"/>
+        <a:buChar char="•"/>
+        <a:defRPr sz="1800" kern="1200">
+          <a:solidFill>
+            <a:schemeClr val="tx1"/>
+          </a:solidFill>
+          <a:latin typeface="+mn-lt"/>
+          <a:ea typeface="+mn-ea"/>
+          <a:cs typeface="+mn-cs"/>
+        </a:defRPr>
+      </a:lvl7pPr>
+      <a:lvl8pPr marL="3429000" indent="-228600" algn="l" defTabSz="914400" rtl="0" eaLnBrk="1" latinLnBrk="0" hangingPunct="1">
+        <a:lnSpc>
+          <a:spcPct val="90000"/>
+        </a:lnSpc>
+        <a:spcBef>
+          <a:spcPts val="500"/>
+        </a:spcBef>
+        <a:buFont typeface="Arial" panose="020B0604020202020204" pitchFamily="34" charset="0"/>
+        <a:buChar char="•"/>
+        <a:defRPr sz="1800" kern="1200">
+          <a:solidFill>
+            <a:schemeClr val="tx1"/>
+          </a:solidFill>
+          <a:latin typeface="+mn-lt"/>
+          <a:ea typeface="+mn-ea"/>
+          <a:cs typeface="+mn-cs"/>
+        </a:defRPr>
+      </a:lvl8pPr>
+      <a:lvl9pPr marL="3886200" indent="-228600" algn="l" defTabSz="914400" rtl="0" eaLnBrk="1" latinLnBrk="0" hangingPunct="1">
+        <a:lnSpc>
+          <a:spcPct val="90000"/>
+        </a:lnSpc>
+        <a:spcBef>
+          <a:spcPts val="500"/>
+        </a:spcBef>
+        <a:buFont typeface="Arial" panose="020B0604020202020204" pitchFamily="34" charset="0"/>
+        <a:buChar char="•"/>
+        <a:defRPr sz="1800" kern="1200">
+          <a:solidFill>
+            <a:schemeClr val="tx1"/>
+          </a:solidFill>
+          <a:latin typeface="+mn-lt"/>
+          <a:ea typeface="+mn-ea"/>
+          <a:cs typeface="+mn-cs"/>
+        </a:defRPr>
+      </a:lvl9pPr>
+    </p:bodyStyle>
+    <p:otherStyle>
+      <a:defPPr>
+        <a:defRPr lang="pt-BR"/>
+      </a:defPPr>
+      <a:lvl1pPr marL="0" algn="l" defTabSz="914400" rtl="0" eaLnBrk="1" latinLnBrk="0" hangingPunct="1">
+        <a:defRPr sz="1800" kern="1200">
+          <a:solidFill>
+            <a:schemeClr val="tx1"/>
+          </a:solidFill>
+          <a:latin typeface="+mn-lt"/>
+          <a:ea typeface="+mn-ea"/>
+          <a:cs typeface="+mn-cs"/>
+        </a:defRPr>
+      </a:lvl1pPr>
+      <a:lvl2pPr marL="457200" algn="l" defTabSz="914400" rtl="0" eaLnBrk="1" latinLnBrk="0" hangingPunct="1">
+        <a:defRPr sz="1800" kern="1200">
+          <a:solidFill>
+            <a:schemeClr val="tx1"/>
+          </a:solidFill>
+          <a:latin typeface="+mn-lt"/>
+          <a:ea typeface="+mn-ea"/>
+          <a:cs typeface="+mn-cs"/>
+        </a:defRPr>
+      </a:lvl2pPr>
+      <a:lvl3pPr marL="914400" algn="l" defTabSz="914400" rtl="0" eaLnBrk="1" latinLnBrk="0" hangingPunct="1">
+        <a:defRPr sz="1800" kern="1200">
+          <a:solidFill>
+            <a:schemeClr val="tx1"/>
+          </a:solidFill>
+          <a:latin typeface="+mn-lt"/>
+          <a:ea typeface="+mn-ea"/>
+          <a:cs typeface="+mn-cs"/>
+        </a:defRPr>
+      </a:lvl3pPr>
+      <a:lvl4pPr marL="1371600" algn="l" defTabSz="914400" rtl="0" eaLnBrk="1" latinLnBrk="0" hangingPunct="1">
+        <a:defRPr sz="1800" kern="1200">
+          <a:solidFill>
+            <a:schemeClr val="tx1"/>
+          </a:solidFill>
+          <a:latin typeface="+mn-lt"/>
+          <a:ea typeface="+mn-ea"/>
+          <a:cs typeface="+mn-cs"/>
+        </a:defRPr>
+      </a:lvl4pPr>
+      <a:lvl5pPr marL="1828800" algn="l" defTabSz="914400" rtl="0" eaLnBrk="1" latinLnBrk="0" hangingPunct="1">
+        <a:defRPr sz="1800" kern="1200">
+          <a:solidFill>
+            <a:schemeClr val="tx1"/>
+          </a:solidFill>
+          <a:latin typeface="+mn-lt"/>
+          <a:ea typeface="+mn-ea"/>
+          <a:cs typeface="+mn-cs"/>
+        </a:defRPr>
+      </a:lvl5pPr>
+      <a:lvl6pPr marL="2286000" algn="l" defTabSz="914400" rtl="0" eaLnBrk="1" latinLnBrk="0" hangingPunct="1">
+        <a:defRPr sz="1800" kern="1200">
+          <a:solidFill>
+            <a:schemeClr val="tx1"/>
+          </a:solidFill>
+          <a:latin typeface="+mn-lt"/>
+          <a:ea typeface="+mn-ea"/>
+          <a:cs typeface="+mn-cs"/>
+        </a:defRPr>
+      </a:lvl6pPr>
+      <a:lvl7pPr marL="2743200" algn="l" defTabSz="914400" rtl="0" eaLnBrk="1" latinLnBrk="0" hangingPunct="1">
+        <a:defRPr sz="1800" kern="1200">
+          <a:solidFill>
+            <a:schemeClr val="tx1"/>
+          </a:solidFill>
+          <a:latin typeface="+mn-lt"/>
+          <a:ea typeface="+mn-ea"/>
+          <a:cs typeface="+mn-cs"/>
+        </a:defRPr>
+      </a:lvl7pPr>
+      <a:lvl8pPr marL="3200400" algn="l" defTabSz="914400" rtl="0" eaLnBrk="1" latinLnBrk="0" hangingPunct="1">
+        <a:defRPr sz="1800" kern="1200">
+          <a:solidFill>
+            <a:schemeClr val="tx1"/>
+          </a:solidFill>
+          <a:latin typeface="+mn-lt"/>
+          <a:ea typeface="+mn-ea"/>
+          <a:cs typeface="+mn-cs"/>
+        </a:defRPr>
+      </a:lvl8pPr>
+      <a:lvl9pPr marL="3657600" algn="l" defTabSz="914400" rtl="0" eaLnBrk="1" latinLnBrk="0" hangingPunct="1">
+        <a:defRPr sz="1800" kern="1200">
+          <a:solidFill>
+            <a:schemeClr val="tx1"/>
+          </a:solidFill>
+          <a:latin typeface="+mn-lt"/>
+          <a:ea typeface="+mn-ea"/>
+          <a:cs typeface="+mn-cs"/>
+        </a:defRPr>
+      </a:lvl9pPr>
+    </p:otherStyle>
+  </p:txStyles>
 </p:sldMaster>
 </file>
 
 <file path=ppt/slides/slide1.xml><?xml version="1.0" encoding="utf-8"?>
-<p:sld xmlns:a="http://schemas.openxmlformats.org/drawingml/2006/main" xmlns:p="http://schemas.openxmlformats.org/presentationml/2006/main" xmlns:r="http://schemas.openxmlformats.org/officeDocument/2006/relationships" xmlns:p14="http://schemas.microsoft.com/office/powerpoint/2010/main" xmlns:p15="http://schemas.microsoft.com/office/powerpoint/2012/main" xmlns:mc="http://schemas.openxmlformats.org/markup-compatibility/2006">
+<p:sld xmlns:a="http://schemas.openxmlformats.org/drawingml/2006/main" xmlns:r="http://schemas.openxmlformats.org/officeDocument/2006/relationships" xmlns:p="http://schemas.openxmlformats.org/presentationml/2006/main">
   <p:cSld>
     <p:spTree>
       <p:nvGrpSpPr>
@@ -5313,9 +6027,10 @@
           </a:ln>
         </p:spPr>
         <p:txBody>
-          <a:bodyPr lIns="0" rIns="0" tIns="91440" bIns="91440" anchor="t">
+          <a:bodyPr lIns="0" tIns="91440" rIns="0" bIns="91440" anchor="t">
             <a:noAutofit/>
           </a:bodyPr>
+          <a:lstStyle/>
           <a:p>
             <a:pPr indent="0">
               <a:lnSpc>
@@ -5323,13 +6038,13 @@
               </a:lnSpc>
               <a:buNone/>
               <a:tabLst>
-                <a:tab algn="l" pos="0"/>
+                <a:tab pos="0" algn="l"/>
               </a:tabLst>
             </a:pPr>
             <a:r>
-              <a:rPr b="1" lang="pt-BR" sz="2000" spc="-1" strike="noStrike">
+              <a:rPr lang="pt-BR" sz="2000" b="1" strike="noStrike" spc="-1">
                 <a:solidFill>
-                  <a:srgbClr val="ffc000"/>
+                  <a:srgbClr val="FFC000"/>
                 </a:solidFill>
                 <a:latin typeface="Trebuchet MS"/>
                 <a:ea typeface="Overpass"/>
@@ -5340,7 +6055,7 @@
               <a:rPr sz="2000"/>
             </a:br>
             <a:r>
-              <a:rPr b="1" lang="pt-BR" sz="2000" spc="-1" strike="noStrike">
+              <a:rPr lang="pt-BR" sz="2000" b="1" strike="noStrike" spc="-1">
                 <a:solidFill>
                   <a:schemeClr val="dk1"/>
                 </a:solidFill>
@@ -5349,7 +6064,7 @@
               </a:rPr>
               <a:t>DESENVOLVIMENTO WEB</a:t>
             </a:r>
-            <a:endParaRPr b="0" lang="pt-BR" sz="2000" spc="-1" strike="noStrike">
+            <a:endParaRPr lang="pt-BR" sz="2000" b="0" strike="noStrike" spc="-1">
               <a:solidFill>
                 <a:srgbClr val="000000"/>
               </a:solidFill>
@@ -5382,9 +6097,10 @@
           </a:ln>
         </p:spPr>
         <p:txBody>
-          <a:bodyPr lIns="0" rIns="0" tIns="91440" bIns="91440" anchor="t">
+          <a:bodyPr lIns="0" tIns="91440" rIns="0" bIns="91440" anchor="t">
             <a:noAutofit/>
           </a:bodyPr>
+          <a:lstStyle/>
           <a:p>
             <a:pPr marL="228600" indent="0">
               <a:lnSpc>
@@ -5395,11 +6111,11 @@
               </a:spcBef>
               <a:buNone/>
               <a:tabLst>
-                <a:tab algn="l" pos="0"/>
+                <a:tab pos="0" algn="l"/>
               </a:tabLst>
             </a:pPr>
             <a:r>
-              <a:rPr b="0" lang="pt-BR" sz="2600" spc="-1" strike="noStrike">
+              <a:rPr lang="pt-BR" sz="2600" b="0" strike="noStrike" spc="-1">
                 <a:solidFill>
                   <a:schemeClr val="dk2"/>
                 </a:solidFill>
@@ -5409,7 +6125,7 @@
               <a:t>Prof. Daniel Mesquita </a:t>
             </a:r>
             <a:r>
-              <a:rPr b="0" lang="pt-BR" sz="1200" spc="-1" strike="noStrike">
+              <a:rPr lang="pt-BR" sz="1200" b="0" strike="noStrike" spc="-1">
                 <a:solidFill>
                   <a:schemeClr val="dk2"/>
                 </a:solidFill>
@@ -5419,7 +6135,7 @@
               <a:t>        </a:t>
             </a:r>
             <a:r>
-              <a:rPr b="0" lang="pt-BR" sz="1200" spc="-1" strike="noStrike" u="sng">
+              <a:rPr lang="pt-BR" sz="1200" b="0" u="sng" strike="noStrike" spc="-1">
                 <a:solidFill>
                   <a:schemeClr val="hlink"/>
                 </a:solidFill>
@@ -5429,7 +6145,7 @@
               </a:rPr>
               <a:t>danielme17@gmail.com</a:t>
             </a:r>
-            <a:endParaRPr b="0" lang="pt-BR" sz="1200" spc="-1" strike="noStrike">
+            <a:endParaRPr lang="pt-BR" sz="1200" b="0" strike="noStrike" spc="-1">
               <a:solidFill>
                 <a:srgbClr val="000000"/>
               </a:solidFill>
@@ -5454,7 +6170,7 @@
           </a:prstGeom>
           <a:ln w="28575">
             <a:solidFill>
-              <a:srgbClr val="f8931d"/>
+              <a:srgbClr val="F8931D"/>
             </a:solidFill>
             <a:round/>
           </a:ln>
@@ -5480,26 +6196,33 @@
           </a:ln>
         </p:spPr>
         <p:style>
-          <a:lnRef idx="0"/>
-          <a:fillRef idx="0"/>
-          <a:effectRef idx="0"/>
+          <a:lnRef idx="0">
+            <a:scrgbClr r="0" g="0" b="0"/>
+          </a:lnRef>
+          <a:fillRef idx="0">
+            <a:scrgbClr r="0" g="0" b="0"/>
+          </a:fillRef>
+          <a:effectRef idx="0">
+            <a:scrgbClr r="0" g="0" b="0"/>
+          </a:effectRef>
           <a:fontRef idx="minor"/>
         </p:style>
         <p:txBody>
-          <a:bodyPr lIns="90000" rIns="90000" tIns="91440" bIns="91440" anchor="t">
+          <a:bodyPr lIns="90000" tIns="91440" rIns="90000" bIns="91440" anchor="t">
             <a:noAutofit/>
           </a:bodyPr>
+          <a:lstStyle/>
           <a:p>
             <a:pPr>
               <a:lnSpc>
                 <a:spcPct val="100000"/>
               </a:lnSpc>
               <a:tabLst>
-                <a:tab algn="l" pos="0"/>
+                <a:tab pos="0" algn="l"/>
               </a:tabLst>
             </a:pPr>
             <a:r>
-              <a:rPr b="1" lang="pt-BR" sz="2000" spc="-1" strike="noStrike">
+              <a:rPr lang="pt-BR" sz="2000" b="1" strike="noStrike" spc="-1">
                 <a:solidFill>
                   <a:schemeClr val="dk1"/>
                 </a:solidFill>
@@ -5508,7 +6231,7 @@
               </a:rPr>
               <a:t>AULA 14</a:t>
             </a:r>
-            <a:endParaRPr b="0" lang="pt-BR" sz="2000" spc="-1" strike="noStrike">
+            <a:endParaRPr lang="pt-BR" sz="2000" b="0" strike="noStrike" spc="-1">
               <a:solidFill>
                 <a:srgbClr val="000000"/>
               </a:solidFill>
@@ -5537,26 +6260,33 @@
           </a:ln>
         </p:spPr>
         <p:style>
-          <a:lnRef idx="0"/>
-          <a:fillRef idx="0"/>
-          <a:effectRef idx="0"/>
+          <a:lnRef idx="0">
+            <a:scrgbClr r="0" g="0" b="0"/>
+          </a:lnRef>
+          <a:fillRef idx="0">
+            <a:scrgbClr r="0" g="0" b="0"/>
+          </a:fillRef>
+          <a:effectRef idx="0">
+            <a:scrgbClr r="0" g="0" b="0"/>
+          </a:effectRef>
           <a:fontRef idx="minor"/>
         </p:style>
         <p:txBody>
-          <a:bodyPr lIns="90000" rIns="90000" tIns="91440" bIns="91440" anchor="t">
+          <a:bodyPr lIns="90000" tIns="91440" rIns="90000" bIns="91440" anchor="t">
             <a:noAutofit/>
           </a:bodyPr>
+          <a:lstStyle/>
           <a:p>
             <a:pPr>
               <a:lnSpc>
                 <a:spcPct val="100000"/>
               </a:lnSpc>
               <a:tabLst>
-                <a:tab algn="l" pos="0"/>
+                <a:tab pos="0" algn="l"/>
               </a:tabLst>
             </a:pPr>
             <a:r>
-              <a:rPr b="1" lang="pt-BR" sz="2000" spc="-1" strike="noStrike">
+              <a:rPr lang="pt-BR" sz="2000" b="1" strike="noStrike" spc="-1">
                 <a:solidFill>
                   <a:schemeClr val="dk1"/>
                 </a:solidFill>
@@ -5568,7 +6298,7 @@
             <a:br>
               <a:rPr sz="2000"/>
             </a:br>
-            <a:endParaRPr b="0" lang="pt-BR" sz="2000" spc="-1" strike="noStrike">
+            <a:endParaRPr lang="pt-BR" sz="2000" b="0" strike="noStrike" spc="-1">
               <a:solidFill>
                 <a:srgbClr val="000000"/>
               </a:solidFill>
@@ -5597,15 +6327,22 @@
           </a:ln>
         </p:spPr>
         <p:style>
-          <a:lnRef idx="0"/>
-          <a:fillRef idx="0"/>
-          <a:effectRef idx="0"/>
+          <a:lnRef idx="0">
+            <a:scrgbClr r="0" g="0" b="0"/>
+          </a:lnRef>
+          <a:fillRef idx="0">
+            <a:scrgbClr r="0" g="0" b="0"/>
+          </a:fillRef>
+          <a:effectRef idx="0">
+            <a:scrgbClr r="0" g="0" b="0"/>
+          </a:effectRef>
           <a:fontRef idx="minor"/>
         </p:style>
         <p:txBody>
-          <a:bodyPr lIns="0" rIns="0" tIns="0" bIns="0" anchor="t">
+          <a:bodyPr lIns="0" tIns="0" rIns="0" bIns="0" anchor="t">
             <a:normAutofit/>
           </a:bodyPr>
+          <a:lstStyle/>
           <a:p>
             <a:pPr marL="432000" indent="-324000">
               <a:lnSpc>
@@ -5622,7 +6359,7 @@
               <a:buChar char=""/>
             </a:pPr>
             <a:r>
-              <a:rPr b="0" lang="pt-BR" sz="1400" spc="-1" strike="noStrike">
+              <a:rPr lang="pt-BR" sz="1400" b="0" strike="noStrike" spc="-1">
                 <a:solidFill>
                   <a:srgbClr val="000000"/>
                 </a:solidFill>
@@ -5631,7 +6368,7 @@
               </a:rPr>
               <a:t>Hoje acorde e seja 404% melhor que ontem – mesmo que o café ainda não tenha feito efeito</a:t>
             </a:r>
-            <a:endParaRPr b="0" lang="pt-BR" sz="1400" spc="-1" strike="noStrike">
+            <a:endParaRPr lang="pt-BR" sz="1400" b="0" strike="noStrike" spc="-1">
               <a:solidFill>
                 <a:srgbClr val="000000"/>
               </a:solidFill>
@@ -5654,7 +6391,7 @@
               <a:buChar char=""/>
             </a:pPr>
             <a:r>
-              <a:rPr b="0" lang="pt-BR" sz="1400" spc="-1" strike="noStrike">
+              <a:rPr lang="pt-BR" sz="1400" b="0" strike="noStrike" spc="-1">
                 <a:solidFill>
                   <a:srgbClr val="000000"/>
                 </a:solidFill>
@@ -5663,7 +6400,7 @@
               </a:rPr>
               <a:t>Hardware é o que você chuta. Software é o que você xinga.</a:t>
             </a:r>
-            <a:endParaRPr b="0" lang="pt-BR" sz="1400" spc="-1" strike="noStrike">
+            <a:endParaRPr lang="pt-BR" sz="1400" b="0" strike="noStrike" spc="-1">
               <a:solidFill>
                 <a:srgbClr val="000000"/>
               </a:solidFill>
@@ -5686,7 +6423,7 @@
               <a:buChar char=""/>
             </a:pPr>
             <a:r>
-              <a:rPr b="0" lang="pt-BR" sz="1400" spc="-1" strike="noStrike">
+              <a:rPr lang="pt-BR" sz="1400" b="0" strike="noStrike" spc="-1">
                 <a:solidFill>
                   <a:srgbClr val="000000"/>
                 </a:solidFill>
@@ -5695,7 +6432,7 @@
               </a:rPr>
               <a:t>Meu código roda… mas só de madrugada e quando ninguém está olhando</a:t>
             </a:r>
-            <a:endParaRPr b="0" lang="pt-BR" sz="1400" spc="-1" strike="noStrike">
+            <a:endParaRPr lang="pt-BR" sz="1400" b="0" strike="noStrike" spc="-1">
               <a:solidFill>
                 <a:srgbClr val="000000"/>
               </a:solidFill>
@@ -5706,19 +6443,14 @@
       </p:sp>
     </p:spTree>
   </p:cSld>
-  <mc:AlternateContent>
-    <mc:Choice Requires="p14">
-      <p:transition spd="slow" p14:dur="2000"/>
-    </mc:Choice>
-    <mc:Fallback>
-      <p:transition spd="slow"/>
-    </mc:Fallback>
-  </mc:AlternateContent>
+  <p:clrMapOvr>
+    <a:masterClrMapping/>
+  </p:clrMapOvr>
 </p:sld>
 </file>
 
 <file path=ppt/slides/slide10.xml><?xml version="1.0" encoding="utf-8"?>
-<p:sld xmlns:a="http://schemas.openxmlformats.org/drawingml/2006/main" xmlns:p="http://schemas.openxmlformats.org/presentationml/2006/main" xmlns:r="http://schemas.openxmlformats.org/officeDocument/2006/relationships" xmlns:p14="http://schemas.microsoft.com/office/powerpoint/2010/main" xmlns:p15="http://schemas.microsoft.com/office/powerpoint/2012/main" xmlns:mc="http://schemas.openxmlformats.org/markup-compatibility/2006">
+<p:sld xmlns:a="http://schemas.openxmlformats.org/drawingml/2006/main" xmlns:r="http://schemas.openxmlformats.org/officeDocument/2006/relationships" xmlns:p="http://schemas.openxmlformats.org/presentationml/2006/main">
   <p:cSld>
     <p:spTree>
       <p:nvGrpSpPr>
@@ -5736,19 +6468,14 @@
       </p:grpSpPr>
     </p:spTree>
   </p:cSld>
-  <mc:AlternateContent>
-    <mc:Choice Requires="p14">
-      <p:transition spd="slow" p14:dur="2000"/>
-    </mc:Choice>
-    <mc:Fallback>
-      <p:transition spd="slow"/>
-    </mc:Fallback>
-  </mc:AlternateContent>
+  <p:clrMapOvr>
+    <a:masterClrMapping/>
+  </p:clrMapOvr>
 </p:sld>
 </file>
 
 <file path=ppt/slides/slide11.xml><?xml version="1.0" encoding="utf-8"?>
-<p:sld xmlns:a="http://schemas.openxmlformats.org/drawingml/2006/main" xmlns:p="http://schemas.openxmlformats.org/presentationml/2006/main" xmlns:r="http://schemas.openxmlformats.org/officeDocument/2006/relationships" xmlns:p14="http://schemas.microsoft.com/office/powerpoint/2010/main" xmlns:p15="http://schemas.microsoft.com/office/powerpoint/2012/main" xmlns:mc="http://schemas.openxmlformats.org/markup-compatibility/2006">
+<p:sld xmlns:a="http://schemas.openxmlformats.org/drawingml/2006/main" xmlns:r="http://schemas.openxmlformats.org/officeDocument/2006/relationships" xmlns:p="http://schemas.openxmlformats.org/presentationml/2006/main">
   <p:cSld>
     <p:spTree>
       <p:nvGrpSpPr>
@@ -5766,19 +6493,14 @@
       </p:grpSpPr>
     </p:spTree>
   </p:cSld>
-  <mc:AlternateContent>
-    <mc:Choice Requires="p14">
-      <p:transition spd="slow" p14:dur="2000"/>
-    </mc:Choice>
-    <mc:Fallback>
-      <p:transition spd="slow"/>
-    </mc:Fallback>
-  </mc:AlternateContent>
+  <p:clrMapOvr>
+    <a:masterClrMapping/>
+  </p:clrMapOvr>
 </p:sld>
 </file>
 
 <file path=ppt/slides/slide12.xml><?xml version="1.0" encoding="utf-8"?>
-<p:sld xmlns:a="http://schemas.openxmlformats.org/drawingml/2006/main" xmlns:p="http://schemas.openxmlformats.org/presentationml/2006/main" xmlns:r="http://schemas.openxmlformats.org/officeDocument/2006/relationships" xmlns:p14="http://schemas.microsoft.com/office/powerpoint/2010/main" xmlns:p15="http://schemas.microsoft.com/office/powerpoint/2012/main" xmlns:mc="http://schemas.openxmlformats.org/markup-compatibility/2006">
+<p:sld xmlns:a="http://schemas.openxmlformats.org/drawingml/2006/main" xmlns:r="http://schemas.openxmlformats.org/officeDocument/2006/relationships" xmlns:p="http://schemas.openxmlformats.org/presentationml/2006/main">
   <p:cSld>
     <p:spTree>
       <p:nvGrpSpPr>
@@ -5796,19 +6518,14 @@
       </p:grpSpPr>
     </p:spTree>
   </p:cSld>
-  <mc:AlternateContent>
-    <mc:Choice Requires="p14">
-      <p:transition spd="slow" p14:dur="2000"/>
-    </mc:Choice>
-    <mc:Fallback>
-      <p:transition spd="slow"/>
-    </mc:Fallback>
-  </mc:AlternateContent>
+  <p:clrMapOvr>
+    <a:masterClrMapping/>
+  </p:clrMapOvr>
 </p:sld>
 </file>
 
 <file path=ppt/slides/slide2.xml><?xml version="1.0" encoding="utf-8"?>
-<p:sld xmlns:a="http://schemas.openxmlformats.org/drawingml/2006/main" xmlns:p="http://schemas.openxmlformats.org/presentationml/2006/main" xmlns:r="http://schemas.openxmlformats.org/officeDocument/2006/relationships" xmlns:p14="http://schemas.microsoft.com/office/powerpoint/2010/main" xmlns:p15="http://schemas.microsoft.com/office/powerpoint/2012/main" xmlns:mc="http://schemas.openxmlformats.org/markup-compatibility/2006">
+<p:sld xmlns:a="http://schemas.openxmlformats.org/drawingml/2006/main" xmlns:r="http://schemas.openxmlformats.org/officeDocument/2006/relationships" xmlns:p="http://schemas.openxmlformats.org/presentationml/2006/main">
   <p:cSld>
     <p:spTree>
       <p:nvGrpSpPr>
@@ -5844,15 +6561,22 @@
           </a:ln>
         </p:spPr>
         <p:style>
-          <a:lnRef idx="0"/>
-          <a:fillRef idx="0"/>
-          <a:effectRef idx="0"/>
+          <a:lnRef idx="0">
+            <a:scrgbClr r="0" g="0" b="0"/>
+          </a:lnRef>
+          <a:fillRef idx="0">
+            <a:scrgbClr r="0" g="0" b="0"/>
+          </a:fillRef>
+          <a:effectRef idx="0">
+            <a:scrgbClr r="0" g="0" b="0"/>
+          </a:effectRef>
           <a:fontRef idx="minor"/>
         </p:style>
         <p:txBody>
-          <a:bodyPr lIns="90000" rIns="90000" tIns="91440" bIns="91440" anchor="t">
+          <a:bodyPr lIns="90000" tIns="91440" rIns="90000" bIns="91440" anchor="t">
             <a:noAutofit/>
           </a:bodyPr>
+          <a:lstStyle/>
           <a:p>
             <a:pPr>
               <a:lnSpc>
@@ -5860,7 +6584,7 @@
               </a:lnSpc>
             </a:pPr>
             <a:r>
-              <a:rPr b="1" lang="pt-BR" sz="5400" spc="-1" strike="noStrike">
+              <a:rPr lang="pt-BR" sz="5400" b="1" strike="noStrike" spc="-1">
                 <a:solidFill>
                   <a:srgbClr val="002060"/>
                 </a:solidFill>
@@ -5869,7 +6593,7 @@
               </a:rPr>
               <a:t>Recap</a:t>
             </a:r>
-            <a:endParaRPr b="0" lang="pt-BR" sz="5400" spc="-1" strike="noStrike">
+            <a:endParaRPr lang="pt-BR" sz="5400" b="0" strike="noStrike" spc="-1">
               <a:solidFill>
                 <a:srgbClr val="000000"/>
               </a:solidFill>
@@ -5882,7 +6606,7 @@
                 <a:spcPct val="100000"/>
               </a:lnSpc>
             </a:pPr>
-            <a:endParaRPr b="0" lang="pt-BR" sz="5400" spc="-1" strike="noStrike">
+            <a:endParaRPr lang="pt-BR" sz="5400" b="0" strike="noStrike" spc="-1">
               <a:solidFill>
                 <a:srgbClr val="000000"/>
               </a:solidFill>
@@ -5893,13 +6617,13 @@
       </p:sp>
       <p:pic>
         <p:nvPicPr>
-          <p:cNvPr id="87" name="Imagem 24" descr=""/>
+          <p:cNvPr id="87" name="Imagem 24"/>
           <p:cNvPicPr/>
           <p:nvPr/>
         </p:nvPicPr>
         <p:blipFill>
-          <a:blip r:embed="rId1"/>
-          <a:srcRect l="0" t="0" r="0" b="20507"/>
+          <a:blip r:embed="rId2"/>
+          <a:srcRect b="20507"/>
           <a:stretch/>
         </p:blipFill>
         <p:spPr>
@@ -5935,15 +6659,22 @@
           </a:ln>
         </p:spPr>
         <p:style>
-          <a:lnRef idx="0"/>
-          <a:fillRef idx="0"/>
-          <a:effectRef idx="0"/>
+          <a:lnRef idx="0">
+            <a:scrgbClr r="0" g="0" b="0"/>
+          </a:lnRef>
+          <a:fillRef idx="0">
+            <a:scrgbClr r="0" g="0" b="0"/>
+          </a:fillRef>
+          <a:effectRef idx="0">
+            <a:scrgbClr r="0" g="0" b="0"/>
+          </a:effectRef>
           <a:fontRef idx="minor"/>
         </p:style>
         <p:txBody>
-          <a:bodyPr lIns="90000" rIns="90000" tIns="45000" bIns="45000" anchor="t">
+          <a:bodyPr lIns="90000" tIns="45000" rIns="90000" bIns="45000" anchor="t">
             <a:spAutoFit/>
           </a:bodyPr>
+          <a:lstStyle/>
           <a:p>
             <a:pPr marL="216000" indent="-216000" algn="just">
               <a:lnSpc>
@@ -5956,16 +6687,16 @@
               <a:buChar char="●"/>
             </a:pPr>
             <a:r>
-              <a:rPr b="0" lang="pt-BR" sz="1800" spc="-1" strike="noStrike">
+              <a:rPr lang="pt-BR" sz="1800" b="0" strike="noStrike" spc="-1">
                 <a:solidFill>
-                  <a:srgbClr val="01498e"/>
+                  <a:srgbClr val="01498E"/>
                 </a:solidFill>
                 <a:latin typeface="Arial"/>
                 <a:ea typeface="Calibri"/>
               </a:rPr>
               <a:t>Revisão código aula anterior</a:t>
             </a:r>
-            <a:endParaRPr b="0" lang="pt-BR" sz="1800" spc="-1" strike="noStrike">
+            <a:endParaRPr lang="pt-BR" sz="1800" b="0" strike="noStrike" spc="-1">
               <a:solidFill>
                 <a:srgbClr val="000000"/>
               </a:solidFill>
@@ -5978,7 +6709,7 @@
                 <a:spcPct val="115000"/>
               </a:lnSpc>
             </a:pPr>
-            <a:endParaRPr b="0" lang="pt-BR" sz="1800" spc="-1" strike="noStrike">
+            <a:endParaRPr lang="pt-BR" sz="1800" b="0" strike="noStrike" spc="-1">
               <a:solidFill>
                 <a:srgbClr val="000000"/>
               </a:solidFill>
@@ -5991,7 +6722,7 @@
                 <a:spcPct val="115000"/>
               </a:lnSpc>
             </a:pPr>
-            <a:endParaRPr b="0" lang="pt-BR" sz="1800" spc="-1" strike="noStrike">
+            <a:endParaRPr lang="pt-BR" sz="1800" b="0" strike="noStrike" spc="-1">
               <a:solidFill>
                 <a:srgbClr val="000000"/>
               </a:solidFill>
@@ -6004,7 +6735,7 @@
                 <a:spcPct val="115000"/>
               </a:lnSpc>
             </a:pPr>
-            <a:endParaRPr b="0" lang="pt-BR" sz="1800" spc="-1" strike="noStrike">
+            <a:endParaRPr lang="pt-BR" sz="1800" b="0" strike="noStrike" spc="-1">
               <a:solidFill>
                 <a:srgbClr val="000000"/>
               </a:solidFill>
@@ -6017,7 +6748,7 @@
                 <a:spcPct val="115000"/>
               </a:lnSpc>
             </a:pPr>
-            <a:endParaRPr b="0" lang="pt-BR" sz="1800" spc="-1" strike="noStrike">
+            <a:endParaRPr lang="pt-BR" sz="1800" b="0" strike="noStrike" spc="-1">
               <a:solidFill>
                 <a:srgbClr val="000000"/>
               </a:solidFill>
@@ -6030,7 +6761,7 @@
                 <a:spcPct val="115000"/>
               </a:lnSpc>
             </a:pPr>
-            <a:endParaRPr b="0" lang="pt-BR" sz="1800" spc="-1" strike="noStrike">
+            <a:endParaRPr lang="pt-BR" sz="1800" b="0" strike="noStrike" spc="-1">
               <a:solidFill>
                 <a:srgbClr val="000000"/>
               </a:solidFill>
@@ -6043,7 +6774,7 @@
                 <a:spcPct val="115000"/>
               </a:lnSpc>
             </a:pPr>
-            <a:endParaRPr b="0" lang="pt-BR" sz="1800" spc="-1" strike="noStrike">
+            <a:endParaRPr lang="pt-BR" sz="1800" b="0" strike="noStrike" spc="-1">
               <a:solidFill>
                 <a:srgbClr val="000000"/>
               </a:solidFill>
@@ -6056,7 +6787,7 @@
                 <a:spcPct val="115000"/>
               </a:lnSpc>
             </a:pPr>
-            <a:endParaRPr b="0" lang="pt-BR" sz="1800" spc="-1" strike="noStrike">
+            <a:endParaRPr lang="pt-BR" sz="1800" b="0" strike="noStrike" spc="-1">
               <a:solidFill>
                 <a:srgbClr val="000000"/>
               </a:solidFill>
@@ -6069,7 +6800,7 @@
                 <a:spcPct val="115000"/>
               </a:lnSpc>
             </a:pPr>
-            <a:endParaRPr b="0" lang="pt-BR" sz="1800" spc="-1" strike="noStrike">
+            <a:endParaRPr lang="pt-BR" sz="1800" b="0" strike="noStrike" spc="-1">
               <a:solidFill>
                 <a:srgbClr val="000000"/>
               </a:solidFill>
@@ -6080,19 +6811,14 @@
       </p:sp>
     </p:spTree>
   </p:cSld>
-  <mc:AlternateContent>
-    <mc:Choice Requires="p14">
-      <p:transition spd="slow" p14:dur="2000"/>
-    </mc:Choice>
-    <mc:Fallback>
-      <p:transition spd="slow"/>
-    </mc:Fallback>
-  </mc:AlternateContent>
+  <p:clrMapOvr>
+    <a:masterClrMapping/>
+  </p:clrMapOvr>
 </p:sld>
 </file>
 
 <file path=ppt/slides/slide3.xml><?xml version="1.0" encoding="utf-8"?>
-<p:sld xmlns:a="http://schemas.openxmlformats.org/drawingml/2006/main" xmlns:p="http://schemas.openxmlformats.org/presentationml/2006/main" xmlns:r="http://schemas.openxmlformats.org/officeDocument/2006/relationships" xmlns:p14="http://schemas.microsoft.com/office/powerpoint/2010/main" xmlns:p15="http://schemas.microsoft.com/office/powerpoint/2012/main" xmlns:mc="http://schemas.openxmlformats.org/markup-compatibility/2006">
+<p:sld xmlns:a="http://schemas.openxmlformats.org/drawingml/2006/main" xmlns:r="http://schemas.openxmlformats.org/officeDocument/2006/relationships" xmlns:p="http://schemas.openxmlformats.org/presentationml/2006/main">
   <p:cSld>
     <p:spTree>
       <p:nvGrpSpPr>
@@ -6128,15 +6854,22 @@
           </a:ln>
         </p:spPr>
         <p:style>
-          <a:lnRef idx="0"/>
-          <a:fillRef idx="0"/>
-          <a:effectRef idx="0"/>
+          <a:lnRef idx="0">
+            <a:scrgbClr r="0" g="0" b="0"/>
+          </a:lnRef>
+          <a:fillRef idx="0">
+            <a:scrgbClr r="0" g="0" b="0"/>
+          </a:fillRef>
+          <a:effectRef idx="0">
+            <a:scrgbClr r="0" g="0" b="0"/>
+          </a:effectRef>
           <a:fontRef idx="minor"/>
         </p:style>
         <p:txBody>
-          <a:bodyPr lIns="90000" rIns="90000" tIns="91440" bIns="91440" anchor="t">
+          <a:bodyPr lIns="90000" tIns="91440" rIns="90000" bIns="91440" anchor="t">
             <a:noAutofit/>
           </a:bodyPr>
+          <a:lstStyle/>
           <a:p>
             <a:pPr>
               <a:lnSpc>
@@ -6144,56 +6877,16 @@
               </a:lnSpc>
             </a:pPr>
             <a:r>
-              <a:rPr b="1" lang="pt-BR" sz="3600" spc="-1" strike="noStrike">
+              <a:rPr lang="pt-BR" sz="3600" b="1" strike="noStrike" spc="-1">
                 <a:solidFill>
                   <a:srgbClr val="002060"/>
                 </a:solidFill>
                 <a:latin typeface="Overpass"/>
                 <a:ea typeface="Overpass"/>
               </a:rPr>
-              <a:t>Levan</a:t>
+              <a:t>Levantamento Requisitos </a:t>
             </a:r>
-            <a:r>
-              <a:rPr b="1" lang="pt-BR" sz="3600" spc="-1" strike="noStrike">
-                <a:solidFill>
-                  <a:srgbClr val="002060"/>
-                </a:solidFill>
-                <a:latin typeface="Overpass"/>
-                <a:ea typeface="Overpass"/>
-              </a:rPr>
-              <a:t>tamen</a:t>
-            </a:r>
-            <a:r>
-              <a:rPr b="1" lang="pt-BR" sz="3600" spc="-1" strike="noStrike">
-                <a:solidFill>
-                  <a:srgbClr val="002060"/>
-                </a:solidFill>
-                <a:latin typeface="Overpass"/>
-                <a:ea typeface="Overpass"/>
-              </a:rPr>
-              <a:t>to </a:t>
-            </a:r>
-            <a:r>
-              <a:rPr b="1" lang="pt-BR" sz="3600" spc="-1" strike="noStrike">
-                <a:solidFill>
-                  <a:srgbClr val="002060"/>
-                </a:solidFill>
-                <a:latin typeface="Overpass"/>
-                <a:ea typeface="Overpass"/>
-              </a:rPr>
-              <a:t>Requi</a:t>
-            </a:r>
-            <a:r>
-              <a:rPr b="1" lang="pt-BR" sz="3600" spc="-1" strike="noStrike">
-                <a:solidFill>
-                  <a:srgbClr val="002060"/>
-                </a:solidFill>
-                <a:latin typeface="Overpass"/>
-                <a:ea typeface="Overpass"/>
-              </a:rPr>
-              <a:t>sitos </a:t>
-            </a:r>
-            <a:endParaRPr b="0" lang="pt-BR" sz="3600" spc="-1" strike="noStrike">
+            <a:endParaRPr lang="pt-BR" sz="3600" b="0" strike="noStrike" spc="-1">
               <a:solidFill>
                 <a:srgbClr val="000000"/>
               </a:solidFill>
@@ -6204,13 +6897,13 @@
       </p:sp>
       <p:pic>
         <p:nvPicPr>
-          <p:cNvPr id="90" name="Imagem 2" descr=""/>
+          <p:cNvPr id="90" name="Imagem 2"/>
           <p:cNvPicPr/>
           <p:nvPr/>
         </p:nvPicPr>
         <p:blipFill>
-          <a:blip r:embed="rId1"/>
-          <a:srcRect l="0" t="0" r="0" b="20507"/>
+          <a:blip r:embed="rId2"/>
+          <a:srcRect b="20507"/>
           <a:stretch/>
         </p:blipFill>
         <p:spPr>
@@ -6246,15 +6939,22 @@
           </a:ln>
         </p:spPr>
         <p:style>
-          <a:lnRef idx="0"/>
-          <a:fillRef idx="0"/>
-          <a:effectRef idx="0"/>
+          <a:lnRef idx="0">
+            <a:scrgbClr r="0" g="0" b="0"/>
+          </a:lnRef>
+          <a:fillRef idx="0">
+            <a:scrgbClr r="0" g="0" b="0"/>
+          </a:fillRef>
+          <a:effectRef idx="0">
+            <a:scrgbClr r="0" g="0" b="0"/>
+          </a:effectRef>
           <a:fontRef idx="minor"/>
         </p:style>
         <p:txBody>
-          <a:bodyPr lIns="90000" rIns="90000" tIns="45000" bIns="45000" anchor="t">
+          <a:bodyPr lIns="90000" tIns="45000" rIns="90000" bIns="45000" anchor="t">
             <a:spAutoFit/>
           </a:bodyPr>
+          <a:lstStyle/>
           <a:p>
             <a:pPr marL="216000" indent="-216000" algn="just">
               <a:lnSpc>
@@ -6267,16 +6967,16 @@
               <a:buChar char="●"/>
             </a:pPr>
             <a:r>
-              <a:rPr b="0" lang="pt-BR" sz="1800" spc="-1" strike="noStrike">
+              <a:rPr lang="pt-BR" sz="1800" b="0" strike="noStrike" spc="-1">
                 <a:solidFill>
-                  <a:srgbClr val="01498e"/>
+                  <a:srgbClr val="01498E"/>
                 </a:solidFill>
                 <a:latin typeface="Arial"/>
                 <a:ea typeface="Calibri"/>
               </a:rPr>
               <a:t>O que é?</a:t>
             </a:r>
-            <a:endParaRPr b="0" lang="pt-BR" sz="1800" spc="-1" strike="noStrike">
+            <a:endParaRPr lang="pt-BR" sz="1800" b="0" strike="noStrike" spc="-1">
               <a:solidFill>
                 <a:srgbClr val="000000"/>
               </a:solidFill>
@@ -6289,7 +6989,7 @@
                 <a:spcPct val="115000"/>
               </a:lnSpc>
             </a:pPr>
-            <a:endParaRPr b="0" lang="pt-BR" sz="1800" spc="-1" strike="noStrike">
+            <a:endParaRPr lang="pt-BR" sz="1800" b="0" strike="noStrike" spc="-1">
               <a:solidFill>
                 <a:srgbClr val="000000"/>
               </a:solidFill>
@@ -6302,7 +7002,7 @@
                 <a:spcPct val="115000"/>
               </a:lnSpc>
             </a:pPr>
-            <a:endParaRPr b="0" lang="pt-BR" sz="1800" spc="-1" strike="noStrike">
+            <a:endParaRPr lang="pt-BR" sz="1800" b="0" strike="noStrike" spc="-1">
               <a:solidFill>
                 <a:srgbClr val="000000"/>
               </a:solidFill>
@@ -6315,7 +7015,7 @@
                 <a:spcPct val="115000"/>
               </a:lnSpc>
             </a:pPr>
-            <a:endParaRPr b="0" lang="pt-BR" sz="1800" spc="-1" strike="noStrike">
+            <a:endParaRPr lang="pt-BR" sz="1800" b="0" strike="noStrike" spc="-1">
               <a:solidFill>
                 <a:srgbClr val="000000"/>
               </a:solidFill>
@@ -6326,19 +7026,14 @@
       </p:sp>
     </p:spTree>
   </p:cSld>
-  <mc:AlternateContent>
-    <mc:Choice Requires="p14">
-      <p:transition spd="slow" p14:dur="2000"/>
-    </mc:Choice>
-    <mc:Fallback>
-      <p:transition spd="slow"/>
-    </mc:Fallback>
-  </mc:AlternateContent>
+  <p:clrMapOvr>
+    <a:masterClrMapping/>
+  </p:clrMapOvr>
 </p:sld>
 </file>
 
 <file path=ppt/slides/slide4.xml><?xml version="1.0" encoding="utf-8"?>
-<p:sld xmlns:a="http://schemas.openxmlformats.org/drawingml/2006/main" xmlns:p="http://schemas.openxmlformats.org/presentationml/2006/main" xmlns:r="http://schemas.openxmlformats.org/officeDocument/2006/relationships" xmlns:p14="http://schemas.microsoft.com/office/powerpoint/2010/main" xmlns:p15="http://schemas.microsoft.com/office/powerpoint/2012/main" xmlns:mc="http://schemas.openxmlformats.org/markup-compatibility/2006">
+<p:sld xmlns:a="http://schemas.openxmlformats.org/drawingml/2006/main" xmlns:r="http://schemas.openxmlformats.org/officeDocument/2006/relationships" xmlns:p="http://schemas.openxmlformats.org/presentationml/2006/main">
   <p:cSld>
     <p:spTree>
       <p:nvGrpSpPr>
@@ -6356,13 +7051,13 @@
       </p:grpSpPr>
       <p:pic>
         <p:nvPicPr>
-          <p:cNvPr id="92" name="Imagem 1" descr=""/>
+          <p:cNvPr id="92" name="Imagem 1"/>
           <p:cNvPicPr/>
           <p:nvPr/>
         </p:nvPicPr>
         <p:blipFill>
-          <a:blip r:embed="rId1"/>
-          <a:srcRect l="0" t="0" r="0" b="20507"/>
+          <a:blip r:embed="rId2"/>
+          <a:srcRect b="20507"/>
           <a:stretch/>
         </p:blipFill>
         <p:spPr>
@@ -6398,15 +7093,22 @@
           </a:ln>
         </p:spPr>
         <p:style>
-          <a:lnRef idx="0"/>
-          <a:fillRef idx="0"/>
-          <a:effectRef idx="0"/>
+          <a:lnRef idx="0">
+            <a:scrgbClr r="0" g="0" b="0"/>
+          </a:lnRef>
+          <a:fillRef idx="0">
+            <a:scrgbClr r="0" g="0" b="0"/>
+          </a:fillRef>
+          <a:effectRef idx="0">
+            <a:scrgbClr r="0" g="0" b="0"/>
+          </a:effectRef>
           <a:fontRef idx="minor"/>
         </p:style>
         <p:txBody>
-          <a:bodyPr lIns="90000" rIns="90000" tIns="45000" bIns="45000" anchor="t">
+          <a:bodyPr lIns="90000" tIns="45000" rIns="90000" bIns="45000" anchor="t">
             <a:spAutoFit/>
           </a:bodyPr>
+          <a:lstStyle/>
           <a:p>
             <a:pPr marL="216000" indent="-216000" algn="just">
               <a:lnSpc>
@@ -6419,16 +7121,16 @@
               <a:buChar char="●"/>
             </a:pPr>
             <a:r>
-              <a:rPr b="0" lang="pt-BR" sz="1800" spc="-1" strike="noStrike">
+              <a:rPr lang="pt-BR" sz="1800" b="0" strike="noStrike" spc="-1">
                 <a:solidFill>
-                  <a:srgbClr val="01498e"/>
+                  <a:srgbClr val="01498E"/>
                 </a:solidFill>
                 <a:latin typeface="Arial"/>
                 <a:ea typeface="Calibri"/>
               </a:rPr>
               <a:t>Processo de identificação, análise e documentação das necessidades, expectativas e restrições de um sistema de software, visando definir o que o sistema deve fazer</a:t>
             </a:r>
-            <a:endParaRPr b="0" lang="pt-BR" sz="1800" spc="-1" strike="noStrike">
+            <a:endParaRPr lang="pt-BR" sz="1800" b="0" strike="noStrike" spc="-1">
               <a:solidFill>
                 <a:srgbClr val="000000"/>
               </a:solidFill>
@@ -6447,16 +7149,16 @@
               <a:buChar char="●"/>
             </a:pPr>
             <a:r>
-              <a:rPr b="0" lang="pt-BR" sz="1800" spc="-1" strike="noStrike">
+              <a:rPr lang="pt-BR" sz="1800" b="0" strike="noStrike" spc="-1">
                 <a:solidFill>
-                  <a:srgbClr val="01498e"/>
+                  <a:srgbClr val="01498E"/>
                 </a:solidFill>
                 <a:latin typeface="Arial"/>
                 <a:ea typeface="Calibri"/>
               </a:rPr>
               <a:t>Objetivos?</a:t>
             </a:r>
-            <a:endParaRPr b="0" lang="pt-BR" sz="1800" spc="-1" strike="noStrike">
+            <a:endParaRPr lang="pt-BR" sz="1800" b="0" strike="noStrike" spc="-1">
               <a:solidFill>
                 <a:srgbClr val="000000"/>
               </a:solidFill>
@@ -6469,7 +7171,7 @@
                 <a:spcPct val="115000"/>
               </a:lnSpc>
             </a:pPr>
-            <a:endParaRPr b="0" lang="pt-BR" sz="1800" spc="-1" strike="noStrike">
+            <a:endParaRPr lang="pt-BR" sz="1800" b="0" strike="noStrike" spc="-1">
               <a:solidFill>
                 <a:srgbClr val="000000"/>
               </a:solidFill>
@@ -6482,7 +7184,7 @@
                 <a:spcPct val="115000"/>
               </a:lnSpc>
             </a:pPr>
-            <a:endParaRPr b="0" lang="pt-BR" sz="1800" spc="-1" strike="noStrike">
+            <a:endParaRPr lang="pt-BR" sz="1800" b="0" strike="noStrike" spc="-1">
               <a:solidFill>
                 <a:srgbClr val="000000"/>
               </a:solidFill>
@@ -6495,7 +7197,7 @@
                 <a:spcPct val="115000"/>
               </a:lnSpc>
             </a:pPr>
-            <a:endParaRPr b="0" lang="pt-BR" sz="1800" spc="-1" strike="noStrike">
+            <a:endParaRPr lang="pt-BR" sz="1800" b="0" strike="noStrike" spc="-1">
               <a:solidFill>
                 <a:srgbClr val="000000"/>
               </a:solidFill>
@@ -6524,15 +7226,22 @@
           </a:ln>
         </p:spPr>
         <p:style>
-          <a:lnRef idx="0"/>
-          <a:fillRef idx="0"/>
-          <a:effectRef idx="0"/>
+          <a:lnRef idx="0">
+            <a:scrgbClr r="0" g="0" b="0"/>
+          </a:lnRef>
+          <a:fillRef idx="0">
+            <a:scrgbClr r="0" g="0" b="0"/>
+          </a:fillRef>
+          <a:effectRef idx="0">
+            <a:scrgbClr r="0" g="0" b="0"/>
+          </a:effectRef>
           <a:fontRef idx="minor"/>
         </p:style>
         <p:txBody>
-          <a:bodyPr lIns="90000" rIns="90000" tIns="91440" bIns="91440" anchor="t">
+          <a:bodyPr lIns="90000" tIns="91440" rIns="90000" bIns="91440" anchor="t">
             <a:noAutofit/>
           </a:bodyPr>
+          <a:lstStyle/>
           <a:p>
             <a:pPr>
               <a:lnSpc>
@@ -6540,7 +7249,7 @@
               </a:lnSpc>
             </a:pPr>
             <a:r>
-              <a:rPr b="1" lang="pt-BR" sz="3600" spc="-1" strike="noStrike">
+              <a:rPr lang="pt-BR" sz="3600" b="1" strike="noStrike" spc="-1">
                 <a:solidFill>
                   <a:srgbClr val="002060"/>
                 </a:solidFill>
@@ -6549,7 +7258,7 @@
               </a:rPr>
               <a:t>Levantamento Requisitos </a:t>
             </a:r>
-            <a:endParaRPr b="0" lang="pt-BR" sz="3600" spc="-1" strike="noStrike">
+            <a:endParaRPr lang="pt-BR" sz="3600" b="0" strike="noStrike" spc="-1">
               <a:solidFill>
                 <a:srgbClr val="000000"/>
               </a:solidFill>
@@ -6560,19 +7269,14 @@
       </p:sp>
     </p:spTree>
   </p:cSld>
-  <mc:AlternateContent>
-    <mc:Choice Requires="p14">
-      <p:transition spd="slow" p14:dur="2000"/>
-    </mc:Choice>
-    <mc:Fallback>
-      <p:transition spd="slow"/>
-    </mc:Fallback>
-  </mc:AlternateContent>
+  <p:clrMapOvr>
+    <a:masterClrMapping/>
+  </p:clrMapOvr>
 </p:sld>
 </file>
 
 <file path=ppt/slides/slide5.xml><?xml version="1.0" encoding="utf-8"?>
-<p:sld xmlns:a="http://schemas.openxmlformats.org/drawingml/2006/main" xmlns:p="http://schemas.openxmlformats.org/presentationml/2006/main" xmlns:r="http://schemas.openxmlformats.org/officeDocument/2006/relationships" xmlns:p14="http://schemas.microsoft.com/office/powerpoint/2010/main" xmlns:p15="http://schemas.microsoft.com/office/powerpoint/2012/main" xmlns:mc="http://schemas.openxmlformats.org/markup-compatibility/2006">
+<p:sld xmlns:a="http://schemas.openxmlformats.org/drawingml/2006/main" xmlns:r="http://schemas.openxmlformats.org/officeDocument/2006/relationships" xmlns:p="http://schemas.openxmlformats.org/presentationml/2006/main">
   <p:cSld>
     <p:spTree>
       <p:nvGrpSpPr>
@@ -6590,13 +7294,13 @@
       </p:grpSpPr>
       <p:pic>
         <p:nvPicPr>
-          <p:cNvPr id="95" name="Imagem 4" descr=""/>
+          <p:cNvPr id="95" name="Imagem 4"/>
           <p:cNvPicPr/>
           <p:nvPr/>
         </p:nvPicPr>
         <p:blipFill>
-          <a:blip r:embed="rId1"/>
-          <a:srcRect l="0" t="0" r="0" b="20507"/>
+          <a:blip r:embed="rId2"/>
+          <a:srcRect b="20507"/>
           <a:stretch/>
         </p:blipFill>
         <p:spPr>
@@ -6632,15 +7336,22 @@
           </a:ln>
         </p:spPr>
         <p:style>
-          <a:lnRef idx="0"/>
-          <a:fillRef idx="0"/>
-          <a:effectRef idx="0"/>
+          <a:lnRef idx="0">
+            <a:scrgbClr r="0" g="0" b="0"/>
+          </a:lnRef>
+          <a:fillRef idx="0">
+            <a:scrgbClr r="0" g="0" b="0"/>
+          </a:fillRef>
+          <a:effectRef idx="0">
+            <a:scrgbClr r="0" g="0" b="0"/>
+          </a:effectRef>
           <a:fontRef idx="minor"/>
         </p:style>
         <p:txBody>
-          <a:bodyPr lIns="90000" rIns="90000" tIns="45000" bIns="45000" anchor="t">
+          <a:bodyPr lIns="90000" tIns="45000" rIns="90000" bIns="45000" anchor="t">
             <a:spAutoFit/>
           </a:bodyPr>
+          <a:lstStyle/>
           <a:p>
             <a:pPr marL="216000" indent="-216000" algn="just">
               <a:lnSpc>
@@ -6653,24 +7364,24 @@
               <a:buChar char="●"/>
             </a:pPr>
             <a:r>
-              <a:rPr b="0" lang="pt-BR" sz="1800" spc="-1" strike="noStrike">
+              <a:rPr lang="pt-BR" sz="1800" b="0" strike="noStrike" spc="-1">
                 <a:solidFill>
-                  <a:srgbClr val="01498e"/>
+                  <a:srgbClr val="01498E"/>
                 </a:solidFill>
                 <a:latin typeface="Arial"/>
                 <a:ea typeface="Calibri"/>
               </a:rPr>
               <a:t>Processo de identificação, análise e documentação das necessidades, expectativas e restrições de um sistema de software, visando definir o que o sistema deve fazer</a:t>
             </a:r>
-            <a:endParaRPr b="0" lang="pt-BR" sz="1800" spc="-1" strike="noStrike">
-              <a:solidFill>
-                <a:srgbClr val="000000"/>
-              </a:solidFill>
-              <a:latin typeface="Arial"/>
-            </a:endParaRPr>
-          </a:p>
-          <a:p>
-            <a:pPr lvl="1" marL="432000" indent="-216000" algn="just">
+            <a:endParaRPr lang="pt-BR" sz="1800" b="0" strike="noStrike" spc="-1">
+              <a:solidFill>
+                <a:srgbClr val="000000"/>
+              </a:solidFill>
+              <a:latin typeface="Arial"/>
+            </a:endParaRPr>
+          </a:p>
+          <a:p>
+            <a:pPr marL="432000" lvl="1" indent="-216000" algn="just">
               <a:lnSpc>
                 <a:spcPct val="115000"/>
               </a:lnSpc>
@@ -6682,24 +7393,24 @@
               <a:buChar char=""/>
             </a:pPr>
             <a:r>
-              <a:rPr b="0" lang="pt-BR" sz="1800" spc="-1" strike="noStrike">
+              <a:rPr lang="pt-BR" sz="1800" b="0" strike="noStrike" spc="-1">
                 <a:solidFill>
-                  <a:srgbClr val="01498e"/>
+                  <a:srgbClr val="01498E"/>
                 </a:solidFill>
                 <a:latin typeface="Arial"/>
                 <a:ea typeface="Calibri"/>
               </a:rPr>
               <a:t>Objetivos?</a:t>
             </a:r>
-            <a:endParaRPr b="0" lang="pt-BR" sz="1800" spc="-1" strike="noStrike">
-              <a:solidFill>
-                <a:srgbClr val="000000"/>
-              </a:solidFill>
-              <a:latin typeface="Arial"/>
-            </a:endParaRPr>
-          </a:p>
-          <a:p>
-            <a:pPr lvl="2" marL="889200" indent="-216000" algn="just">
+            <a:endParaRPr lang="pt-BR" sz="1800" b="0" strike="noStrike" spc="-1">
+              <a:solidFill>
+                <a:srgbClr val="000000"/>
+              </a:solidFill>
+              <a:latin typeface="Arial"/>
+            </a:endParaRPr>
+          </a:p>
+          <a:p>
+            <a:pPr marL="889200" lvl="2" indent="-216000" algn="just">
               <a:lnSpc>
                 <a:spcPct val="115000"/>
               </a:lnSpc>
@@ -6711,16 +7422,16 @@
               <a:buChar char=""/>
             </a:pPr>
             <a:r>
-              <a:rPr b="0" lang="pt-BR" sz="1800" spc="-1" strike="noStrike">
+              <a:rPr lang="pt-BR" sz="1800" b="0" strike="noStrike" spc="-1">
                 <a:solidFill>
-                  <a:srgbClr val="01498e"/>
+                  <a:srgbClr val="01498E"/>
                 </a:solidFill>
                 <a:latin typeface="Arial"/>
                 <a:ea typeface="Calibri"/>
               </a:rPr>
               <a:t>Alinhar expectativas entre stakeholders (clientes, usuários, equipe).</a:t>
             </a:r>
-            <a:endParaRPr b="0" lang="pt-BR" sz="1800" spc="-1" strike="noStrike">
+            <a:endParaRPr lang="pt-BR" sz="1800" b="0" strike="noStrike" spc="-1">
               <a:solidFill>
                 <a:srgbClr val="000000"/>
               </a:solidFill>
@@ -6733,7 +7444,7 @@
                 <a:spcPct val="115000"/>
               </a:lnSpc>
             </a:pPr>
-            <a:endParaRPr b="0" lang="pt-BR" sz="1800" spc="-1" strike="noStrike">
+            <a:endParaRPr lang="pt-BR" sz="1800" b="0" strike="noStrike" spc="-1">
               <a:solidFill>
                 <a:srgbClr val="000000"/>
               </a:solidFill>
@@ -6746,7 +7457,7 @@
                 <a:spcPct val="115000"/>
               </a:lnSpc>
             </a:pPr>
-            <a:endParaRPr b="0" lang="pt-BR" sz="1800" spc="-1" strike="noStrike">
+            <a:endParaRPr lang="pt-BR" sz="1800" b="0" strike="noStrike" spc="-1">
               <a:solidFill>
                 <a:srgbClr val="000000"/>
               </a:solidFill>
@@ -6759,7 +7470,7 @@
                 <a:spcPct val="115000"/>
               </a:lnSpc>
             </a:pPr>
-            <a:endParaRPr b="0" lang="pt-BR" sz="1800" spc="-1" strike="noStrike">
+            <a:endParaRPr lang="pt-BR" sz="1800" b="0" strike="noStrike" spc="-1">
               <a:solidFill>
                 <a:srgbClr val="000000"/>
               </a:solidFill>
@@ -6788,15 +7499,22 @@
           </a:ln>
         </p:spPr>
         <p:style>
-          <a:lnRef idx="0"/>
-          <a:fillRef idx="0"/>
-          <a:effectRef idx="0"/>
+          <a:lnRef idx="0">
+            <a:scrgbClr r="0" g="0" b="0"/>
+          </a:lnRef>
+          <a:fillRef idx="0">
+            <a:scrgbClr r="0" g="0" b="0"/>
+          </a:fillRef>
+          <a:effectRef idx="0">
+            <a:scrgbClr r="0" g="0" b="0"/>
+          </a:effectRef>
           <a:fontRef idx="minor"/>
         </p:style>
         <p:txBody>
-          <a:bodyPr lIns="90000" rIns="90000" tIns="91440" bIns="91440" anchor="t">
+          <a:bodyPr lIns="90000" tIns="91440" rIns="90000" bIns="91440" anchor="t">
             <a:noAutofit/>
           </a:bodyPr>
+          <a:lstStyle/>
           <a:p>
             <a:pPr>
               <a:lnSpc>
@@ -6804,7 +7522,7 @@
               </a:lnSpc>
             </a:pPr>
             <a:r>
-              <a:rPr b="1" lang="pt-BR" sz="3600" spc="-1" strike="noStrike">
+              <a:rPr lang="pt-BR" sz="3600" b="1" strike="noStrike" spc="-1">
                 <a:solidFill>
                   <a:srgbClr val="002060"/>
                 </a:solidFill>
@@ -6813,7 +7531,7 @@
               </a:rPr>
               <a:t>Levantamento Requisitos </a:t>
             </a:r>
-            <a:endParaRPr b="0" lang="pt-BR" sz="3600" spc="-1" strike="noStrike">
+            <a:endParaRPr lang="pt-BR" sz="3600" b="0" strike="noStrike" spc="-1">
               <a:solidFill>
                 <a:srgbClr val="000000"/>
               </a:solidFill>
@@ -6824,19 +7542,14 @@
       </p:sp>
     </p:spTree>
   </p:cSld>
-  <mc:AlternateContent>
-    <mc:Choice Requires="p14">
-      <p:transition spd="slow" p14:dur="2000"/>
-    </mc:Choice>
-    <mc:Fallback>
-      <p:transition spd="slow"/>
-    </mc:Fallback>
-  </mc:AlternateContent>
+  <p:clrMapOvr>
+    <a:masterClrMapping/>
+  </p:clrMapOvr>
 </p:sld>
 </file>
 
 <file path=ppt/slides/slide6.xml><?xml version="1.0" encoding="utf-8"?>
-<p:sld xmlns:a="http://schemas.openxmlformats.org/drawingml/2006/main" xmlns:p="http://schemas.openxmlformats.org/presentationml/2006/main" xmlns:r="http://schemas.openxmlformats.org/officeDocument/2006/relationships" xmlns:p14="http://schemas.microsoft.com/office/powerpoint/2010/main" xmlns:p15="http://schemas.microsoft.com/office/powerpoint/2012/main" xmlns:mc="http://schemas.openxmlformats.org/markup-compatibility/2006">
+<p:sld xmlns:a="http://schemas.openxmlformats.org/drawingml/2006/main" xmlns:r="http://schemas.openxmlformats.org/officeDocument/2006/relationships" xmlns:p="http://schemas.openxmlformats.org/presentationml/2006/main">
   <p:cSld>
     <p:spTree>
       <p:nvGrpSpPr>
@@ -6854,13 +7567,13 @@
       </p:grpSpPr>
       <p:pic>
         <p:nvPicPr>
-          <p:cNvPr id="98" name="Imagem 3" descr=""/>
+          <p:cNvPr id="98" name="Imagem 3"/>
           <p:cNvPicPr/>
           <p:nvPr/>
         </p:nvPicPr>
         <p:blipFill>
-          <a:blip r:embed="rId1"/>
-          <a:srcRect l="0" t="0" r="0" b="20507"/>
+          <a:blip r:embed="rId2"/>
+          <a:srcRect b="20507"/>
           <a:stretch/>
         </p:blipFill>
         <p:spPr>
@@ -6896,15 +7609,22 @@
           </a:ln>
         </p:spPr>
         <p:style>
-          <a:lnRef idx="0"/>
-          <a:fillRef idx="0"/>
-          <a:effectRef idx="0"/>
+          <a:lnRef idx="0">
+            <a:scrgbClr r="0" g="0" b="0"/>
+          </a:lnRef>
+          <a:fillRef idx="0">
+            <a:scrgbClr r="0" g="0" b="0"/>
+          </a:fillRef>
+          <a:effectRef idx="0">
+            <a:scrgbClr r="0" g="0" b="0"/>
+          </a:effectRef>
           <a:fontRef idx="minor"/>
         </p:style>
         <p:txBody>
-          <a:bodyPr lIns="90000" rIns="90000" tIns="45000" bIns="45000" anchor="t">
+          <a:bodyPr lIns="90000" tIns="45000" rIns="90000" bIns="45000" anchor="t">
             <a:spAutoFit/>
           </a:bodyPr>
+          <a:lstStyle/>
           <a:p>
             <a:pPr marL="216000" indent="-216000" algn="just">
               <a:lnSpc>
@@ -6917,24 +7637,24 @@
               <a:buChar char="●"/>
             </a:pPr>
             <a:r>
-              <a:rPr b="0" lang="pt-BR" sz="1800" spc="-1" strike="noStrike">
+              <a:rPr lang="pt-BR" sz="1800" b="0" strike="noStrike" spc="-1">
                 <a:solidFill>
-                  <a:srgbClr val="01498e"/>
+                  <a:srgbClr val="01498E"/>
                 </a:solidFill>
                 <a:latin typeface="Arial"/>
                 <a:ea typeface="Calibri"/>
               </a:rPr>
               <a:t>Processo de identificação, análise e documentação das necessidades, expectativas e restrições de um sistema de software, visando definir o que o sistema deve fazer</a:t>
             </a:r>
-            <a:endParaRPr b="0" lang="pt-BR" sz="1800" spc="-1" strike="noStrike">
-              <a:solidFill>
-                <a:srgbClr val="000000"/>
-              </a:solidFill>
-              <a:latin typeface="Arial"/>
-            </a:endParaRPr>
-          </a:p>
-          <a:p>
-            <a:pPr lvl="1" marL="432000" indent="-216000" algn="just">
+            <a:endParaRPr lang="pt-BR" sz="1800" b="0" strike="noStrike" spc="-1">
+              <a:solidFill>
+                <a:srgbClr val="000000"/>
+              </a:solidFill>
+              <a:latin typeface="Arial"/>
+            </a:endParaRPr>
+          </a:p>
+          <a:p>
+            <a:pPr marL="432000" lvl="1" indent="-216000" algn="just">
               <a:lnSpc>
                 <a:spcPct val="115000"/>
               </a:lnSpc>
@@ -6946,24 +7666,24 @@
               <a:buChar char=""/>
             </a:pPr>
             <a:r>
-              <a:rPr b="0" lang="pt-BR" sz="1800" spc="-1" strike="noStrike">
+              <a:rPr lang="pt-BR" sz="1800" b="0" strike="noStrike" spc="-1">
                 <a:solidFill>
-                  <a:srgbClr val="01498e"/>
+                  <a:srgbClr val="01498E"/>
                 </a:solidFill>
                 <a:latin typeface="Arial"/>
                 <a:ea typeface="Calibri"/>
               </a:rPr>
               <a:t>Objetivos?</a:t>
             </a:r>
-            <a:endParaRPr b="0" lang="pt-BR" sz="1800" spc="-1" strike="noStrike">
-              <a:solidFill>
-                <a:srgbClr val="000000"/>
-              </a:solidFill>
-              <a:latin typeface="Arial"/>
-            </a:endParaRPr>
-          </a:p>
-          <a:p>
-            <a:pPr lvl="2" marL="889200" indent="-216000" algn="just">
+            <a:endParaRPr lang="pt-BR" sz="1800" b="0" strike="noStrike" spc="-1">
+              <a:solidFill>
+                <a:srgbClr val="000000"/>
+              </a:solidFill>
+              <a:latin typeface="Arial"/>
+            </a:endParaRPr>
+          </a:p>
+          <a:p>
+            <a:pPr marL="889200" lvl="2" indent="-216000" algn="just">
               <a:lnSpc>
                 <a:spcPct val="115000"/>
               </a:lnSpc>
@@ -6975,24 +7695,24 @@
               <a:buChar char=""/>
             </a:pPr>
             <a:r>
-              <a:rPr b="0" lang="pt-BR" sz="1800" spc="-1" strike="noStrike">
+              <a:rPr lang="pt-BR" sz="1800" b="0" strike="noStrike" spc="-1">
                 <a:solidFill>
-                  <a:srgbClr val="01498e"/>
+                  <a:srgbClr val="01498E"/>
                 </a:solidFill>
                 <a:latin typeface="Arial"/>
                 <a:ea typeface="Calibri"/>
               </a:rPr>
               <a:t>Alinhar expectativas entre stakeholders (clientes, usuários, equipe).</a:t>
             </a:r>
-            <a:endParaRPr b="0" lang="pt-BR" sz="1800" spc="-1" strike="noStrike">
-              <a:solidFill>
-                <a:srgbClr val="000000"/>
-              </a:solidFill>
-              <a:latin typeface="Arial"/>
-            </a:endParaRPr>
-          </a:p>
-          <a:p>
-            <a:pPr lvl="2" marL="889200" indent="-216000" algn="just">
+            <a:endParaRPr lang="pt-BR" sz="1800" b="0" strike="noStrike" spc="-1">
+              <a:solidFill>
+                <a:srgbClr val="000000"/>
+              </a:solidFill>
+              <a:latin typeface="Arial"/>
+            </a:endParaRPr>
+          </a:p>
+          <a:p>
+            <a:pPr marL="889200" lvl="2" indent="-216000" algn="just">
               <a:lnSpc>
                 <a:spcPct val="115000"/>
               </a:lnSpc>
@@ -7004,16 +7724,16 @@
               <a:buChar char=""/>
             </a:pPr>
             <a:r>
-              <a:rPr b="0" lang="pt-BR" sz="1800" spc="-1" strike="noStrike">
+              <a:rPr lang="pt-BR" sz="1800" b="0" strike="noStrike" spc="-1">
                 <a:solidFill>
-                  <a:srgbClr val="01498e"/>
+                  <a:srgbClr val="01498E"/>
                 </a:solidFill>
                 <a:latin typeface="Arial"/>
                 <a:ea typeface="Calibri"/>
               </a:rPr>
               <a:t>Reduzir riscos de retrabalho e falhas.</a:t>
             </a:r>
-            <a:endParaRPr b="0" lang="pt-BR" sz="1800" spc="-1" strike="noStrike">
+            <a:endParaRPr lang="pt-BR" sz="1800" b="0" strike="noStrike" spc="-1">
               <a:solidFill>
                 <a:srgbClr val="000000"/>
               </a:solidFill>
@@ -7026,7 +7746,7 @@
                 <a:spcPct val="115000"/>
               </a:lnSpc>
             </a:pPr>
-            <a:endParaRPr b="0" lang="pt-BR" sz="1800" spc="-1" strike="noStrike">
+            <a:endParaRPr lang="pt-BR" sz="1800" b="0" strike="noStrike" spc="-1">
               <a:solidFill>
                 <a:srgbClr val="000000"/>
               </a:solidFill>
@@ -7039,7 +7759,7 @@
                 <a:spcPct val="115000"/>
               </a:lnSpc>
             </a:pPr>
-            <a:endParaRPr b="0" lang="pt-BR" sz="1800" spc="-1" strike="noStrike">
+            <a:endParaRPr lang="pt-BR" sz="1800" b="0" strike="noStrike" spc="-1">
               <a:solidFill>
                 <a:srgbClr val="000000"/>
               </a:solidFill>
@@ -7052,7 +7772,7 @@
                 <a:spcPct val="115000"/>
               </a:lnSpc>
             </a:pPr>
-            <a:endParaRPr b="0" lang="pt-BR" sz="1800" spc="-1" strike="noStrike">
+            <a:endParaRPr lang="pt-BR" sz="1800" b="0" strike="noStrike" spc="-1">
               <a:solidFill>
                 <a:srgbClr val="000000"/>
               </a:solidFill>
@@ -7081,15 +7801,22 @@
           </a:ln>
         </p:spPr>
         <p:style>
-          <a:lnRef idx="0"/>
-          <a:fillRef idx="0"/>
-          <a:effectRef idx="0"/>
+          <a:lnRef idx="0">
+            <a:scrgbClr r="0" g="0" b="0"/>
+          </a:lnRef>
+          <a:fillRef idx="0">
+            <a:scrgbClr r="0" g="0" b="0"/>
+          </a:fillRef>
+          <a:effectRef idx="0">
+            <a:scrgbClr r="0" g="0" b="0"/>
+          </a:effectRef>
           <a:fontRef idx="minor"/>
         </p:style>
         <p:txBody>
-          <a:bodyPr lIns="90000" rIns="90000" tIns="91440" bIns="91440" anchor="t">
+          <a:bodyPr lIns="90000" tIns="91440" rIns="90000" bIns="91440" anchor="t">
             <a:noAutofit/>
           </a:bodyPr>
+          <a:lstStyle/>
           <a:p>
             <a:pPr>
               <a:lnSpc>
@@ -7097,7 +7824,7 @@
               </a:lnSpc>
             </a:pPr>
             <a:r>
-              <a:rPr b="1" lang="pt-BR" sz="3600" spc="-1" strike="noStrike">
+              <a:rPr lang="pt-BR" sz="3600" b="1" strike="noStrike" spc="-1">
                 <a:solidFill>
                   <a:srgbClr val="002060"/>
                 </a:solidFill>
@@ -7106,7 +7833,7 @@
               </a:rPr>
               <a:t>Levantamento Requisitos </a:t>
             </a:r>
-            <a:endParaRPr b="0" lang="pt-BR" sz="3600" spc="-1" strike="noStrike">
+            <a:endParaRPr lang="pt-BR" sz="3600" b="0" strike="noStrike" spc="-1">
               <a:solidFill>
                 <a:srgbClr val="000000"/>
               </a:solidFill>
@@ -7117,19 +7844,14 @@
       </p:sp>
     </p:spTree>
   </p:cSld>
-  <mc:AlternateContent>
-    <mc:Choice Requires="p14">
-      <p:transition spd="slow" p14:dur="2000"/>
-    </mc:Choice>
-    <mc:Fallback>
-      <p:transition spd="slow"/>
-    </mc:Fallback>
-  </mc:AlternateContent>
+  <p:clrMapOvr>
+    <a:masterClrMapping/>
+  </p:clrMapOvr>
 </p:sld>
 </file>
 
 <file path=ppt/slides/slide7.xml><?xml version="1.0" encoding="utf-8"?>
-<p:sld xmlns:a="http://schemas.openxmlformats.org/drawingml/2006/main" xmlns:p="http://schemas.openxmlformats.org/presentationml/2006/main" xmlns:r="http://schemas.openxmlformats.org/officeDocument/2006/relationships" xmlns:p14="http://schemas.microsoft.com/office/powerpoint/2010/main" xmlns:p15="http://schemas.microsoft.com/office/powerpoint/2012/main" xmlns:mc="http://schemas.openxmlformats.org/markup-compatibility/2006">
+<p:sld xmlns:a="http://schemas.openxmlformats.org/drawingml/2006/main" xmlns:r="http://schemas.openxmlformats.org/officeDocument/2006/relationships" xmlns:p="http://schemas.openxmlformats.org/presentationml/2006/main">
   <p:cSld>
     <p:spTree>
       <p:nvGrpSpPr>
@@ -7147,13 +7869,13 @@
       </p:grpSpPr>
       <p:pic>
         <p:nvPicPr>
-          <p:cNvPr id="101" name="Imagem 6" descr=""/>
+          <p:cNvPr id="101" name="Imagem 6"/>
           <p:cNvPicPr/>
           <p:nvPr/>
         </p:nvPicPr>
         <p:blipFill>
-          <a:blip r:embed="rId1"/>
-          <a:srcRect l="0" t="0" r="0" b="20507"/>
+          <a:blip r:embed="rId2"/>
+          <a:srcRect b="20507"/>
           <a:stretch/>
         </p:blipFill>
         <p:spPr>
@@ -7189,15 +7911,22 @@
           </a:ln>
         </p:spPr>
         <p:style>
-          <a:lnRef idx="0"/>
-          <a:fillRef idx="0"/>
-          <a:effectRef idx="0"/>
+          <a:lnRef idx="0">
+            <a:scrgbClr r="0" g="0" b="0"/>
+          </a:lnRef>
+          <a:fillRef idx="0">
+            <a:scrgbClr r="0" g="0" b="0"/>
+          </a:fillRef>
+          <a:effectRef idx="0">
+            <a:scrgbClr r="0" g="0" b="0"/>
+          </a:effectRef>
           <a:fontRef idx="minor"/>
         </p:style>
         <p:txBody>
-          <a:bodyPr lIns="90000" rIns="90000" tIns="45000" bIns="45000" anchor="t">
+          <a:bodyPr lIns="90000" tIns="45000" rIns="90000" bIns="45000" anchor="t">
             <a:spAutoFit/>
           </a:bodyPr>
+          <a:lstStyle/>
           <a:p>
             <a:pPr marL="216000" indent="-216000" algn="just">
               <a:lnSpc>
@@ -7210,16 +7939,16 @@
               <a:buChar char="●"/>
             </a:pPr>
             <a:r>
-              <a:rPr b="0" lang="pt-BR" sz="1800" spc="-1" strike="noStrike">
+              <a:rPr lang="pt-BR" sz="1800" b="0" strike="noStrike" spc="-1">
                 <a:solidFill>
-                  <a:srgbClr val="01498e"/>
+                  <a:srgbClr val="01498E"/>
                 </a:solidFill>
                 <a:latin typeface="Arial"/>
                 <a:ea typeface="Calibri"/>
               </a:rPr>
               <a:t>Processo de identificação, análise e documentação das necessidades, expectativas e restrições de um sistema de software, visando definir o que o sistema deve fazer,</a:t>
             </a:r>
-            <a:endParaRPr b="0" lang="pt-BR" sz="1800" spc="-1" strike="noStrike">
+            <a:endParaRPr lang="pt-BR" sz="1800" b="0" strike="noStrike" spc="-1">
               <a:solidFill>
                 <a:srgbClr val="000000"/>
               </a:solidFill>
@@ -7238,24 +7967,24 @@
               <a:buChar char="●"/>
             </a:pPr>
             <a:r>
-              <a:rPr b="0" lang="pt-BR" sz="1800" spc="-1" strike="noStrike">
+              <a:rPr lang="pt-BR" sz="1800" b="0" strike="noStrike" spc="-1">
                 <a:solidFill>
-                  <a:srgbClr val="01498e"/>
+                  <a:srgbClr val="01498E"/>
                 </a:solidFill>
                 <a:latin typeface="Arial"/>
                 <a:ea typeface="Calibri"/>
               </a:rPr>
               <a:t>Objetivos?</a:t>
             </a:r>
-            <a:endParaRPr b="0" lang="pt-BR" sz="1800" spc="-1" strike="noStrike">
-              <a:solidFill>
-                <a:srgbClr val="000000"/>
-              </a:solidFill>
-              <a:latin typeface="Arial"/>
-            </a:endParaRPr>
-          </a:p>
-          <a:p>
-            <a:pPr lvl="2" marL="889200" indent="-216000" algn="just">
+            <a:endParaRPr lang="pt-BR" sz="1800" b="0" strike="noStrike" spc="-1">
+              <a:solidFill>
+                <a:srgbClr val="000000"/>
+              </a:solidFill>
+              <a:latin typeface="Arial"/>
+            </a:endParaRPr>
+          </a:p>
+          <a:p>
+            <a:pPr marL="889200" lvl="2" indent="-216000" algn="just">
               <a:lnSpc>
                 <a:spcPct val="115000"/>
               </a:lnSpc>
@@ -7267,24 +7996,24 @@
               <a:buChar char=""/>
             </a:pPr>
             <a:r>
-              <a:rPr b="0" lang="pt-BR" sz="1800" spc="-1" strike="noStrike">
+              <a:rPr lang="pt-BR" sz="1800" b="0" strike="noStrike" spc="-1">
                 <a:solidFill>
-                  <a:srgbClr val="01498e"/>
+                  <a:srgbClr val="01498E"/>
                 </a:solidFill>
                 <a:latin typeface="Arial"/>
                 <a:ea typeface="Calibri"/>
               </a:rPr>
               <a:t>Alinhar expectativas entre stakeholders (clientes, usuários, equipe).</a:t>
             </a:r>
-            <a:endParaRPr b="0" lang="pt-BR" sz="1800" spc="-1" strike="noStrike">
-              <a:solidFill>
-                <a:srgbClr val="000000"/>
-              </a:solidFill>
-              <a:latin typeface="Arial"/>
-            </a:endParaRPr>
-          </a:p>
-          <a:p>
-            <a:pPr lvl="2" marL="889200" indent="-216000" algn="just">
+            <a:endParaRPr lang="pt-BR" sz="1800" b="0" strike="noStrike" spc="-1">
+              <a:solidFill>
+                <a:srgbClr val="000000"/>
+              </a:solidFill>
+              <a:latin typeface="Arial"/>
+            </a:endParaRPr>
+          </a:p>
+          <a:p>
+            <a:pPr marL="889200" lvl="2" indent="-216000" algn="just">
               <a:lnSpc>
                 <a:spcPct val="115000"/>
               </a:lnSpc>
@@ -7296,24 +8025,24 @@
               <a:buChar char=""/>
             </a:pPr>
             <a:r>
-              <a:rPr b="0" lang="pt-BR" sz="1800" spc="-1" strike="noStrike">
+              <a:rPr lang="pt-BR" sz="1800" b="0" strike="noStrike" spc="-1">
                 <a:solidFill>
-                  <a:srgbClr val="01498e"/>
+                  <a:srgbClr val="01498E"/>
                 </a:solidFill>
                 <a:latin typeface="Arial"/>
                 <a:ea typeface="Calibri"/>
               </a:rPr>
               <a:t>Reduzir riscos de retrabalho e falhas.</a:t>
             </a:r>
-            <a:endParaRPr b="0" lang="pt-BR" sz="1800" spc="-1" strike="noStrike">
-              <a:solidFill>
-                <a:srgbClr val="000000"/>
-              </a:solidFill>
-              <a:latin typeface="Arial"/>
-            </a:endParaRPr>
-          </a:p>
-          <a:p>
-            <a:pPr lvl="2" marL="889200" indent="-216000" algn="just">
+            <a:endParaRPr lang="pt-BR" sz="1800" b="0" strike="noStrike" spc="-1">
+              <a:solidFill>
+                <a:srgbClr val="000000"/>
+              </a:solidFill>
+              <a:latin typeface="Arial"/>
+            </a:endParaRPr>
+          </a:p>
+          <a:p>
+            <a:pPr marL="889200" lvl="2" indent="-216000" algn="just">
               <a:lnSpc>
                 <a:spcPct val="115000"/>
               </a:lnSpc>
@@ -7325,16 +8054,16 @@
               <a:buChar char=""/>
             </a:pPr>
             <a:r>
-              <a:rPr b="0" lang="pt-BR" sz="1800" spc="-1" strike="noStrike">
+              <a:rPr lang="pt-BR" sz="1800" b="0" strike="noStrike" spc="-1">
                 <a:solidFill>
-                  <a:srgbClr val="01498e"/>
+                  <a:srgbClr val="01498E"/>
                 </a:solidFill>
                 <a:latin typeface="Arial"/>
                 <a:ea typeface="Calibri"/>
               </a:rPr>
               <a:t>Estabelecer escopo claro e viável.</a:t>
             </a:r>
-            <a:endParaRPr b="0" lang="pt-BR" sz="1800" spc="-1" strike="noStrike">
+            <a:endParaRPr lang="pt-BR" sz="1800" b="0" strike="noStrike" spc="-1">
               <a:solidFill>
                 <a:srgbClr val="000000"/>
               </a:solidFill>
@@ -7347,7 +8076,7 @@
                 <a:spcPct val="115000"/>
               </a:lnSpc>
             </a:pPr>
-            <a:endParaRPr b="0" lang="pt-BR" sz="1800" spc="-1" strike="noStrike">
+            <a:endParaRPr lang="pt-BR" sz="1800" b="0" strike="noStrike" spc="-1">
               <a:solidFill>
                 <a:srgbClr val="000000"/>
               </a:solidFill>
@@ -7360,7 +8089,7 @@
                 <a:spcPct val="115000"/>
               </a:lnSpc>
             </a:pPr>
-            <a:endParaRPr b="0" lang="pt-BR" sz="1800" spc="-1" strike="noStrike">
+            <a:endParaRPr lang="pt-BR" sz="1800" b="0" strike="noStrike" spc="-1">
               <a:solidFill>
                 <a:srgbClr val="000000"/>
               </a:solidFill>
@@ -7373,7 +8102,7 @@
                 <a:spcPct val="115000"/>
               </a:lnSpc>
             </a:pPr>
-            <a:endParaRPr b="0" lang="pt-BR" sz="1800" spc="-1" strike="noStrike">
+            <a:endParaRPr lang="pt-BR" sz="1800" b="0" strike="noStrike" spc="-1">
               <a:solidFill>
                 <a:srgbClr val="000000"/>
               </a:solidFill>
@@ -7402,15 +8131,22 @@
           </a:ln>
         </p:spPr>
         <p:style>
-          <a:lnRef idx="0"/>
-          <a:fillRef idx="0"/>
-          <a:effectRef idx="0"/>
+          <a:lnRef idx="0">
+            <a:scrgbClr r="0" g="0" b="0"/>
+          </a:lnRef>
+          <a:fillRef idx="0">
+            <a:scrgbClr r="0" g="0" b="0"/>
+          </a:fillRef>
+          <a:effectRef idx="0">
+            <a:scrgbClr r="0" g="0" b="0"/>
+          </a:effectRef>
           <a:fontRef idx="minor"/>
         </p:style>
         <p:txBody>
-          <a:bodyPr lIns="90000" rIns="90000" tIns="91440" bIns="91440" anchor="t">
+          <a:bodyPr lIns="90000" tIns="91440" rIns="90000" bIns="91440" anchor="t">
             <a:noAutofit/>
           </a:bodyPr>
+          <a:lstStyle/>
           <a:p>
             <a:pPr>
               <a:lnSpc>
@@ -7418,7 +8154,7 @@
               </a:lnSpc>
             </a:pPr>
             <a:r>
-              <a:rPr b="1" lang="pt-BR" sz="3600" spc="-1" strike="noStrike">
+              <a:rPr lang="pt-BR" sz="3600" b="1" strike="noStrike" spc="-1">
                 <a:solidFill>
                   <a:srgbClr val="002060"/>
                 </a:solidFill>
@@ -7427,7 +8163,7 @@
               </a:rPr>
               <a:t>Levantamento Requisitos </a:t>
             </a:r>
-            <a:endParaRPr b="0" lang="pt-BR" sz="3600" spc="-1" strike="noStrike">
+            <a:endParaRPr lang="pt-BR" sz="3600" b="0" strike="noStrike" spc="-1">
               <a:solidFill>
                 <a:srgbClr val="000000"/>
               </a:solidFill>
@@ -7438,19 +8174,14 @@
       </p:sp>
     </p:spTree>
   </p:cSld>
-  <mc:AlternateContent>
-    <mc:Choice Requires="p14">
-      <p:transition spd="slow" p14:dur="2000"/>
-    </mc:Choice>
-    <mc:Fallback>
-      <p:transition spd="slow"/>
-    </mc:Fallback>
-  </mc:AlternateContent>
+  <p:clrMapOvr>
+    <a:masterClrMapping/>
+  </p:clrMapOvr>
 </p:sld>
 </file>
 
 <file path=ppt/slides/slide8.xml><?xml version="1.0" encoding="utf-8"?>
-<p:sld xmlns:a="http://schemas.openxmlformats.org/drawingml/2006/main" xmlns:p="http://schemas.openxmlformats.org/presentationml/2006/main" xmlns:r="http://schemas.openxmlformats.org/officeDocument/2006/relationships" xmlns:p14="http://schemas.microsoft.com/office/powerpoint/2010/main" xmlns:p15="http://schemas.microsoft.com/office/powerpoint/2012/main" xmlns:mc="http://schemas.openxmlformats.org/markup-compatibility/2006">
+<p:sld xmlns:a="http://schemas.openxmlformats.org/drawingml/2006/main" xmlns:r="http://schemas.openxmlformats.org/officeDocument/2006/relationships" xmlns:p="http://schemas.openxmlformats.org/presentationml/2006/main">
   <p:cSld>
     <p:spTree>
       <p:nvGrpSpPr>
@@ -7486,15 +8217,22 @@
           </a:ln>
         </p:spPr>
         <p:style>
-          <a:lnRef idx="0"/>
-          <a:fillRef idx="0"/>
-          <a:effectRef idx="0"/>
+          <a:lnRef idx="0">
+            <a:scrgbClr r="0" g="0" b="0"/>
+          </a:lnRef>
+          <a:fillRef idx="0">
+            <a:scrgbClr r="0" g="0" b="0"/>
+          </a:fillRef>
+          <a:effectRef idx="0">
+            <a:scrgbClr r="0" g="0" b="0"/>
+          </a:effectRef>
           <a:fontRef idx="minor"/>
         </p:style>
         <p:txBody>
-          <a:bodyPr lIns="90000" rIns="90000" tIns="45000" bIns="45000" anchor="t">
+          <a:bodyPr lIns="90000" tIns="45000" rIns="90000" bIns="45000" anchor="t">
             <a:spAutoFit/>
           </a:bodyPr>
+          <a:lstStyle/>
           <a:p>
             <a:pPr marL="216000" indent="-216000" algn="just">
               <a:lnSpc>
@@ -7507,24 +8245,24 @@
               <a:buChar char="●"/>
             </a:pPr>
             <a:r>
-              <a:rPr b="0" lang="pt-BR" sz="1800" spc="-1" strike="noStrike">
+              <a:rPr lang="pt-BR" sz="1800" b="0" strike="noStrike" spc="-1" dirty="0">
                 <a:solidFill>
-                  <a:srgbClr val="01498e"/>
+                  <a:srgbClr val="01498E"/>
                 </a:solidFill>
                 <a:latin typeface="Arial"/>
                 <a:ea typeface="Calibri"/>
               </a:rPr>
               <a:t>Ativ02</a:t>
             </a:r>
-            <a:endParaRPr b="0" lang="pt-BR" sz="1800" spc="-1" strike="noStrike">
-              <a:solidFill>
-                <a:srgbClr val="000000"/>
-              </a:solidFill>
-              <a:latin typeface="Arial"/>
-            </a:endParaRPr>
-          </a:p>
-          <a:p>
-            <a:pPr lvl="1" marL="673200" indent="-216000" algn="just">
+            <a:endParaRPr lang="pt-BR" sz="1800" b="0" strike="noStrike" spc="-1" dirty="0">
+              <a:solidFill>
+                <a:srgbClr val="000000"/>
+              </a:solidFill>
+              <a:latin typeface="Arial"/>
+            </a:endParaRPr>
+          </a:p>
+          <a:p>
+            <a:pPr marL="673200" lvl="1" indent="-216000" algn="just">
               <a:lnSpc>
                 <a:spcPct val="115000"/>
               </a:lnSpc>
@@ -7535,24 +8273,24 @@
               <a:buChar char="●"/>
             </a:pPr>
             <a:r>
-              <a:rPr b="0" lang="pt-BR" sz="1800" spc="-1" strike="noStrike">
+              <a:rPr lang="pt-BR" sz="1800" b="0" strike="noStrike" spc="-1" dirty="0">
                 <a:solidFill>
-                  <a:srgbClr val="01498e"/>
+                  <a:srgbClr val="01498E"/>
                 </a:solidFill>
                 <a:latin typeface="Arial"/>
                 <a:ea typeface="Calibri"/>
               </a:rPr>
               <a:t>Formar grupos de 2 ou 3 alunos</a:t>
             </a:r>
-            <a:endParaRPr b="0" lang="pt-BR" sz="1800" spc="-1" strike="noStrike">
-              <a:solidFill>
-                <a:srgbClr val="000000"/>
-              </a:solidFill>
-              <a:latin typeface="Arial"/>
-            </a:endParaRPr>
-          </a:p>
-          <a:p>
-            <a:pPr lvl="1" marL="673200" indent="-216000" algn="just">
+            <a:endParaRPr lang="pt-BR" sz="1800" b="0" strike="noStrike" spc="-1" dirty="0">
+              <a:solidFill>
+                <a:srgbClr val="000000"/>
+              </a:solidFill>
+              <a:latin typeface="Arial"/>
+            </a:endParaRPr>
+          </a:p>
+          <a:p>
+            <a:pPr marL="673200" lvl="1" indent="-216000" algn="just">
               <a:lnSpc>
                 <a:spcPct val="115000"/>
               </a:lnSpc>
@@ -7563,24 +8301,24 @@
               <a:buChar char="●"/>
             </a:pPr>
             <a:r>
-              <a:rPr b="0" lang="pt-BR" sz="1800" spc="-1" strike="noStrike">
+              <a:rPr lang="pt-BR" sz="1800" b="0" strike="noStrike" spc="-1" dirty="0">
                 <a:solidFill>
-                  <a:srgbClr val="01498e"/>
+                  <a:srgbClr val="01498E"/>
                 </a:solidFill>
                 <a:latin typeface="Arial"/>
                 <a:ea typeface="Calibri"/>
               </a:rPr>
               <a:t>Escolher um tema para trabalho</a:t>
             </a:r>
-            <a:endParaRPr b="0" lang="pt-BR" sz="1800" spc="-1" strike="noStrike">
-              <a:solidFill>
-                <a:srgbClr val="000000"/>
-              </a:solidFill>
-              <a:latin typeface="Arial"/>
-            </a:endParaRPr>
-          </a:p>
-          <a:p>
-            <a:pPr lvl="1" marL="673200" indent="-216000" algn="just">
+            <a:endParaRPr lang="pt-BR" sz="1800" b="0" strike="noStrike" spc="-1" dirty="0">
+              <a:solidFill>
+                <a:srgbClr val="000000"/>
+              </a:solidFill>
+              <a:latin typeface="Arial"/>
+            </a:endParaRPr>
+          </a:p>
+          <a:p>
+            <a:pPr marL="673200" lvl="1" indent="-216000" algn="just">
               <a:lnSpc>
                 <a:spcPct val="115000"/>
               </a:lnSpc>
@@ -7591,24 +8329,24 @@
               <a:buChar char="●"/>
             </a:pPr>
             <a:r>
-              <a:rPr b="0" lang="pt-BR" sz="1800" spc="-1" strike="noStrike">
+              <a:rPr lang="pt-BR" sz="1800" b="0" strike="noStrike" spc="-1" dirty="0">
                 <a:solidFill>
-                  <a:srgbClr val="01498e"/>
+                  <a:srgbClr val="01498E"/>
                 </a:solidFill>
                 <a:latin typeface="Arial"/>
                 <a:ea typeface="Calibri"/>
               </a:rPr>
               <a:t>Fazer o levantamento de requisitos e delegação de tarefas  do projeto</a:t>
             </a:r>
-            <a:endParaRPr b="0" lang="pt-BR" sz="1800" spc="-1" strike="noStrike">
-              <a:solidFill>
-                <a:srgbClr val="000000"/>
-              </a:solidFill>
-              <a:latin typeface="Arial"/>
-            </a:endParaRPr>
-          </a:p>
-          <a:p>
-            <a:pPr lvl="1" marL="673200" indent="-216000" algn="just">
+            <a:endParaRPr lang="pt-BR" sz="1800" b="0" strike="noStrike" spc="-1" dirty="0">
+              <a:solidFill>
+                <a:srgbClr val="000000"/>
+              </a:solidFill>
+              <a:latin typeface="Arial"/>
+            </a:endParaRPr>
+          </a:p>
+          <a:p>
+            <a:pPr marL="673200" lvl="1" indent="-216000" algn="just">
               <a:lnSpc>
                 <a:spcPct val="115000"/>
               </a:lnSpc>
@@ -7619,24 +8357,34 @@
               <a:buChar char="●"/>
             </a:pPr>
             <a:r>
-              <a:rPr b="0" lang="pt-BR" sz="1800" spc="-1" strike="noStrike">
+              <a:rPr lang="pt-BR" sz="1800" b="0" strike="noStrike" spc="-1">
                 <a:solidFill>
-                  <a:srgbClr val="01498e"/>
+                  <a:srgbClr val="01498E"/>
                 </a:solidFill>
                 <a:latin typeface="Arial"/>
                 <a:ea typeface="Calibri"/>
               </a:rPr>
-              <a:t>Apresentar para a ideia para a sala</a:t>
+              <a:t>Apresentar a </a:t>
             </a:r>
-            <a:endParaRPr b="0" lang="pt-BR" sz="1800" spc="-1" strike="noStrike">
-              <a:solidFill>
-                <a:srgbClr val="000000"/>
-              </a:solidFill>
-              <a:latin typeface="Arial"/>
-            </a:endParaRPr>
-          </a:p>
-          <a:p>
-            <a:pPr lvl="1" marL="673200" indent="-216000" algn="just">
+            <a:r>
+              <a:rPr lang="pt-BR" sz="1800" b="0" strike="noStrike" spc="-1" dirty="0">
+                <a:solidFill>
+                  <a:srgbClr val="01498E"/>
+                </a:solidFill>
+                <a:latin typeface="Arial"/>
+                <a:ea typeface="Calibri"/>
+              </a:rPr>
+              <a:t>ideia para a sala</a:t>
+            </a:r>
+            <a:endParaRPr lang="pt-BR" sz="1800" b="0" strike="noStrike" spc="-1" dirty="0">
+              <a:solidFill>
+                <a:srgbClr val="000000"/>
+              </a:solidFill>
+              <a:latin typeface="Arial"/>
+            </a:endParaRPr>
+          </a:p>
+          <a:p>
+            <a:pPr marL="673200" lvl="1" indent="-216000" algn="just">
               <a:lnSpc>
                 <a:spcPct val="115000"/>
               </a:lnSpc>
@@ -7647,16 +8395,16 @@
               <a:buChar char="●"/>
             </a:pPr>
             <a:r>
-              <a:rPr b="0" lang="pt-BR" sz="1800" spc="-1" strike="noStrike">
+              <a:rPr lang="pt-BR" sz="1800" b="0" strike="noStrike" spc="-1" dirty="0">
                 <a:solidFill>
-                  <a:srgbClr val="01498e"/>
+                  <a:srgbClr val="01498E"/>
                 </a:solidFill>
                 <a:latin typeface="Arial"/>
                 <a:ea typeface="Calibri"/>
               </a:rPr>
               <a:t>Iniciar a solução</a:t>
             </a:r>
-            <a:endParaRPr b="0" lang="pt-BR" sz="1800" spc="-1" strike="noStrike">
+            <a:endParaRPr lang="pt-BR" sz="1800" b="0" strike="noStrike" spc="-1" dirty="0">
               <a:solidFill>
                 <a:srgbClr val="000000"/>
               </a:solidFill>
@@ -7669,7 +8417,7 @@
                 <a:spcPct val="115000"/>
               </a:lnSpc>
             </a:pPr>
-            <a:endParaRPr b="0" lang="pt-BR" sz="1800" spc="-1" strike="noStrike">
+            <a:endParaRPr lang="pt-BR" sz="1800" b="0" strike="noStrike" spc="-1" dirty="0">
               <a:solidFill>
                 <a:srgbClr val="000000"/>
               </a:solidFill>
@@ -7682,7 +8430,7 @@
                 <a:spcPct val="115000"/>
               </a:lnSpc>
             </a:pPr>
-            <a:endParaRPr b="0" lang="pt-BR" sz="1800" spc="-1" strike="noStrike">
+            <a:endParaRPr lang="pt-BR" sz="1800" b="0" strike="noStrike" spc="-1" dirty="0">
               <a:solidFill>
                 <a:srgbClr val="000000"/>
               </a:solidFill>
@@ -7693,12 +8441,12 @@
       </p:sp>
       <p:pic>
         <p:nvPicPr>
-          <p:cNvPr id="105" name="Imagem 27" descr=""/>
+          <p:cNvPr id="105" name="Imagem 27"/>
           <p:cNvPicPr/>
           <p:nvPr/>
         </p:nvPicPr>
         <p:blipFill>
-          <a:blip r:embed="rId1"/>
+          <a:blip r:embed="rId2"/>
           <a:stretch/>
         </p:blipFill>
         <p:spPr>
@@ -7734,15 +8482,22 @@
           </a:ln>
         </p:spPr>
         <p:style>
-          <a:lnRef idx="0"/>
-          <a:fillRef idx="0"/>
-          <a:effectRef idx="0"/>
+          <a:lnRef idx="0">
+            <a:scrgbClr r="0" g="0" b="0"/>
+          </a:lnRef>
+          <a:fillRef idx="0">
+            <a:scrgbClr r="0" g="0" b="0"/>
+          </a:fillRef>
+          <a:effectRef idx="0">
+            <a:scrgbClr r="0" g="0" b="0"/>
+          </a:effectRef>
           <a:fontRef idx="minor"/>
         </p:style>
         <p:txBody>
-          <a:bodyPr lIns="90000" rIns="90000" tIns="91440" bIns="91440" anchor="t">
+          <a:bodyPr lIns="90000" tIns="91440" rIns="90000" bIns="91440" anchor="t">
             <a:noAutofit/>
           </a:bodyPr>
+          <a:lstStyle/>
           <a:p>
             <a:pPr>
               <a:lnSpc>
@@ -7750,7 +8505,7 @@
               </a:lnSpc>
             </a:pPr>
             <a:r>
-              <a:rPr b="1" lang="pt-BR" sz="5400" spc="-1" strike="noStrike">
+              <a:rPr lang="pt-BR" sz="5400" b="1" strike="noStrike" spc="-1">
                 <a:solidFill>
                   <a:srgbClr val="002060"/>
                 </a:solidFill>
@@ -7759,7 +8514,7 @@
               </a:rPr>
               <a:t>Let’s Work</a:t>
             </a:r>
-            <a:endParaRPr b="0" lang="pt-BR" sz="5400" spc="-1" strike="noStrike">
+            <a:endParaRPr lang="pt-BR" sz="5400" b="0" strike="noStrike" spc="-1">
               <a:solidFill>
                 <a:srgbClr val="000000"/>
               </a:solidFill>
@@ -7770,19 +8525,14 @@
       </p:sp>
     </p:spTree>
   </p:cSld>
-  <mc:AlternateContent>
-    <mc:Choice Requires="p14">
-      <p:transition spd="slow" p14:dur="2000"/>
-    </mc:Choice>
-    <mc:Fallback>
-      <p:transition spd="slow"/>
-    </mc:Fallback>
-  </mc:AlternateContent>
+  <p:clrMapOvr>
+    <a:masterClrMapping/>
+  </p:clrMapOvr>
 </p:sld>
 </file>
 
 <file path=ppt/slides/slide9.xml><?xml version="1.0" encoding="utf-8"?>
-<p:sld xmlns:a="http://schemas.openxmlformats.org/drawingml/2006/main" xmlns:p="http://schemas.openxmlformats.org/presentationml/2006/main" xmlns:r="http://schemas.openxmlformats.org/officeDocument/2006/relationships" xmlns:p14="http://schemas.microsoft.com/office/powerpoint/2010/main" xmlns:p15="http://schemas.microsoft.com/office/powerpoint/2012/main" xmlns:mc="http://schemas.openxmlformats.org/markup-compatibility/2006">
+<p:sld xmlns:a="http://schemas.openxmlformats.org/drawingml/2006/main" xmlns:r="http://schemas.openxmlformats.org/officeDocument/2006/relationships" xmlns:p="http://schemas.openxmlformats.org/presentationml/2006/main">
   <p:cSld>
     <p:spTree>
       <p:nvGrpSpPr>
@@ -7800,14 +8550,9 @@
       </p:grpSpPr>
     </p:spTree>
   </p:cSld>
-  <mc:AlternateContent>
-    <mc:Choice Requires="p14">
-      <p:transition spd="slow" p14:dur="2000"/>
-    </mc:Choice>
-    <mc:Fallback>
-      <p:transition spd="slow"/>
-    </mc:Fallback>
-  </mc:AlternateContent>
+  <p:clrMapOvr>
+    <a:masterClrMapping/>
+  </p:clrMapOvr>
 </p:sld>
 </file>
 
@@ -7819,37 +8564,37 @@
         <a:srgbClr val="000000"/>
       </a:dk1>
       <a:lt1>
-        <a:srgbClr val="ffffff"/>
+        <a:srgbClr val="FFFFFF"/>
       </a:lt1>
       <a:dk2>
-        <a:srgbClr val="39302a"/>
+        <a:srgbClr val="39302A"/>
       </a:dk2>
       <a:lt2>
-        <a:srgbClr val="e5dedb"/>
+        <a:srgbClr val="E5DEDB"/>
       </a:lt2>
       <a:accent1>
-        <a:srgbClr val="ffca08"/>
+        <a:srgbClr val="FFCA08"/>
       </a:accent1>
       <a:accent2>
-        <a:srgbClr val="f8931d"/>
+        <a:srgbClr val="F8931D"/>
       </a:accent2>
       <a:accent3>
-        <a:srgbClr val="ce8d3e"/>
+        <a:srgbClr val="CE8D3E"/>
       </a:accent3>
       <a:accent4>
-        <a:srgbClr val="ec7016"/>
+        <a:srgbClr val="EC7016"/>
       </a:accent4>
       <a:accent5>
-        <a:srgbClr val="e64823"/>
+        <a:srgbClr val="E64823"/>
       </a:accent5>
       <a:accent6>
-        <a:srgbClr val="9c6a6a"/>
+        <a:srgbClr val="9C6A6A"/>
       </a:accent6>
       <a:hlink>
-        <a:srgbClr val="2998e3"/>
+        <a:srgbClr val="2998E3"/>
       </a:hlink>
       <a:folHlink>
-        <a:srgbClr val="7f723d"/>
+        <a:srgbClr val="7F723D"/>
       </a:folHlink>
     </a:clrScheme>
     <a:fontScheme name="Office">
@@ -8011,6 +8756,8 @@
       </a:bgFillStyleLst>
     </a:fmtScheme>
   </a:themeElements>
+  <a:objectDefaults/>
+  <a:extraClrSchemeLst/>
 </a:theme>
 </file>
 
@@ -8022,37 +8769,37 @@
         <a:srgbClr val="000000"/>
       </a:dk1>
       <a:lt1>
-        <a:srgbClr val="ffffff"/>
+        <a:srgbClr val="FFFFFF"/>
       </a:lt1>
       <a:dk2>
-        <a:srgbClr val="39302a"/>
+        <a:srgbClr val="39302A"/>
       </a:dk2>
       <a:lt2>
-        <a:srgbClr val="e5dedb"/>
+        <a:srgbClr val="E5DEDB"/>
       </a:lt2>
       <a:accent1>
-        <a:srgbClr val="ffca08"/>
+        <a:srgbClr val="FFCA08"/>
       </a:accent1>
       <a:accent2>
-        <a:srgbClr val="f8931d"/>
+        <a:srgbClr val="F8931D"/>
       </a:accent2>
       <a:accent3>
-        <a:srgbClr val="ce8d3e"/>
+        <a:srgbClr val="CE8D3E"/>
       </a:accent3>
       <a:accent4>
-        <a:srgbClr val="ec7016"/>
+        <a:srgbClr val="EC7016"/>
       </a:accent4>
       <a:accent5>
-        <a:srgbClr val="e64823"/>
+        <a:srgbClr val="E64823"/>
       </a:accent5>
       <a:accent6>
-        <a:srgbClr val="9c6a6a"/>
+        <a:srgbClr val="9C6A6A"/>
       </a:accent6>
       <a:hlink>
-        <a:srgbClr val="2998e3"/>
+        <a:srgbClr val="2998E3"/>
       </a:hlink>
       <a:folHlink>
-        <a:srgbClr val="7f723d"/>
+        <a:srgbClr val="7F723D"/>
       </a:folHlink>
     </a:clrScheme>
     <a:fontScheme name="Office">
@@ -8214,5 +8961,7 @@
       </a:bgFillStyleLst>
     </a:fmtScheme>
   </a:themeElements>
+  <a:objectDefaults/>
+  <a:extraClrSchemeLst/>
 </a:theme>
 </file>